--- a/SE401/Lectures/6-Unit Testing and Junit/Unit Testing and JUnit.pptx
+++ b/SE401/Lectures/6-Unit Testing and Junit/Unit Testing and JUnit.pptx
@@ -269,7 +269,7 @@
           <a:p>
             <a:fld id="{FDCF9676-2199-4465-A5AC-D069EEB5BB59}" type="datetimeFigureOut">
               <a:rPr lang="en-US" smtClean="0"/>
-              <a:t>11/28/2021</a:t>
+              <a:t>2/17/2022</a:t>
             </a:fld>
             <a:endParaRPr lang="en-US"/>
           </a:p>
@@ -2514,7 +2514,7 @@
           <a:p>
             <a:fld id="{B2F5E2FA-C428-4CE7-95B0-168D3259A5BB}" type="datetimeFigureOut">
               <a:rPr lang="en-US" smtClean="0"/>
-              <a:t>11/28/2021</a:t>
+              <a:t>2/17/2022</a:t>
             </a:fld>
             <a:endParaRPr lang="en-US"/>
           </a:p>
@@ -2765,7 +2765,7 @@
           <a:p>
             <a:fld id="{B2F5E2FA-C428-4CE7-95B0-168D3259A5BB}" type="datetimeFigureOut">
               <a:rPr lang="en-US" smtClean="0"/>
-              <a:t>11/28/2021</a:t>
+              <a:t>2/17/2022</a:t>
             </a:fld>
             <a:endParaRPr lang="en-US"/>
           </a:p>
@@ -2945,7 +2945,7 @@
           <a:p>
             <a:fld id="{B2F5E2FA-C428-4CE7-95B0-168D3259A5BB}" type="datetimeFigureOut">
               <a:rPr lang="en-US" smtClean="0"/>
-              <a:t>11/28/2021</a:t>
+              <a:t>2/17/2022</a:t>
             </a:fld>
             <a:endParaRPr lang="en-US"/>
           </a:p>
@@ -3201,7 +3201,7 @@
           <a:p>
             <a:fld id="{B2F5E2FA-C428-4CE7-95B0-168D3259A5BB}" type="datetimeFigureOut">
               <a:rPr lang="en-US" smtClean="0"/>
-              <a:t>11/28/2021</a:t>
+              <a:t>2/17/2022</a:t>
             </a:fld>
             <a:endParaRPr lang="en-US"/>
           </a:p>
@@ -3546,7 +3546,7 @@
           <a:p>
             <a:fld id="{B2F5E2FA-C428-4CE7-95B0-168D3259A5BB}" type="datetimeFigureOut">
               <a:rPr lang="en-US" smtClean="0"/>
-              <a:t>11/28/2021</a:t>
+              <a:t>2/17/2022</a:t>
             </a:fld>
             <a:endParaRPr lang="en-US"/>
           </a:p>
@@ -3778,7 +3778,7 @@
           <a:p>
             <a:fld id="{B2F5E2FA-C428-4CE7-95B0-168D3259A5BB}" type="datetimeFigureOut">
               <a:rPr lang="en-US" smtClean="0"/>
-              <a:t>11/28/2021</a:t>
+              <a:t>2/17/2022</a:t>
             </a:fld>
             <a:endParaRPr lang="en-US"/>
           </a:p>
@@ -4145,7 +4145,7 @@
           <a:p>
             <a:fld id="{B2F5E2FA-C428-4CE7-95B0-168D3259A5BB}" type="datetimeFigureOut">
               <a:rPr lang="en-US" smtClean="0"/>
-              <a:t>11/28/2021</a:t>
+              <a:t>2/17/2022</a:t>
             </a:fld>
             <a:endParaRPr lang="en-US"/>
           </a:p>
@@ -4240,7 +4240,7 @@
           <a:p>
             <a:fld id="{B2F5E2FA-C428-4CE7-95B0-168D3259A5BB}" type="datetimeFigureOut">
               <a:rPr lang="en-US" smtClean="0"/>
-              <a:t>11/28/2021</a:t>
+              <a:t>2/17/2022</a:t>
             </a:fld>
             <a:endParaRPr lang="en-US"/>
           </a:p>
@@ -4463,7 +4463,7 @@
             <a:fld id="{B2F5E2FA-C428-4CE7-95B0-168D3259A5BB}" type="datetimeFigureOut">
               <a:rPr lang="en-US" smtClean="0"/>
               <a:pPr/>
-              <a:t>11/28/2021</a:t>
+              <a:t>2/17/2022</a:t>
             </a:fld>
             <a:endParaRPr lang="en-US"/>
           </a:p>
@@ -4634,7 +4634,7 @@
           <a:p>
             <a:fld id="{B2F5E2FA-C428-4CE7-95B0-168D3259A5BB}" type="datetimeFigureOut">
               <a:rPr lang="en-US" smtClean="0"/>
-              <a:t>11/28/2021</a:t>
+              <a:t>2/17/2022</a:t>
             </a:fld>
             <a:endParaRPr lang="en-US"/>
           </a:p>
@@ -4911,7 +4911,7 @@
           <a:p>
             <a:fld id="{B2F5E2FA-C428-4CE7-95B0-168D3259A5BB}" type="datetimeFigureOut">
               <a:rPr lang="en-US" smtClean="0"/>
-              <a:t>11/28/2021</a:t>
+              <a:t>2/17/2022</a:t>
             </a:fld>
             <a:endParaRPr lang="en-US"/>
           </a:p>
@@ -5164,7 +5164,7 @@
           <a:p>
             <a:fld id="{B2F5E2FA-C428-4CE7-95B0-168D3259A5BB}" type="datetimeFigureOut">
               <a:rPr lang="en-US" smtClean="0"/>
-              <a:t>11/28/2021</a:t>
+              <a:t>2/17/2022</a:t>
             </a:fld>
             <a:endParaRPr lang="en-US"/>
           </a:p>
@@ -5377,7 +5377,7 @@
           <a:p>
             <a:fld id="{B2F5E2FA-C428-4CE7-95B0-168D3259A5BB}" type="datetimeFigureOut">
               <a:rPr lang="en-US" smtClean="0"/>
-              <a:t>11/28/2021</a:t>
+              <a:t>2/17/2022</a:t>
             </a:fld>
             <a:endParaRPr lang="en-US"/>
           </a:p>
@@ -5823,7 +5823,6 @@
               <a:rPr lang="en-US"/>
               <a:t>SE401: Software Quality Assurance and Testing</a:t>
             </a:r>
-            <a:endParaRPr lang="en-US"/>
           </a:p>
         </p:txBody>
       </p:sp>
@@ -8318,8 +8317,8 @@
         </p:nvSpPr>
         <p:spPr>
           <a:xfrm>
-            <a:off x="710184" y="1847850"/>
-            <a:ext cx="10515600" cy="4351338"/>
+            <a:off x="526211" y="1552755"/>
+            <a:ext cx="10699573" cy="4646433"/>
           </a:xfrm>
         </p:spPr>
         <p:txBody>
@@ -8387,7 +8386,7 @@
         </p:nvSpPr>
         <p:spPr>
           <a:xfrm>
-            <a:off x="3322134" y="3795621"/>
+            <a:off x="2114436" y="3674851"/>
             <a:ext cx="8415511" cy="2697254"/>
           </a:xfrm>
           <a:prstGeom prst="rect">
@@ -11168,7 +11167,7 @@
           <a:effectLst/>
           <a:extLst>
             <a:ext uri="{AF507438-7753-43e0-B8FC-AC1667EBCBE1}">
-              <a14:hiddenEffects xmlns:a14="http://schemas.microsoft.com/office/drawing/2010/main" xmlns="">
+              <a14:hiddenEffects xmlns="" xmlns:a14="http://schemas.microsoft.com/office/drawing/2010/main">
                 <a:effectLst>
                   <a:outerShdw blurRad="63500" dist="38099" dir="2700000" algn="ctr" rotWithShape="0">
                     <a:schemeClr val="bg2">
@@ -11241,12 +11240,12 @@
           <a:effectLst/>
           <a:extLst>
             <a:ext uri="{909E8E84-426E-40dd-AFC4-6F175D3DCCD1}">
-              <a14:hiddenFill xmlns:a14="http://schemas.microsoft.com/office/drawing/2010/main" xmlns="">
+              <a14:hiddenFill xmlns="" xmlns:a14="http://schemas.microsoft.com/office/drawing/2010/main">
                 <a:noFill/>
               </a14:hiddenFill>
             </a:ext>
             <a:ext uri="{AF507438-7753-43e0-B8FC-AC1667EBCBE1}">
-              <a14:hiddenEffects xmlns:a14="http://schemas.microsoft.com/office/drawing/2010/main" xmlns="">
+              <a14:hiddenEffects xmlns="" xmlns:a14="http://schemas.microsoft.com/office/drawing/2010/main">
                 <a:effectLst>
                   <a:outerShdw blurRad="63500" dist="38099" dir="2700000" algn="ctr" rotWithShape="0">
                     <a:schemeClr val="bg2">
@@ -11661,7 +11660,7 @@
           <a:effectLst/>
           <a:extLst>
             <a:ext uri="{AF507438-7753-43e0-B8FC-AC1667EBCBE1}">
-              <a14:hiddenEffects xmlns:a14="http://schemas.microsoft.com/office/drawing/2010/main" xmlns="">
+              <a14:hiddenEffects xmlns="" xmlns:a14="http://schemas.microsoft.com/office/drawing/2010/main">
                 <a:effectLst>
                   <a:outerShdw blurRad="63500" dist="38099" dir="2700000" algn="ctr" rotWithShape="0">
                     <a:schemeClr val="bg2">
@@ -11757,12 +11756,12 @@
           <a:effectLst/>
           <a:extLst>
             <a:ext uri="{909E8E84-426E-40dd-AFC4-6F175D3DCCD1}">
-              <a14:hiddenFill xmlns:a14="http://schemas.microsoft.com/office/drawing/2010/main" xmlns="">
+              <a14:hiddenFill xmlns="" xmlns:a14="http://schemas.microsoft.com/office/drawing/2010/main">
                 <a:noFill/>
               </a14:hiddenFill>
             </a:ext>
             <a:ext uri="{AF507438-7753-43e0-B8FC-AC1667EBCBE1}">
-              <a14:hiddenEffects xmlns:a14="http://schemas.microsoft.com/office/drawing/2010/main" xmlns="">
+              <a14:hiddenEffects xmlns="" xmlns:a14="http://schemas.microsoft.com/office/drawing/2010/main">
                 <a:effectLst>
                   <a:outerShdw blurRad="63500" dist="38099" dir="2700000" algn="ctr" rotWithShape="0">
                     <a:schemeClr val="bg2">
@@ -12187,7 +12186,7 @@
           <a:effectLst/>
           <a:extLst>
             <a:ext uri="{AF507438-7753-43e0-B8FC-AC1667EBCBE1}">
-              <a14:hiddenEffects xmlns:a14="http://schemas.microsoft.com/office/drawing/2010/main" xmlns="">
+              <a14:hiddenEffects xmlns="" xmlns:a14="http://schemas.microsoft.com/office/drawing/2010/main">
                 <a:effectLst>
                   <a:outerShdw blurRad="63500" dist="38099" dir="2700000" algn="ctr" rotWithShape="0">
                     <a:schemeClr val="bg2">
@@ -12279,12 +12278,12 @@
           <a:effectLst/>
           <a:extLst>
             <a:ext uri="{909E8E84-426E-40dd-AFC4-6F175D3DCCD1}">
-              <a14:hiddenFill xmlns:a14="http://schemas.microsoft.com/office/drawing/2010/main" xmlns="">
+              <a14:hiddenFill xmlns="" xmlns:a14="http://schemas.microsoft.com/office/drawing/2010/main">
                 <a:noFill/>
               </a14:hiddenFill>
             </a:ext>
             <a:ext uri="{AF507438-7753-43e0-B8FC-AC1667EBCBE1}">
-              <a14:hiddenEffects xmlns:a14="http://schemas.microsoft.com/office/drawing/2010/main" xmlns="">
+              <a14:hiddenEffects xmlns="" xmlns:a14="http://schemas.microsoft.com/office/drawing/2010/main">
                 <a:effectLst>
                   <a:outerShdw blurRad="63500" dist="38099" dir="2700000" algn="ctr" rotWithShape="0">
                     <a:schemeClr val="bg2">
@@ -12337,12 +12336,12 @@
           <a:effectLst/>
           <a:extLst>
             <a:ext uri="{909E8E84-426E-40dd-AFC4-6F175D3DCCD1}">
-              <a14:hiddenFill xmlns:a14="http://schemas.microsoft.com/office/drawing/2010/main" xmlns="">
+              <a14:hiddenFill xmlns="" xmlns:a14="http://schemas.microsoft.com/office/drawing/2010/main">
                 <a:noFill/>
               </a14:hiddenFill>
             </a:ext>
             <a:ext uri="{AF507438-7753-43e0-B8FC-AC1667EBCBE1}">
-              <a14:hiddenEffects xmlns:a14="http://schemas.microsoft.com/office/drawing/2010/main" xmlns="">
+              <a14:hiddenEffects xmlns="" xmlns:a14="http://schemas.microsoft.com/office/drawing/2010/main">
                 <a:effectLst>
                   <a:outerShdw blurRad="63500" dist="38099" dir="2700000" algn="ctr" rotWithShape="0">
                     <a:schemeClr val="bg2">
@@ -12763,7 +12762,7 @@
           <a:effectLst/>
           <a:extLst>
             <a:ext uri="{AF507438-7753-43e0-B8FC-AC1667EBCBE1}">
-              <a14:hiddenEffects xmlns:a14="http://schemas.microsoft.com/office/drawing/2010/main" xmlns="">
+              <a14:hiddenEffects xmlns="" xmlns:a14="http://schemas.microsoft.com/office/drawing/2010/main">
                 <a:effectLst>
                   <a:outerShdw blurRad="63500" dist="38099" dir="2700000" algn="ctr" rotWithShape="0">
                     <a:schemeClr val="bg2">
@@ -12854,12 +12853,12 @@
           <a:effectLst/>
           <a:extLst>
             <a:ext uri="{909E8E84-426E-40dd-AFC4-6F175D3DCCD1}">
-              <a14:hiddenFill xmlns:a14="http://schemas.microsoft.com/office/drawing/2010/main" xmlns="">
+              <a14:hiddenFill xmlns="" xmlns:a14="http://schemas.microsoft.com/office/drawing/2010/main">
                 <a:noFill/>
               </a14:hiddenFill>
             </a:ext>
             <a:ext uri="{AF507438-7753-43e0-B8FC-AC1667EBCBE1}">
-              <a14:hiddenEffects xmlns:a14="http://schemas.microsoft.com/office/drawing/2010/main" xmlns="">
+              <a14:hiddenEffects xmlns="" xmlns:a14="http://schemas.microsoft.com/office/drawing/2010/main">
                 <a:effectLst>
                   <a:outerShdw blurRad="63500" dist="38099" dir="2700000" algn="ctr" rotWithShape="0">
                     <a:schemeClr val="bg2">

--- a/SE401/Lectures/6-Unit Testing and Junit/Unit Testing and JUnit.pptx
+++ b/SE401/Lectures/6-Unit Testing and Junit/Unit Testing and JUnit.pptx
@@ -269,7 +269,7 @@
           <a:p>
             <a:fld id="{FDCF9676-2199-4465-A5AC-D069EEB5BB59}" type="datetimeFigureOut">
               <a:rPr lang="en-US" smtClean="0"/>
-              <a:t>2/17/2022</a:t>
+              <a:t>2/19/2022</a:t>
             </a:fld>
             <a:endParaRPr lang="en-US"/>
           </a:p>
@@ -2514,7 +2514,7 @@
           <a:p>
             <a:fld id="{B2F5E2FA-C428-4CE7-95B0-168D3259A5BB}" type="datetimeFigureOut">
               <a:rPr lang="en-US" smtClean="0"/>
-              <a:t>2/17/2022</a:t>
+              <a:t>2/19/2022</a:t>
             </a:fld>
             <a:endParaRPr lang="en-US"/>
           </a:p>
@@ -2765,7 +2765,7 @@
           <a:p>
             <a:fld id="{B2F5E2FA-C428-4CE7-95B0-168D3259A5BB}" type="datetimeFigureOut">
               <a:rPr lang="en-US" smtClean="0"/>
-              <a:t>2/17/2022</a:t>
+              <a:t>2/19/2022</a:t>
             </a:fld>
             <a:endParaRPr lang="en-US"/>
           </a:p>
@@ -2945,7 +2945,7 @@
           <a:p>
             <a:fld id="{B2F5E2FA-C428-4CE7-95B0-168D3259A5BB}" type="datetimeFigureOut">
               <a:rPr lang="en-US" smtClean="0"/>
-              <a:t>2/17/2022</a:t>
+              <a:t>2/19/2022</a:t>
             </a:fld>
             <a:endParaRPr lang="en-US"/>
           </a:p>
@@ -3201,7 +3201,7 @@
           <a:p>
             <a:fld id="{B2F5E2FA-C428-4CE7-95B0-168D3259A5BB}" type="datetimeFigureOut">
               <a:rPr lang="en-US" smtClean="0"/>
-              <a:t>2/17/2022</a:t>
+              <a:t>2/19/2022</a:t>
             </a:fld>
             <a:endParaRPr lang="en-US"/>
           </a:p>
@@ -3546,7 +3546,7 @@
           <a:p>
             <a:fld id="{B2F5E2FA-C428-4CE7-95B0-168D3259A5BB}" type="datetimeFigureOut">
               <a:rPr lang="en-US" smtClean="0"/>
-              <a:t>2/17/2022</a:t>
+              <a:t>2/19/2022</a:t>
             </a:fld>
             <a:endParaRPr lang="en-US"/>
           </a:p>
@@ -3778,7 +3778,7 @@
           <a:p>
             <a:fld id="{B2F5E2FA-C428-4CE7-95B0-168D3259A5BB}" type="datetimeFigureOut">
               <a:rPr lang="en-US" smtClean="0"/>
-              <a:t>2/17/2022</a:t>
+              <a:t>2/19/2022</a:t>
             </a:fld>
             <a:endParaRPr lang="en-US"/>
           </a:p>
@@ -4145,7 +4145,7 @@
           <a:p>
             <a:fld id="{B2F5E2FA-C428-4CE7-95B0-168D3259A5BB}" type="datetimeFigureOut">
               <a:rPr lang="en-US" smtClean="0"/>
-              <a:t>2/17/2022</a:t>
+              <a:t>2/19/2022</a:t>
             </a:fld>
             <a:endParaRPr lang="en-US"/>
           </a:p>
@@ -4240,7 +4240,7 @@
           <a:p>
             <a:fld id="{B2F5E2FA-C428-4CE7-95B0-168D3259A5BB}" type="datetimeFigureOut">
               <a:rPr lang="en-US" smtClean="0"/>
-              <a:t>2/17/2022</a:t>
+              <a:t>2/19/2022</a:t>
             </a:fld>
             <a:endParaRPr lang="en-US"/>
           </a:p>
@@ -4463,7 +4463,7 @@
             <a:fld id="{B2F5E2FA-C428-4CE7-95B0-168D3259A5BB}" type="datetimeFigureOut">
               <a:rPr lang="en-US" smtClean="0"/>
               <a:pPr/>
-              <a:t>2/17/2022</a:t>
+              <a:t>2/19/2022</a:t>
             </a:fld>
             <a:endParaRPr lang="en-US"/>
           </a:p>
@@ -4634,7 +4634,7 @@
           <a:p>
             <a:fld id="{B2F5E2FA-C428-4CE7-95B0-168D3259A5BB}" type="datetimeFigureOut">
               <a:rPr lang="en-US" smtClean="0"/>
-              <a:t>2/17/2022</a:t>
+              <a:t>2/19/2022</a:t>
             </a:fld>
             <a:endParaRPr lang="en-US"/>
           </a:p>
@@ -4911,7 +4911,7 @@
           <a:p>
             <a:fld id="{B2F5E2FA-C428-4CE7-95B0-168D3259A5BB}" type="datetimeFigureOut">
               <a:rPr lang="en-US" smtClean="0"/>
-              <a:t>2/17/2022</a:t>
+              <a:t>2/19/2022</a:t>
             </a:fld>
             <a:endParaRPr lang="en-US"/>
           </a:p>
@@ -5164,7 +5164,7 @@
           <a:p>
             <a:fld id="{B2F5E2FA-C428-4CE7-95B0-168D3259A5BB}" type="datetimeFigureOut">
               <a:rPr lang="en-US" smtClean="0"/>
-              <a:t>2/17/2022</a:t>
+              <a:t>2/19/2022</a:t>
             </a:fld>
             <a:endParaRPr lang="en-US"/>
           </a:p>
@@ -5377,7 +5377,7 @@
           <a:p>
             <a:fld id="{B2F5E2FA-C428-4CE7-95B0-168D3259A5BB}" type="datetimeFigureOut">
               <a:rPr lang="en-US" smtClean="0"/>
-              <a:t>2/17/2022</a:t>
+              <a:t>2/19/2022</a:t>
             </a:fld>
             <a:endParaRPr lang="en-US"/>
           </a:p>
@@ -11167,7 +11167,7 @@
           <a:effectLst/>
           <a:extLst>
             <a:ext uri="{AF507438-7753-43e0-B8FC-AC1667EBCBE1}">
-              <a14:hiddenEffects xmlns="" xmlns:a14="http://schemas.microsoft.com/office/drawing/2010/main">
+              <a14:hiddenEffects xmlns:a14="http://schemas.microsoft.com/office/drawing/2010/main" xmlns="">
                 <a:effectLst>
                   <a:outerShdw blurRad="63500" dist="38099" dir="2700000" algn="ctr" rotWithShape="0">
                     <a:schemeClr val="bg2">
@@ -11240,12 +11240,12 @@
           <a:effectLst/>
           <a:extLst>
             <a:ext uri="{909E8E84-426E-40dd-AFC4-6F175D3DCCD1}">
-              <a14:hiddenFill xmlns="" xmlns:a14="http://schemas.microsoft.com/office/drawing/2010/main">
+              <a14:hiddenFill xmlns:a14="http://schemas.microsoft.com/office/drawing/2010/main" xmlns="">
                 <a:noFill/>
               </a14:hiddenFill>
             </a:ext>
             <a:ext uri="{AF507438-7753-43e0-B8FC-AC1667EBCBE1}">
-              <a14:hiddenEffects xmlns="" xmlns:a14="http://schemas.microsoft.com/office/drawing/2010/main">
+              <a14:hiddenEffects xmlns:a14="http://schemas.microsoft.com/office/drawing/2010/main" xmlns="">
                 <a:effectLst>
                   <a:outerShdw blurRad="63500" dist="38099" dir="2700000" algn="ctr" rotWithShape="0">
                     <a:schemeClr val="bg2">
@@ -11660,7 +11660,7 @@
           <a:effectLst/>
           <a:extLst>
             <a:ext uri="{AF507438-7753-43e0-B8FC-AC1667EBCBE1}">
-              <a14:hiddenEffects xmlns="" xmlns:a14="http://schemas.microsoft.com/office/drawing/2010/main">
+              <a14:hiddenEffects xmlns:a14="http://schemas.microsoft.com/office/drawing/2010/main" xmlns="">
                 <a:effectLst>
                   <a:outerShdw blurRad="63500" dist="38099" dir="2700000" algn="ctr" rotWithShape="0">
                     <a:schemeClr val="bg2">
@@ -11756,12 +11756,12 @@
           <a:effectLst/>
           <a:extLst>
             <a:ext uri="{909E8E84-426E-40dd-AFC4-6F175D3DCCD1}">
-              <a14:hiddenFill xmlns="" xmlns:a14="http://schemas.microsoft.com/office/drawing/2010/main">
+              <a14:hiddenFill xmlns:a14="http://schemas.microsoft.com/office/drawing/2010/main" xmlns="">
                 <a:noFill/>
               </a14:hiddenFill>
             </a:ext>
             <a:ext uri="{AF507438-7753-43e0-B8FC-AC1667EBCBE1}">
-              <a14:hiddenEffects xmlns="" xmlns:a14="http://schemas.microsoft.com/office/drawing/2010/main">
+              <a14:hiddenEffects xmlns:a14="http://schemas.microsoft.com/office/drawing/2010/main" xmlns="">
                 <a:effectLst>
                   <a:outerShdw blurRad="63500" dist="38099" dir="2700000" algn="ctr" rotWithShape="0">
                     <a:schemeClr val="bg2">
@@ -12186,7 +12186,7 @@
           <a:effectLst/>
           <a:extLst>
             <a:ext uri="{AF507438-7753-43e0-B8FC-AC1667EBCBE1}">
-              <a14:hiddenEffects xmlns="" xmlns:a14="http://schemas.microsoft.com/office/drawing/2010/main">
+              <a14:hiddenEffects xmlns:a14="http://schemas.microsoft.com/office/drawing/2010/main" xmlns="">
                 <a:effectLst>
                   <a:outerShdw blurRad="63500" dist="38099" dir="2700000" algn="ctr" rotWithShape="0">
                     <a:schemeClr val="bg2">
@@ -12278,12 +12278,12 @@
           <a:effectLst/>
           <a:extLst>
             <a:ext uri="{909E8E84-426E-40dd-AFC4-6F175D3DCCD1}">
-              <a14:hiddenFill xmlns="" xmlns:a14="http://schemas.microsoft.com/office/drawing/2010/main">
+              <a14:hiddenFill xmlns:a14="http://schemas.microsoft.com/office/drawing/2010/main" xmlns="">
                 <a:noFill/>
               </a14:hiddenFill>
             </a:ext>
             <a:ext uri="{AF507438-7753-43e0-B8FC-AC1667EBCBE1}">
-              <a14:hiddenEffects xmlns="" xmlns:a14="http://schemas.microsoft.com/office/drawing/2010/main">
+              <a14:hiddenEffects xmlns:a14="http://schemas.microsoft.com/office/drawing/2010/main" xmlns="">
                 <a:effectLst>
                   <a:outerShdw blurRad="63500" dist="38099" dir="2700000" algn="ctr" rotWithShape="0">
                     <a:schemeClr val="bg2">
@@ -12336,12 +12336,12 @@
           <a:effectLst/>
           <a:extLst>
             <a:ext uri="{909E8E84-426E-40dd-AFC4-6F175D3DCCD1}">
-              <a14:hiddenFill xmlns="" xmlns:a14="http://schemas.microsoft.com/office/drawing/2010/main">
+              <a14:hiddenFill xmlns:a14="http://schemas.microsoft.com/office/drawing/2010/main" xmlns="">
                 <a:noFill/>
               </a14:hiddenFill>
             </a:ext>
             <a:ext uri="{AF507438-7753-43e0-B8FC-AC1667EBCBE1}">
-              <a14:hiddenEffects xmlns="" xmlns:a14="http://schemas.microsoft.com/office/drawing/2010/main">
+              <a14:hiddenEffects xmlns:a14="http://schemas.microsoft.com/office/drawing/2010/main" xmlns="">
                 <a:effectLst>
                   <a:outerShdw blurRad="63500" dist="38099" dir="2700000" algn="ctr" rotWithShape="0">
                     <a:schemeClr val="bg2">
@@ -12762,7 +12762,7 @@
           <a:effectLst/>
           <a:extLst>
             <a:ext uri="{AF507438-7753-43e0-B8FC-AC1667EBCBE1}">
-              <a14:hiddenEffects xmlns="" xmlns:a14="http://schemas.microsoft.com/office/drawing/2010/main">
+              <a14:hiddenEffects xmlns:a14="http://schemas.microsoft.com/office/drawing/2010/main" xmlns="">
                 <a:effectLst>
                   <a:outerShdw blurRad="63500" dist="38099" dir="2700000" algn="ctr" rotWithShape="0">
                     <a:schemeClr val="bg2">
@@ -12853,12 +12853,12 @@
           <a:effectLst/>
           <a:extLst>
             <a:ext uri="{909E8E84-426E-40dd-AFC4-6F175D3DCCD1}">
-              <a14:hiddenFill xmlns="" xmlns:a14="http://schemas.microsoft.com/office/drawing/2010/main">
+              <a14:hiddenFill xmlns:a14="http://schemas.microsoft.com/office/drawing/2010/main" xmlns="">
                 <a:noFill/>
               </a14:hiddenFill>
             </a:ext>
             <a:ext uri="{AF507438-7753-43e0-B8FC-AC1667EBCBE1}">
-              <a14:hiddenEffects xmlns="" xmlns:a14="http://schemas.microsoft.com/office/drawing/2010/main">
+              <a14:hiddenEffects xmlns:a14="http://schemas.microsoft.com/office/drawing/2010/main" xmlns="">
                 <a:effectLst>
                   <a:outerShdw blurRad="63500" dist="38099" dir="2700000" algn="ctr" rotWithShape="0">
                     <a:schemeClr val="bg2">
@@ -30729,7 +30729,7 @@
         </p:nvSpPr>
         <p:spPr>
           <a:xfrm>
-            <a:off x="631167" y="140839"/>
+            <a:off x="329243" y="0"/>
             <a:ext cx="10515600" cy="1325563"/>
           </a:xfrm>
         </p:spPr>

--- a/SE401/Lectures/6-Unit Testing and Junit/Unit Testing and JUnit.pptx
+++ b/SE401/Lectures/6-Unit Testing and Junit/Unit Testing and JUnit.pptx
@@ -5,7 +5,7 @@
     <p:sldMasterId id="2147483648" r:id="rId1"/>
   </p:sldMasterIdLst>
   <p:notesMasterIdLst>
-    <p:notesMasterId r:id="rId75"/>
+    <p:notesMasterId r:id="rId71"/>
   </p:notesMasterIdLst>
   <p:sldIdLst>
     <p:sldId id="256" r:id="rId2"/>
@@ -44,43 +44,39 @@
     <p:sldId id="289" r:id="rId35"/>
     <p:sldId id="290" r:id="rId36"/>
     <p:sldId id="291" r:id="rId37"/>
-    <p:sldId id="292" r:id="rId38"/>
-    <p:sldId id="293" r:id="rId39"/>
-    <p:sldId id="294" r:id="rId40"/>
-    <p:sldId id="295" r:id="rId41"/>
-    <p:sldId id="296" r:id="rId42"/>
-    <p:sldId id="297" r:id="rId43"/>
-    <p:sldId id="298" r:id="rId44"/>
-    <p:sldId id="299" r:id="rId45"/>
-    <p:sldId id="300" r:id="rId46"/>
-    <p:sldId id="301" r:id="rId47"/>
-    <p:sldId id="302" r:id="rId48"/>
-    <p:sldId id="303" r:id="rId49"/>
-    <p:sldId id="304" r:id="rId50"/>
-    <p:sldId id="305" r:id="rId51"/>
-    <p:sldId id="306" r:id="rId52"/>
-    <p:sldId id="307" r:id="rId53"/>
-    <p:sldId id="308" r:id="rId54"/>
-    <p:sldId id="309" r:id="rId55"/>
-    <p:sldId id="310" r:id="rId56"/>
-    <p:sldId id="311" r:id="rId57"/>
-    <p:sldId id="312" r:id="rId58"/>
-    <p:sldId id="313" r:id="rId59"/>
-    <p:sldId id="314" r:id="rId60"/>
-    <p:sldId id="315" r:id="rId61"/>
-    <p:sldId id="316" r:id="rId62"/>
-    <p:sldId id="317" r:id="rId63"/>
-    <p:sldId id="318" r:id="rId64"/>
-    <p:sldId id="330" r:id="rId65"/>
-    <p:sldId id="320" r:id="rId66"/>
-    <p:sldId id="321" r:id="rId67"/>
-    <p:sldId id="322" r:id="rId68"/>
-    <p:sldId id="323" r:id="rId69"/>
-    <p:sldId id="324" r:id="rId70"/>
-    <p:sldId id="325" r:id="rId71"/>
-    <p:sldId id="326" r:id="rId72"/>
-    <p:sldId id="327" r:id="rId73"/>
-    <p:sldId id="328" r:id="rId74"/>
+    <p:sldId id="293" r:id="rId38"/>
+    <p:sldId id="294" r:id="rId39"/>
+    <p:sldId id="295" r:id="rId40"/>
+    <p:sldId id="296" r:id="rId41"/>
+    <p:sldId id="297" r:id="rId42"/>
+    <p:sldId id="298" r:id="rId43"/>
+    <p:sldId id="299" r:id="rId44"/>
+    <p:sldId id="300" r:id="rId45"/>
+    <p:sldId id="301" r:id="rId46"/>
+    <p:sldId id="302" r:id="rId47"/>
+    <p:sldId id="303" r:id="rId48"/>
+    <p:sldId id="304" r:id="rId49"/>
+    <p:sldId id="306" r:id="rId50"/>
+    <p:sldId id="307" r:id="rId51"/>
+    <p:sldId id="308" r:id="rId52"/>
+    <p:sldId id="309" r:id="rId53"/>
+    <p:sldId id="310" r:id="rId54"/>
+    <p:sldId id="312" r:id="rId55"/>
+    <p:sldId id="313" r:id="rId56"/>
+    <p:sldId id="314" r:id="rId57"/>
+    <p:sldId id="315" r:id="rId58"/>
+    <p:sldId id="316" r:id="rId59"/>
+    <p:sldId id="317" r:id="rId60"/>
+    <p:sldId id="318" r:id="rId61"/>
+    <p:sldId id="330" r:id="rId62"/>
+    <p:sldId id="320" r:id="rId63"/>
+    <p:sldId id="321" r:id="rId64"/>
+    <p:sldId id="322" r:id="rId65"/>
+    <p:sldId id="323" r:id="rId66"/>
+    <p:sldId id="324" r:id="rId67"/>
+    <p:sldId id="325" r:id="rId68"/>
+    <p:sldId id="326" r:id="rId69"/>
+    <p:sldId id="327" r:id="rId70"/>
   </p:sldIdLst>
   <p:sldSz cx="12192000" cy="6858000"/>
   <p:notesSz cx="6858000" cy="9144000"/>
@@ -269,7 +265,7 @@
           <a:p>
             <a:fld id="{FDCF9676-2199-4465-A5AC-D069EEB5BB59}" type="datetimeFigureOut">
               <a:rPr lang="en-US" smtClean="0"/>
-              <a:t>2/19/2022</a:t>
+              <a:t>2/23/2022</a:t>
             </a:fld>
             <a:endParaRPr lang="en-US"/>
           </a:p>
@@ -709,178 +705,6 @@
 </p:notes>
 </file>
 
-<file path=ppt/notesSlides/notesSlide10.xml><?xml version="1.0" encoding="utf-8"?>
-<p:notes xmlns:a="http://schemas.openxmlformats.org/drawingml/2006/main" xmlns:r="http://schemas.openxmlformats.org/officeDocument/2006/relationships" xmlns:p="http://schemas.openxmlformats.org/presentationml/2006/main">
-  <p:cSld>
-    <p:spTree>
-      <p:nvGrpSpPr>
-        <p:cNvPr id="1" name=""/>
-        <p:cNvGrpSpPr/>
-        <p:nvPr/>
-      </p:nvGrpSpPr>
-      <p:grpSpPr>
-        <a:xfrm>
-          <a:off x="0" y="0"/>
-          <a:ext cx="0" cy="0"/>
-          <a:chOff x="0" y="0"/>
-          <a:chExt cx="0" cy="0"/>
-        </a:xfrm>
-      </p:grpSpPr>
-      <p:sp>
-        <p:nvSpPr>
-          <p:cNvPr id="2" name="Slide Image Placeholder 1"/>
-          <p:cNvSpPr>
-            <a:spLocks noGrp="1" noRot="1" noChangeAspect="1"/>
-          </p:cNvSpPr>
-          <p:nvPr>
-            <p:ph type="sldImg"/>
-          </p:nvPr>
-        </p:nvSpPr>
-        <p:spPr/>
-      </p:sp>
-      <p:sp>
-        <p:nvSpPr>
-          <p:cNvPr id="3" name="Notes Placeholder 2"/>
-          <p:cNvSpPr>
-            <a:spLocks noGrp="1"/>
-          </p:cNvSpPr>
-          <p:nvPr>
-            <p:ph type="body" idx="1"/>
-          </p:nvPr>
-        </p:nvSpPr>
-        <p:spPr/>
-        <p:txBody>
-          <a:bodyPr/>
-          <a:lstStyle/>
-          <a:p>
-            <a:endParaRPr lang="en-US" dirty="0"/>
-          </a:p>
-        </p:txBody>
-      </p:sp>
-      <p:sp>
-        <p:nvSpPr>
-          <p:cNvPr id="12" name="Date Placeholder 11"/>
-          <p:cNvSpPr>
-            <a:spLocks noGrp="1"/>
-          </p:cNvSpPr>
-          <p:nvPr>
-            <p:ph type="dt" idx="10"/>
-          </p:nvPr>
-        </p:nvSpPr>
-        <p:spPr/>
-        <p:txBody>
-          <a:bodyPr/>
-          <a:lstStyle/>
-          <a:p>
-            <a:pPr>
-              <a:defRPr/>
-            </a:pPr>
-            <a:r>
-              <a:rPr lang="en-US" dirty="0" smtClean="0"/>
-              <a:t>April 18, 2017</a:t>
-            </a:r>
-            <a:endParaRPr lang="en-US" dirty="0"/>
-          </a:p>
-        </p:txBody>
-      </p:sp>
-      <p:sp>
-        <p:nvSpPr>
-          <p:cNvPr id="13" name="Footer Placeholder 12"/>
-          <p:cNvSpPr>
-            <a:spLocks noGrp="1"/>
-          </p:cNvSpPr>
-          <p:nvPr>
-            <p:ph type="ftr" sz="quarter" idx="11"/>
-          </p:nvPr>
-        </p:nvSpPr>
-        <p:spPr/>
-        <p:txBody>
-          <a:bodyPr/>
-          <a:lstStyle/>
-          <a:p>
-            <a:pPr>
-              <a:defRPr/>
-            </a:pPr>
-            <a:r>
-              <a:rPr lang="en-US" dirty="0" smtClean="0"/>
-              <a:t>Lecture 4</a:t>
-            </a:r>
-            <a:endParaRPr lang="en-US" dirty="0"/>
-          </a:p>
-        </p:txBody>
-      </p:sp>
-      <p:sp>
-        <p:nvSpPr>
-          <p:cNvPr id="15" name="Header Placeholder 14"/>
-          <p:cNvSpPr>
-            <a:spLocks noGrp="1"/>
-          </p:cNvSpPr>
-          <p:nvPr>
-            <p:ph type="hdr" sz="quarter" idx="13"/>
-          </p:nvPr>
-        </p:nvSpPr>
-        <p:spPr/>
-        <p:txBody>
-          <a:bodyPr/>
-          <a:lstStyle/>
-          <a:p>
-            <a:pPr>
-              <a:defRPr/>
-            </a:pPr>
-            <a:r>
-              <a:rPr lang="en-US" dirty="0" smtClean="0"/>
-              <a:t>SE 433</a:t>
-            </a:r>
-            <a:endParaRPr lang="en-US" dirty="0"/>
-          </a:p>
-        </p:txBody>
-      </p:sp>
-      <p:sp>
-        <p:nvSpPr>
-          <p:cNvPr id="16" name="Slide Number Placeholder 15"/>
-          <p:cNvSpPr>
-            <a:spLocks noGrp="1"/>
-          </p:cNvSpPr>
-          <p:nvPr>
-            <p:ph type="sldNum" sz="quarter" idx="14"/>
-          </p:nvPr>
-        </p:nvSpPr>
-        <p:spPr/>
-        <p:txBody>
-          <a:bodyPr/>
-          <a:lstStyle/>
-          <a:p>
-            <a:pPr>
-              <a:defRPr/>
-            </a:pPr>
-            <a:fld id="{F0410F35-0C47-794C-85F9-FC23048F5283}" type="slidenum">
-              <a:rPr lang="en-US" smtClean="0"/>
-              <a:pPr>
-                <a:defRPr/>
-              </a:pPr>
-              <a:t>73</a:t>
-            </a:fld>
-            <a:r>
-              <a:rPr lang="en-US" dirty="0" smtClean="0"/>
-              <a:t> of 101</a:t>
-            </a:r>
-            <a:endParaRPr lang="en-US" dirty="0"/>
-          </a:p>
-        </p:txBody>
-      </p:sp>
-    </p:spTree>
-    <p:extLst>
-      <p:ext uri="{BB962C8B-B14F-4D97-AF65-F5344CB8AC3E}">
-        <p14:creationId xmlns:p14="http://schemas.microsoft.com/office/powerpoint/2010/main" val="1898832030"/>
-      </p:ext>
-    </p:extLst>
-  </p:cSld>
-  <p:clrMapOvr>
-    <a:masterClrMapping/>
-  </p:clrMapOvr>
-</p:notes>
-</file>
-
 <file path=ppt/notesSlides/notesSlide2.xml><?xml version="1.0" encoding="utf-8"?>
 <p:notes xmlns:a="http://schemas.openxmlformats.org/drawingml/2006/main" xmlns:r="http://schemas.openxmlformats.org/officeDocument/2006/relationships" xmlns:p="http://schemas.openxmlformats.org/presentationml/2006/main">
   <p:cSld>
@@ -1623,12 +1447,12 @@
       </p:sp>
       <p:sp>
         <p:nvSpPr>
-          <p:cNvPr id="12" name="Date Placeholder 11"/>
+          <p:cNvPr id="4" name="Header Placeholder 3"/>
           <p:cNvSpPr>
             <a:spLocks noGrp="1"/>
           </p:cNvSpPr>
           <p:nvPr>
-            <p:ph type="dt" idx="10"/>
+            <p:ph type="hdr" sz="quarter" idx="10"/>
           </p:nvPr>
         </p:nvSpPr>
         <p:spPr/>
@@ -1641,7 +1465,7 @@
             </a:pPr>
             <a:r>
               <a:rPr lang="en-US" dirty="0" smtClean="0"/>
-              <a:t>April 11, 2017</a:t>
+              <a:t>SE 433</a:t>
             </a:r>
             <a:endParaRPr lang="en-US" dirty="0"/>
           </a:p>
@@ -1649,12 +1473,12 @@
       </p:sp>
       <p:sp>
         <p:nvSpPr>
-          <p:cNvPr id="13" name="Footer Placeholder 12"/>
+          <p:cNvPr id="5" name="Date Placeholder 4"/>
           <p:cNvSpPr>
             <a:spLocks noGrp="1"/>
           </p:cNvSpPr>
           <p:nvPr>
-            <p:ph type="ftr" sz="quarter" idx="11"/>
+            <p:ph type="dt" idx="11"/>
           </p:nvPr>
         </p:nvSpPr>
         <p:spPr/>
@@ -1667,7 +1491,7 @@
             </a:pPr>
             <a:r>
               <a:rPr lang="en-US" dirty="0" smtClean="0"/>
-              <a:t>Lecture 3</a:t>
+              <a:t>April 18, 2017</a:t>
             </a:r>
             <a:endParaRPr lang="en-US" dirty="0"/>
           </a:p>
@@ -1675,12 +1499,12 @@
       </p:sp>
       <p:sp>
         <p:nvSpPr>
-          <p:cNvPr id="15" name="Header Placeholder 14"/>
+          <p:cNvPr id="6" name="Footer Placeholder 5"/>
           <p:cNvSpPr>
             <a:spLocks noGrp="1"/>
           </p:cNvSpPr>
           <p:nvPr>
-            <p:ph type="hdr" sz="quarter" idx="13"/>
+            <p:ph type="ftr" sz="quarter" idx="12"/>
           </p:nvPr>
         </p:nvSpPr>
         <p:spPr/>
@@ -1693,7 +1517,7 @@
             </a:pPr>
             <a:r>
               <a:rPr lang="en-US" dirty="0" smtClean="0"/>
-              <a:t>SE 433</a:t>
+              <a:t>Lecture 4</a:t>
             </a:r>
             <a:endParaRPr lang="en-US" dirty="0"/>
           </a:p>
@@ -1701,12 +1525,12 @@
       </p:sp>
       <p:sp>
         <p:nvSpPr>
-          <p:cNvPr id="4" name="Slide Number Placeholder 3"/>
+          <p:cNvPr id="8" name="Slide Number Placeholder 7"/>
           <p:cNvSpPr>
             <a:spLocks noGrp="1"/>
           </p:cNvSpPr>
           <p:nvPr>
-            <p:ph type="sldNum" sz="quarter" idx="14"/>
+            <p:ph type="sldNum" sz="quarter" idx="13"/>
           </p:nvPr>
         </p:nvSpPr>
         <p:spPr/>
@@ -1722,11 +1546,11 @@
               <a:pPr>
                 <a:defRPr/>
               </a:pPr>
-              <a:t>50</a:t>
+              <a:t>55</a:t>
             </a:fld>
             <a:r>
               <a:rPr lang="en-US" dirty="0" smtClean="0"/>
-              <a:t> of 89</a:t>
+              <a:t> of 101</a:t>
             </a:r>
             <a:endParaRPr lang="en-US" dirty="0"/>
           </a:p>
@@ -1735,7 +1559,7 @@
     </p:spTree>
     <p:extLst>
       <p:ext uri="{BB962C8B-B14F-4D97-AF65-F5344CB8AC3E}">
-        <p14:creationId xmlns:p14="http://schemas.microsoft.com/office/powerpoint/2010/main" val="4221418759"/>
+        <p14:creationId xmlns:p14="http://schemas.microsoft.com/office/powerpoint/2010/main" val="3008872730"/>
       </p:ext>
     </p:extLst>
   </p:cSld>
@@ -1764,19 +1588,21 @@
       </p:grpSpPr>
       <p:sp>
         <p:nvSpPr>
-          <p:cNvPr id="2" name="Slide Image Placeholder 1"/>
-          <p:cNvSpPr>
-            <a:spLocks noGrp="1" noRot="1" noChangeAspect="1"/>
+          <p:cNvPr id="23554" name="Slide Image Placeholder 1"/>
+          <p:cNvSpPr>
+            <a:spLocks noGrp="1" noRot="1" noChangeAspect="1" noTextEdit="1"/>
           </p:cNvSpPr>
           <p:nvPr>
             <p:ph type="sldImg"/>
           </p:nvPr>
         </p:nvSpPr>
-        <p:spPr/>
-      </p:sp>
-      <p:sp>
-        <p:nvSpPr>
-          <p:cNvPr id="3" name="Notes Placeholder 2"/>
+        <p:spPr>
+          <a:ln/>
+        </p:spPr>
+      </p:sp>
+      <p:sp>
+        <p:nvSpPr>
+          <p:cNvPr id="23555" name="Notes Placeholder 2"/>
           <p:cNvSpPr>
             <a:spLocks noGrp="1"/>
           </p:cNvSpPr>
@@ -1784,130 +1610,186 @@
             <p:ph type="body" idx="1"/>
           </p:nvPr>
         </p:nvSpPr>
-        <p:spPr/>
+        <p:spPr>
+          <a:noFill/>
+          <a:ln/>
+          <a:extLst>
+            <a:ext uri="{909E8E84-426E-40DD-AFC4-6F175D3DCCD1}">
+              <a14:hiddenFill xmlns:a14="http://schemas.microsoft.com/office/drawing/2010/main">
+                <a:solidFill>
+                  <a:srgbClr val="FFFFFF"/>
+                </a:solidFill>
+              </a14:hiddenFill>
+            </a:ext>
+            <a:ext uri="{91240B29-F687-4F45-9708-019B960494DF}">
+              <a14:hiddenLine xmlns:a14="http://schemas.microsoft.com/office/drawing/2010/main" w="9525">
+                <a:solidFill>
+                  <a:srgbClr val="000000"/>
+                </a:solidFill>
+                <a:miter lim="800000"/>
+                <a:headEnd/>
+                <a:tailEnd/>
+              </a14:hiddenLine>
+            </a:ext>
+          </a:extLst>
+        </p:spPr>
         <p:txBody>
           <a:bodyPr/>
           <a:lstStyle/>
           <a:p>
+            <a:pPr eaLnBrk="1" hangingPunct="1"/>
             <a:endParaRPr lang="en-US" dirty="0"/>
           </a:p>
         </p:txBody>
       </p:sp>
       <p:sp>
         <p:nvSpPr>
-          <p:cNvPr id="4" name="Header Placeholder 3"/>
+          <p:cNvPr id="23556" name="Slide Number Placeholder 3"/>
           <p:cNvSpPr>
             <a:spLocks noGrp="1"/>
           </p:cNvSpPr>
           <p:nvPr>
-            <p:ph type="hdr" sz="quarter" idx="10"/>
-          </p:nvPr>
-        </p:nvSpPr>
-        <p:spPr/>
+            <p:ph type="sldNum" sz="quarter" idx="5"/>
+          </p:nvPr>
+        </p:nvSpPr>
+        <p:spPr>
+          <a:noFill/>
+          <a:ln/>
+          <a:extLst>
+            <a:ext uri="{909E8E84-426E-40DD-AFC4-6F175D3DCCD1}">
+              <a14:hiddenFill xmlns:a14="http://schemas.microsoft.com/office/drawing/2010/main">
+                <a:solidFill>
+                  <a:srgbClr val="FFFFFF"/>
+                </a:solidFill>
+              </a14:hiddenFill>
+            </a:ext>
+            <a:ext uri="{91240B29-F687-4F45-9708-019B960494DF}">
+              <a14:hiddenLine xmlns:a14="http://schemas.microsoft.com/office/drawing/2010/main" w="9525">
+                <a:solidFill>
+                  <a:srgbClr val="000000"/>
+                </a:solidFill>
+                <a:miter lim="800000"/>
+                <a:headEnd/>
+                <a:tailEnd/>
+              </a14:hiddenLine>
+            </a:ext>
+          </a:extLst>
+        </p:spPr>
         <p:txBody>
           <a:bodyPr/>
-          <a:lstStyle/>
-          <a:p>
-            <a:pPr>
-              <a:defRPr/>
-            </a:pPr>
-            <a:r>
-              <a:rPr lang="en-US" dirty="0" smtClean="0"/>
-              <a:t>SE 433</a:t>
-            </a:r>
-            <a:endParaRPr lang="en-US" dirty="0"/>
-          </a:p>
-        </p:txBody>
-      </p:sp>
-      <p:sp>
-        <p:nvSpPr>
-          <p:cNvPr id="5" name="Date Placeholder 4"/>
-          <p:cNvSpPr>
-            <a:spLocks noGrp="1"/>
-          </p:cNvSpPr>
-          <p:nvPr>
-            <p:ph type="dt" idx="11"/>
-          </p:nvPr>
-        </p:nvSpPr>
-        <p:spPr/>
-        <p:txBody>
-          <a:bodyPr/>
-          <a:lstStyle/>
-          <a:p>
-            <a:pPr>
-              <a:defRPr/>
-            </a:pPr>
-            <a:r>
-              <a:rPr lang="en-US" dirty="0" smtClean="0"/>
-              <a:t>April 18, 2017</a:t>
-            </a:r>
-            <a:endParaRPr lang="en-US" dirty="0"/>
-          </a:p>
-        </p:txBody>
-      </p:sp>
-      <p:sp>
-        <p:nvSpPr>
-          <p:cNvPr id="6" name="Footer Placeholder 5"/>
-          <p:cNvSpPr>
-            <a:spLocks noGrp="1"/>
-          </p:cNvSpPr>
-          <p:nvPr>
-            <p:ph type="ftr" sz="quarter" idx="12"/>
-          </p:nvPr>
-        </p:nvSpPr>
-        <p:spPr/>
-        <p:txBody>
-          <a:bodyPr/>
-          <a:lstStyle/>
-          <a:p>
-            <a:pPr>
-              <a:defRPr/>
-            </a:pPr>
-            <a:r>
-              <a:rPr lang="en-US" dirty="0" smtClean="0"/>
-              <a:t>Lecture 4</a:t>
-            </a:r>
-            <a:endParaRPr lang="en-US" dirty="0"/>
-          </a:p>
-        </p:txBody>
-      </p:sp>
-      <p:sp>
-        <p:nvSpPr>
-          <p:cNvPr id="8" name="Slide Number Placeholder 7"/>
-          <p:cNvSpPr>
-            <a:spLocks noGrp="1"/>
-          </p:cNvSpPr>
-          <p:nvPr>
-            <p:ph type="sldNum" sz="quarter" idx="13"/>
-          </p:nvPr>
-        </p:nvSpPr>
-        <p:spPr/>
-        <p:txBody>
-          <a:bodyPr/>
-          <a:lstStyle/>
-          <a:p>
-            <a:pPr>
-              <a:defRPr/>
-            </a:pPr>
-            <a:fld id="{F0410F35-0C47-794C-85F9-FC23048F5283}" type="slidenum">
-              <a:rPr lang="en-US" smtClean="0"/>
-              <a:pPr>
-                <a:defRPr/>
-              </a:pPr>
-              <a:t>58</a:t>
+          <a:lstStyle>
+            <a:lvl1pPr eaLnBrk="0" hangingPunct="0">
+              <a:defRPr sz="2400">
+                <a:solidFill>
+                  <a:schemeClr val="tx1"/>
+                </a:solidFill>
+                <a:latin typeface="Tahoma" charset="0"/>
+              </a:defRPr>
+            </a:lvl1pPr>
+            <a:lvl2pPr marL="742950" indent="-285750" eaLnBrk="0" hangingPunct="0">
+              <a:defRPr sz="2400">
+                <a:solidFill>
+                  <a:schemeClr val="tx1"/>
+                </a:solidFill>
+                <a:latin typeface="Tahoma" charset="0"/>
+              </a:defRPr>
+            </a:lvl2pPr>
+            <a:lvl3pPr marL="1143000" indent="-228600" eaLnBrk="0" hangingPunct="0">
+              <a:defRPr sz="2400">
+                <a:solidFill>
+                  <a:schemeClr val="tx1"/>
+                </a:solidFill>
+                <a:latin typeface="Tahoma" charset="0"/>
+              </a:defRPr>
+            </a:lvl3pPr>
+            <a:lvl4pPr marL="1600200" indent="-228600" eaLnBrk="0" hangingPunct="0">
+              <a:defRPr sz="2400">
+                <a:solidFill>
+                  <a:schemeClr val="tx1"/>
+                </a:solidFill>
+                <a:latin typeface="Tahoma" charset="0"/>
+              </a:defRPr>
+            </a:lvl4pPr>
+            <a:lvl5pPr marL="2057400" indent="-228600" eaLnBrk="0" hangingPunct="0">
+              <a:defRPr sz="2400">
+                <a:solidFill>
+                  <a:schemeClr val="tx1"/>
+                </a:solidFill>
+                <a:latin typeface="Tahoma" charset="0"/>
+              </a:defRPr>
+            </a:lvl5pPr>
+            <a:lvl6pPr marL="2514600" indent="-228600" eaLnBrk="0" fontAlgn="base" hangingPunct="0">
+              <a:spcBef>
+                <a:spcPct val="0"/>
+              </a:spcBef>
+              <a:spcAft>
+                <a:spcPct val="0"/>
+              </a:spcAft>
+              <a:defRPr sz="2400">
+                <a:solidFill>
+                  <a:schemeClr val="tx1"/>
+                </a:solidFill>
+                <a:latin typeface="Tahoma" charset="0"/>
+              </a:defRPr>
+            </a:lvl6pPr>
+            <a:lvl7pPr marL="2971800" indent="-228600" eaLnBrk="0" fontAlgn="base" hangingPunct="0">
+              <a:spcBef>
+                <a:spcPct val="0"/>
+              </a:spcBef>
+              <a:spcAft>
+                <a:spcPct val="0"/>
+              </a:spcAft>
+              <a:defRPr sz="2400">
+                <a:solidFill>
+                  <a:schemeClr val="tx1"/>
+                </a:solidFill>
+                <a:latin typeface="Tahoma" charset="0"/>
+              </a:defRPr>
+            </a:lvl7pPr>
+            <a:lvl8pPr marL="3429000" indent="-228600" eaLnBrk="0" fontAlgn="base" hangingPunct="0">
+              <a:spcBef>
+                <a:spcPct val="0"/>
+              </a:spcBef>
+              <a:spcAft>
+                <a:spcPct val="0"/>
+              </a:spcAft>
+              <a:defRPr sz="2400">
+                <a:solidFill>
+                  <a:schemeClr val="tx1"/>
+                </a:solidFill>
+                <a:latin typeface="Tahoma" charset="0"/>
+              </a:defRPr>
+            </a:lvl8pPr>
+            <a:lvl9pPr marL="3886200" indent="-228600" eaLnBrk="0" fontAlgn="base" hangingPunct="0">
+              <a:spcBef>
+                <a:spcPct val="0"/>
+              </a:spcBef>
+              <a:spcAft>
+                <a:spcPct val="0"/>
+              </a:spcAft>
+              <a:defRPr sz="2400">
+                <a:solidFill>
+                  <a:schemeClr val="tx1"/>
+                </a:solidFill>
+                <a:latin typeface="Tahoma" charset="0"/>
+              </a:defRPr>
+            </a:lvl9pPr>
+          </a:lstStyle>
+          <a:p>
+            <a:pPr eaLnBrk="1" hangingPunct="1"/>
+            <a:fld id="{E654E663-57AB-4385-86F2-6F3BA292AC98}" type="slidenum">
+              <a:rPr lang="en-US" sz="1200" smtClean="0"/>
+              <a:pPr eaLnBrk="1" hangingPunct="1"/>
+              <a:t>66</a:t>
             </a:fld>
-            <a:r>
-              <a:rPr lang="en-US" dirty="0" smtClean="0"/>
-              <a:t> of 101</a:t>
-            </a:r>
-            <a:endParaRPr lang="en-US" dirty="0"/>
+            <a:endParaRPr lang="en-US" sz="1200"/>
           </a:p>
         </p:txBody>
       </p:sp>
     </p:spTree>
     <p:extLst>
       <p:ext uri="{BB962C8B-B14F-4D97-AF65-F5344CB8AC3E}">
-        <p14:creationId xmlns:p14="http://schemas.microsoft.com/office/powerpoint/2010/main" val="3008872730"/>
+        <p14:creationId xmlns:p14="http://schemas.microsoft.com/office/powerpoint/2010/main" val="1966187432"/>
       </p:ext>
     </p:extLst>
   </p:cSld>
@@ -2128,237 +2010,7 @@
             <a:fld id="{E654E663-57AB-4385-86F2-6F3BA292AC98}" type="slidenum">
               <a:rPr lang="en-US" sz="1200" smtClean="0"/>
               <a:pPr eaLnBrk="1" hangingPunct="1"/>
-              <a:t>69</a:t>
-            </a:fld>
-            <a:endParaRPr lang="en-US" sz="1200"/>
-          </a:p>
-        </p:txBody>
-      </p:sp>
-    </p:spTree>
-    <p:extLst>
-      <p:ext uri="{BB962C8B-B14F-4D97-AF65-F5344CB8AC3E}">
-        <p14:creationId xmlns:p14="http://schemas.microsoft.com/office/powerpoint/2010/main" val="1966187432"/>
-      </p:ext>
-    </p:extLst>
-  </p:cSld>
-  <p:clrMapOvr>
-    <a:masterClrMapping/>
-  </p:clrMapOvr>
-</p:notes>
-</file>
-
-<file path=ppt/notesSlides/notesSlide9.xml><?xml version="1.0" encoding="utf-8"?>
-<p:notes xmlns:a="http://schemas.openxmlformats.org/drawingml/2006/main" xmlns:r="http://schemas.openxmlformats.org/officeDocument/2006/relationships" xmlns:p="http://schemas.openxmlformats.org/presentationml/2006/main">
-  <p:cSld>
-    <p:spTree>
-      <p:nvGrpSpPr>
-        <p:cNvPr id="1" name=""/>
-        <p:cNvGrpSpPr/>
-        <p:nvPr/>
-      </p:nvGrpSpPr>
-      <p:grpSpPr>
-        <a:xfrm>
-          <a:off x="0" y="0"/>
-          <a:ext cx="0" cy="0"/>
-          <a:chOff x="0" y="0"/>
-          <a:chExt cx="0" cy="0"/>
-        </a:xfrm>
-      </p:grpSpPr>
-      <p:sp>
-        <p:nvSpPr>
-          <p:cNvPr id="23554" name="Slide Image Placeholder 1"/>
-          <p:cNvSpPr>
-            <a:spLocks noGrp="1" noRot="1" noChangeAspect="1" noTextEdit="1"/>
-          </p:cNvSpPr>
-          <p:nvPr>
-            <p:ph type="sldImg"/>
-          </p:nvPr>
-        </p:nvSpPr>
-        <p:spPr>
-          <a:ln/>
-        </p:spPr>
-      </p:sp>
-      <p:sp>
-        <p:nvSpPr>
-          <p:cNvPr id="23555" name="Notes Placeholder 2"/>
-          <p:cNvSpPr>
-            <a:spLocks noGrp="1"/>
-          </p:cNvSpPr>
-          <p:nvPr>
-            <p:ph type="body" idx="1"/>
-          </p:nvPr>
-        </p:nvSpPr>
-        <p:spPr>
-          <a:noFill/>
-          <a:ln/>
-          <a:extLst>
-            <a:ext uri="{909E8E84-426E-40DD-AFC4-6F175D3DCCD1}">
-              <a14:hiddenFill xmlns:a14="http://schemas.microsoft.com/office/drawing/2010/main">
-                <a:solidFill>
-                  <a:srgbClr val="FFFFFF"/>
-                </a:solidFill>
-              </a14:hiddenFill>
-            </a:ext>
-            <a:ext uri="{91240B29-F687-4F45-9708-019B960494DF}">
-              <a14:hiddenLine xmlns:a14="http://schemas.microsoft.com/office/drawing/2010/main" w="9525">
-                <a:solidFill>
-                  <a:srgbClr val="000000"/>
-                </a:solidFill>
-                <a:miter lim="800000"/>
-                <a:headEnd/>
-                <a:tailEnd/>
-              </a14:hiddenLine>
-            </a:ext>
-          </a:extLst>
-        </p:spPr>
-        <p:txBody>
-          <a:bodyPr/>
-          <a:lstStyle/>
-          <a:p>
-            <a:pPr eaLnBrk="1" hangingPunct="1"/>
-            <a:endParaRPr lang="en-US" dirty="0"/>
-          </a:p>
-        </p:txBody>
-      </p:sp>
-      <p:sp>
-        <p:nvSpPr>
-          <p:cNvPr id="23556" name="Slide Number Placeholder 3"/>
-          <p:cNvSpPr>
-            <a:spLocks noGrp="1"/>
-          </p:cNvSpPr>
-          <p:nvPr>
-            <p:ph type="sldNum" sz="quarter" idx="5"/>
-          </p:nvPr>
-        </p:nvSpPr>
-        <p:spPr>
-          <a:noFill/>
-          <a:ln/>
-          <a:extLst>
-            <a:ext uri="{909E8E84-426E-40DD-AFC4-6F175D3DCCD1}">
-              <a14:hiddenFill xmlns:a14="http://schemas.microsoft.com/office/drawing/2010/main">
-                <a:solidFill>
-                  <a:srgbClr val="FFFFFF"/>
-                </a:solidFill>
-              </a14:hiddenFill>
-            </a:ext>
-            <a:ext uri="{91240B29-F687-4F45-9708-019B960494DF}">
-              <a14:hiddenLine xmlns:a14="http://schemas.microsoft.com/office/drawing/2010/main" w="9525">
-                <a:solidFill>
-                  <a:srgbClr val="000000"/>
-                </a:solidFill>
-                <a:miter lim="800000"/>
-                <a:headEnd/>
-                <a:tailEnd/>
-              </a14:hiddenLine>
-            </a:ext>
-          </a:extLst>
-        </p:spPr>
-        <p:txBody>
-          <a:bodyPr/>
-          <a:lstStyle>
-            <a:lvl1pPr eaLnBrk="0" hangingPunct="0">
-              <a:defRPr sz="2400">
-                <a:solidFill>
-                  <a:schemeClr val="tx1"/>
-                </a:solidFill>
-                <a:latin typeface="Tahoma" charset="0"/>
-              </a:defRPr>
-            </a:lvl1pPr>
-            <a:lvl2pPr marL="742950" indent="-285750" eaLnBrk="0" hangingPunct="0">
-              <a:defRPr sz="2400">
-                <a:solidFill>
-                  <a:schemeClr val="tx1"/>
-                </a:solidFill>
-                <a:latin typeface="Tahoma" charset="0"/>
-              </a:defRPr>
-            </a:lvl2pPr>
-            <a:lvl3pPr marL="1143000" indent="-228600" eaLnBrk="0" hangingPunct="0">
-              <a:defRPr sz="2400">
-                <a:solidFill>
-                  <a:schemeClr val="tx1"/>
-                </a:solidFill>
-                <a:latin typeface="Tahoma" charset="0"/>
-              </a:defRPr>
-            </a:lvl3pPr>
-            <a:lvl4pPr marL="1600200" indent="-228600" eaLnBrk="0" hangingPunct="0">
-              <a:defRPr sz="2400">
-                <a:solidFill>
-                  <a:schemeClr val="tx1"/>
-                </a:solidFill>
-                <a:latin typeface="Tahoma" charset="0"/>
-              </a:defRPr>
-            </a:lvl4pPr>
-            <a:lvl5pPr marL="2057400" indent="-228600" eaLnBrk="0" hangingPunct="0">
-              <a:defRPr sz="2400">
-                <a:solidFill>
-                  <a:schemeClr val="tx1"/>
-                </a:solidFill>
-                <a:latin typeface="Tahoma" charset="0"/>
-              </a:defRPr>
-            </a:lvl5pPr>
-            <a:lvl6pPr marL="2514600" indent="-228600" eaLnBrk="0" fontAlgn="base" hangingPunct="0">
-              <a:spcBef>
-                <a:spcPct val="0"/>
-              </a:spcBef>
-              <a:spcAft>
-                <a:spcPct val="0"/>
-              </a:spcAft>
-              <a:defRPr sz="2400">
-                <a:solidFill>
-                  <a:schemeClr val="tx1"/>
-                </a:solidFill>
-                <a:latin typeface="Tahoma" charset="0"/>
-              </a:defRPr>
-            </a:lvl6pPr>
-            <a:lvl7pPr marL="2971800" indent="-228600" eaLnBrk="0" fontAlgn="base" hangingPunct="0">
-              <a:spcBef>
-                <a:spcPct val="0"/>
-              </a:spcBef>
-              <a:spcAft>
-                <a:spcPct val="0"/>
-              </a:spcAft>
-              <a:defRPr sz="2400">
-                <a:solidFill>
-                  <a:schemeClr val="tx1"/>
-                </a:solidFill>
-                <a:latin typeface="Tahoma" charset="0"/>
-              </a:defRPr>
-            </a:lvl7pPr>
-            <a:lvl8pPr marL="3429000" indent="-228600" eaLnBrk="0" fontAlgn="base" hangingPunct="0">
-              <a:spcBef>
-                <a:spcPct val="0"/>
-              </a:spcBef>
-              <a:spcAft>
-                <a:spcPct val="0"/>
-              </a:spcAft>
-              <a:defRPr sz="2400">
-                <a:solidFill>
-                  <a:schemeClr val="tx1"/>
-                </a:solidFill>
-                <a:latin typeface="Tahoma" charset="0"/>
-              </a:defRPr>
-            </a:lvl8pPr>
-            <a:lvl9pPr marL="3886200" indent="-228600" eaLnBrk="0" fontAlgn="base" hangingPunct="0">
-              <a:spcBef>
-                <a:spcPct val="0"/>
-              </a:spcBef>
-              <a:spcAft>
-                <a:spcPct val="0"/>
-              </a:spcAft>
-              <a:defRPr sz="2400">
-                <a:solidFill>
-                  <a:schemeClr val="tx1"/>
-                </a:solidFill>
-                <a:latin typeface="Tahoma" charset="0"/>
-              </a:defRPr>
-            </a:lvl9pPr>
-          </a:lstStyle>
-          <a:p>
-            <a:pPr eaLnBrk="1" hangingPunct="1"/>
-            <a:fld id="{E654E663-57AB-4385-86F2-6F3BA292AC98}" type="slidenum">
-              <a:rPr lang="en-US" sz="1200" smtClean="0"/>
-              <a:pPr eaLnBrk="1" hangingPunct="1"/>
-              <a:t>70</a:t>
+              <a:t>67</a:t>
             </a:fld>
             <a:endParaRPr lang="en-US" sz="1200"/>
           </a:p>
@@ -2514,7 +2166,7 @@
           <a:p>
             <a:fld id="{B2F5E2FA-C428-4CE7-95B0-168D3259A5BB}" type="datetimeFigureOut">
               <a:rPr lang="en-US" smtClean="0"/>
-              <a:t>2/19/2022</a:t>
+              <a:t>2/23/2022</a:t>
             </a:fld>
             <a:endParaRPr lang="en-US"/>
           </a:p>
@@ -2765,7 +2417,7 @@
           <a:p>
             <a:fld id="{B2F5E2FA-C428-4CE7-95B0-168D3259A5BB}" type="datetimeFigureOut">
               <a:rPr lang="en-US" smtClean="0"/>
-              <a:t>2/19/2022</a:t>
+              <a:t>2/23/2022</a:t>
             </a:fld>
             <a:endParaRPr lang="en-US"/>
           </a:p>
@@ -2945,7 +2597,7 @@
           <a:p>
             <a:fld id="{B2F5E2FA-C428-4CE7-95B0-168D3259A5BB}" type="datetimeFigureOut">
               <a:rPr lang="en-US" smtClean="0"/>
-              <a:t>2/19/2022</a:t>
+              <a:t>2/23/2022</a:t>
             </a:fld>
             <a:endParaRPr lang="en-US"/>
           </a:p>
@@ -3201,7 +2853,7 @@
           <a:p>
             <a:fld id="{B2F5E2FA-C428-4CE7-95B0-168D3259A5BB}" type="datetimeFigureOut">
               <a:rPr lang="en-US" smtClean="0"/>
-              <a:t>2/19/2022</a:t>
+              <a:t>2/23/2022</a:t>
             </a:fld>
             <a:endParaRPr lang="en-US"/>
           </a:p>
@@ -3546,7 +3198,7 @@
           <a:p>
             <a:fld id="{B2F5E2FA-C428-4CE7-95B0-168D3259A5BB}" type="datetimeFigureOut">
               <a:rPr lang="en-US" smtClean="0"/>
-              <a:t>2/19/2022</a:t>
+              <a:t>2/23/2022</a:t>
             </a:fld>
             <a:endParaRPr lang="en-US"/>
           </a:p>
@@ -3778,7 +3430,7 @@
           <a:p>
             <a:fld id="{B2F5E2FA-C428-4CE7-95B0-168D3259A5BB}" type="datetimeFigureOut">
               <a:rPr lang="en-US" smtClean="0"/>
-              <a:t>2/19/2022</a:t>
+              <a:t>2/23/2022</a:t>
             </a:fld>
             <a:endParaRPr lang="en-US"/>
           </a:p>
@@ -4145,7 +3797,7 @@
           <a:p>
             <a:fld id="{B2F5E2FA-C428-4CE7-95B0-168D3259A5BB}" type="datetimeFigureOut">
               <a:rPr lang="en-US" smtClean="0"/>
-              <a:t>2/19/2022</a:t>
+              <a:t>2/23/2022</a:t>
             </a:fld>
             <a:endParaRPr lang="en-US"/>
           </a:p>
@@ -4240,7 +3892,7 @@
           <a:p>
             <a:fld id="{B2F5E2FA-C428-4CE7-95B0-168D3259A5BB}" type="datetimeFigureOut">
               <a:rPr lang="en-US" smtClean="0"/>
-              <a:t>2/19/2022</a:t>
+              <a:t>2/23/2022</a:t>
             </a:fld>
             <a:endParaRPr lang="en-US"/>
           </a:p>
@@ -4463,7 +4115,7 @@
             <a:fld id="{B2F5E2FA-C428-4CE7-95B0-168D3259A5BB}" type="datetimeFigureOut">
               <a:rPr lang="en-US" smtClean="0"/>
               <a:pPr/>
-              <a:t>2/19/2022</a:t>
+              <a:t>2/23/2022</a:t>
             </a:fld>
             <a:endParaRPr lang="en-US"/>
           </a:p>
@@ -4634,7 +4286,7 @@
           <a:p>
             <a:fld id="{B2F5E2FA-C428-4CE7-95B0-168D3259A5BB}" type="datetimeFigureOut">
               <a:rPr lang="en-US" smtClean="0"/>
-              <a:t>2/19/2022</a:t>
+              <a:t>2/23/2022</a:t>
             </a:fld>
             <a:endParaRPr lang="en-US"/>
           </a:p>
@@ -4911,7 +4563,7 @@
           <a:p>
             <a:fld id="{B2F5E2FA-C428-4CE7-95B0-168D3259A5BB}" type="datetimeFigureOut">
               <a:rPr lang="en-US" smtClean="0"/>
-              <a:t>2/19/2022</a:t>
+              <a:t>2/23/2022</a:t>
             </a:fld>
             <a:endParaRPr lang="en-US"/>
           </a:p>
@@ -5164,7 +4816,7 @@
           <a:p>
             <a:fld id="{B2F5E2FA-C428-4CE7-95B0-168D3259A5BB}" type="datetimeFigureOut">
               <a:rPr lang="en-US" smtClean="0"/>
-              <a:t>2/19/2022</a:t>
+              <a:t>2/23/2022</a:t>
             </a:fld>
             <a:endParaRPr lang="en-US"/>
           </a:p>
@@ -5377,7 +5029,7 @@
           <a:p>
             <a:fld id="{B2F5E2FA-C428-4CE7-95B0-168D3259A5BB}" type="datetimeFigureOut">
               <a:rPr lang="en-US" smtClean="0"/>
-              <a:t>2/19/2022</a:t>
+              <a:t>2/23/2022</a:t>
             </a:fld>
             <a:endParaRPr lang="en-US"/>
           </a:p>
@@ -6998,8 +6650,8 @@
         </p:nvSpPr>
         <p:spPr>
           <a:xfrm>
-            <a:off x="1002792" y="1699832"/>
-            <a:ext cx="9649968" cy="4435792"/>
+            <a:off x="646981" y="1535502"/>
+            <a:ext cx="10213676" cy="4600122"/>
           </a:xfrm>
         </p:spPr>
         <p:txBody>
@@ -7165,7 +6817,7 @@
         <p:spPr/>
         <p:txBody>
           <a:bodyPr>
-            <a:normAutofit lnSpcReduction="10000"/>
+            <a:normAutofit/>
           </a:bodyPr>
           <a:lstStyle/>
           <a:p>
@@ -7186,7 +6838,7 @@
               </a:lnSpc>
             </a:pPr>
             <a:r>
-              <a:rPr lang="en-CA" sz="2800" dirty="0"/>
+              <a:rPr lang="en-CA" sz="2600" dirty="0"/>
               <a:t>Can still test code that has been compiled with previous versions of the JDK</a:t>
             </a:r>
           </a:p>
@@ -7208,11 +6860,11 @@
               </a:lnSpc>
             </a:pPr>
             <a:r>
-              <a:rPr lang="en-CA" sz="2800" dirty="0" err="1"/>
+              <a:rPr lang="en-CA" sz="2600" dirty="0" err="1"/>
               <a:t>IntelliJ</a:t>
             </a:r>
             <a:r>
-              <a:rPr lang="en-CA" sz="2800" dirty="0"/>
+              <a:rPr lang="en-CA" sz="2600" dirty="0"/>
               <a:t> IDEA</a:t>
             </a:r>
           </a:p>
@@ -7223,7 +6875,7 @@
               </a:lnSpc>
             </a:pPr>
             <a:r>
-              <a:rPr lang="en-CA" sz="2800" dirty="0"/>
+              <a:rPr lang="en-CA" sz="2600" dirty="0"/>
               <a:t>Eclipse</a:t>
             </a:r>
           </a:p>
@@ -7234,11 +6886,11 @@
               </a:lnSpc>
             </a:pPr>
             <a:r>
-              <a:rPr lang="en-CA" sz="2800" dirty="0" err="1"/>
+              <a:rPr lang="en-CA" sz="2600" dirty="0" err="1"/>
               <a:t>NetBeans</a:t>
             </a:r>
             <a:r>
-              <a:rPr lang="en-CA" sz="2800" dirty="0"/>
+              <a:rPr lang="en-CA" sz="2600" dirty="0"/>
               <a:t> </a:t>
             </a:r>
           </a:p>
@@ -7249,7 +6901,7 @@
               </a:lnSpc>
             </a:pPr>
             <a:r>
-              <a:rPr lang="en-CA" sz="2800" dirty="0"/>
+              <a:rPr lang="en-CA" sz="2600" dirty="0"/>
               <a:t>Visual Studio Code</a:t>
             </a:r>
           </a:p>
@@ -7271,11 +6923,11 @@
               </a:lnSpc>
             </a:pPr>
             <a:r>
-              <a:rPr lang="en-CA" sz="2800" dirty="0" err="1"/>
+              <a:rPr lang="en-CA" sz="2600" dirty="0" err="1"/>
               <a:t>Gradle</a:t>
             </a:r>
             <a:r>
-              <a:rPr lang="en-CA" sz="2800" dirty="0"/>
+              <a:rPr lang="en-CA" sz="2600" dirty="0"/>
               <a:t> </a:t>
             </a:r>
           </a:p>
@@ -7286,7 +6938,7 @@
               </a:lnSpc>
             </a:pPr>
             <a:r>
-              <a:rPr lang="en-CA" sz="2800" dirty="0"/>
+              <a:rPr lang="en-CA" sz="2600" dirty="0"/>
               <a:t>Maven</a:t>
             </a:r>
           </a:p>
@@ -7297,7 +6949,7 @@
               </a:lnSpc>
             </a:pPr>
             <a:r>
-              <a:rPr lang="en-CA" sz="2800" dirty="0"/>
+              <a:rPr lang="en-CA" sz="2600" dirty="0"/>
               <a:t>Ant</a:t>
             </a:r>
           </a:p>
@@ -8386,8 +8038,8 @@
         </p:nvSpPr>
         <p:spPr>
           <a:xfrm>
-            <a:off x="2114436" y="3674851"/>
-            <a:ext cx="8415511" cy="2697254"/>
+            <a:off x="1224952" y="3364300"/>
+            <a:ext cx="9549440" cy="2907104"/>
           </a:xfrm>
           <a:prstGeom prst="rect">
             <a:avLst/>
@@ -8395,7 +8047,7 @@
         </p:spPr>
         <p:txBody>
           <a:bodyPr vert="horz" lIns="91440" tIns="45720" rIns="91440" bIns="45720" rtlCol="0">
-            <a:normAutofit/>
+            <a:noAutofit/>
           </a:bodyPr>
           <a:lstStyle>
             <a:lvl1pPr marL="228600" indent="-228600" algn="l" defTabSz="914400" rtl="0" eaLnBrk="1" latinLnBrk="0" hangingPunct="1">
@@ -8564,7 +8216,7 @@
           <a:p>
             <a:pPr lvl="1"/>
             <a:r>
-              <a:rPr lang="en-US" sz="1400" b="1" dirty="0" smtClean="0">
+              <a:rPr lang="en-US" sz="1600" b="1" dirty="0" smtClean="0">
                 <a:solidFill>
                   <a:srgbClr val="000000"/>
                 </a:solidFill>
@@ -8575,17 +8227,17 @@
           <a:p>
             <a:pPr lvl="2"/>
             <a:r>
-              <a:rPr lang="en-US" sz="1400" u="sng" dirty="0" smtClean="0">
+              <a:rPr lang="en-US" sz="1600" u="sng" dirty="0" smtClean="0">
                 <a:hlinkClick r:id="rId2"/>
               </a:rPr>
               <a:t>http://junit.org/junit5</a:t>
             </a:r>
-            <a:endParaRPr lang="en-US" sz="1400" u="sng" dirty="0" smtClean="0"/>
+            <a:endParaRPr lang="en-US" sz="1600" u="sng" dirty="0" smtClean="0"/>
           </a:p>
           <a:p>
             <a:pPr lvl="2"/>
             <a:r>
-              <a:rPr lang="en-US" sz="1400" u="sng" dirty="0" smtClean="0">
+              <a:rPr lang="en-US" sz="1600" u="sng" dirty="0" smtClean="0">
                 <a:hlinkClick r:id="rId3"/>
               </a:rPr>
               <a:t>https://junit.org/junit5/docs/snapshot/user-guide/</a:t>
@@ -8594,14 +8246,14 @@
           <a:p>
             <a:pPr lvl="1"/>
             <a:r>
-              <a:rPr lang="en-US" sz="1400" b="1" dirty="0" smtClean="0"/>
+              <a:rPr lang="en-US" sz="1600" b="1" dirty="0" smtClean="0"/>
               <a:t>An introductory tutorial</a:t>
             </a:r>
           </a:p>
           <a:p>
             <a:pPr lvl="2"/>
             <a:r>
-              <a:rPr lang="en-US" sz="1400" u="sng" dirty="0" smtClean="0">
+              <a:rPr lang="en-US" sz="1600" u="sng" dirty="0" smtClean="0">
                 <a:hlinkClick r:id="rId4"/>
               </a:rPr>
               <a:t>http://www.vogella.com/tutorials/JUnit/article.html</a:t>
@@ -8610,14 +8262,14 @@
           <a:p>
             <a:pPr lvl="1"/>
             <a:r>
-              <a:rPr lang="en-US" sz="1400" b="1" dirty="0" smtClean="0">
+              <a:rPr lang="en-US" sz="1600" b="1" dirty="0" smtClean="0">
                 <a:solidFill>
                   <a:srgbClr val="000000"/>
                 </a:solidFill>
               </a:rPr>
               <a:t>Using JUnit in Eclipse</a:t>
             </a:r>
-            <a:endParaRPr lang="en-US" sz="1400" b="1" dirty="0" smtClean="0">
+            <a:endParaRPr lang="en-US" sz="1600" b="1" dirty="0" smtClean="0">
               <a:solidFill>
                 <a:srgbClr val="000000"/>
               </a:solidFill>
@@ -8627,7 +8279,7 @@
           <a:p>
             <a:pPr lvl="2"/>
             <a:r>
-              <a:rPr lang="en-US" sz="1400" u="sng" dirty="0" smtClean="0">
+              <a:rPr lang="en-US" sz="1600" u="sng" dirty="0" smtClean="0">
                 <a:hlinkClick r:id="rId4"/>
               </a:rPr>
               <a:t>https://www.eclipse.org/community/eclipse_newsletter/2017/october/article5.php</a:t>
@@ -8636,7 +8288,7 @@
           <a:p>
             <a:pPr lvl="2"/>
             <a:r>
-              <a:rPr lang="en-US" sz="1400" u="sng" dirty="0" smtClean="0">
+              <a:rPr lang="en-US" sz="1600" u="sng" dirty="0" smtClean="0">
                 <a:hlinkClick r:id="rId4"/>
               </a:rPr>
               <a:t>https://www.educative.io/courses/java-unit-testing-with-junit-5/B892KY261z2</a:t>
@@ -8649,17 +8301,17 @@
               </a:lnSpc>
             </a:pPr>
             <a:r>
-              <a:rPr lang="en-US" sz="1400" b="1" dirty="0" smtClean="0"/>
+              <a:rPr lang="en-US" sz="1600" b="1" dirty="0" smtClean="0"/>
               <a:t>How to use JUnit with NetBeans</a:t>
             </a:r>
-            <a:endParaRPr lang="en-US" sz="1400" b="1" dirty="0" smtClean="0">
+            <a:endParaRPr lang="en-US" sz="1600" b="1" dirty="0" smtClean="0">
               <a:hlinkClick r:id="rId4"/>
             </a:endParaRPr>
           </a:p>
           <a:p>
             <a:pPr lvl="2"/>
             <a:r>
-              <a:rPr lang="en-US" sz="1400" u="sng" dirty="0" smtClean="0">
+              <a:rPr lang="en-US" sz="1600" u="sng" dirty="0" smtClean="0">
                 <a:hlinkClick r:id="rId4"/>
               </a:rPr>
               <a:t>https://testingandlearning.home.blog/2019/01/30/how-to-use-junit-with-netbeans/</a:t>
@@ -8670,7 +8322,7 @@
               <a:buFont typeface="Wingdings" charset="0"/>
               <a:buNone/>
             </a:pPr>
-            <a:endParaRPr lang="en-US" sz="1400" dirty="0">
+            <a:endParaRPr lang="en-US" sz="1600" dirty="0">
               <a:solidFill>
                 <a:srgbClr val="000000"/>
               </a:solidFill>
@@ -10730,17 +10382,27 @@
                 <a:latin typeface="+mn-lt"/>
                 <a:cs typeface="Menlo Regular"/>
               </a:rPr>
-              <a:t>	    </a:t>
-            </a:r>
-            <a:r>
-              <a:rPr lang="en-CA" sz="2400" dirty="0" err="1">
+              <a:t>	</a:t>
+            </a:r>
+            <a:r>
+              <a:rPr lang="en-CA" sz="2400" dirty="0">
                 <a:solidFill>
                   <a:srgbClr val="800000"/>
                 </a:solidFill>
                 <a:latin typeface="+mn-lt"/>
                 <a:cs typeface="Menlo Regular"/>
               </a:rPr>
-              <a:t>assertEquals</a:t>
+              <a:t>   </a:t>
+            </a:r>
+            <a:r>
+              <a:rPr lang="en-CA" sz="2400" dirty="0" err="1">
+                <a:solidFill>
+                  <a:srgbClr val="800000"/>
+                </a:solidFill>
+                <a:latin typeface="+mn-lt"/>
+                <a:cs typeface="Menlo Regular"/>
+              </a:rPr>
+              <a:t>Assert.assertEquals</a:t>
             </a:r>
             <a:r>
               <a:rPr lang="en-CA" sz="2400" dirty="0">
@@ -11167,7 +10829,7 @@
           <a:effectLst/>
           <a:extLst>
             <a:ext uri="{AF507438-7753-43e0-B8FC-AC1667EBCBE1}">
-              <a14:hiddenEffects xmlns:a14="http://schemas.microsoft.com/office/drawing/2010/main" xmlns="">
+              <a14:hiddenEffects xmlns="" xmlns:a14="http://schemas.microsoft.com/office/drawing/2010/main">
                 <a:effectLst>
                   <a:outerShdw blurRad="63500" dist="38099" dir="2700000" algn="ctr" rotWithShape="0">
                     <a:schemeClr val="bg2">
@@ -11240,12 +10902,12 @@
           <a:effectLst/>
           <a:extLst>
             <a:ext uri="{909E8E84-426E-40dd-AFC4-6F175D3DCCD1}">
-              <a14:hiddenFill xmlns:a14="http://schemas.microsoft.com/office/drawing/2010/main" xmlns="">
+              <a14:hiddenFill xmlns="" xmlns:a14="http://schemas.microsoft.com/office/drawing/2010/main">
                 <a:noFill/>
               </a14:hiddenFill>
             </a:ext>
             <a:ext uri="{AF507438-7753-43e0-B8FC-AC1667EBCBE1}">
-              <a14:hiddenEffects xmlns:a14="http://schemas.microsoft.com/office/drawing/2010/main" xmlns="">
+              <a14:hiddenEffects xmlns="" xmlns:a14="http://schemas.microsoft.com/office/drawing/2010/main">
                 <a:effectLst>
                   <a:outerShdw blurRad="63500" dist="38099" dir="2700000" algn="ctr" rotWithShape="0">
                     <a:schemeClr val="bg2">
@@ -11660,7 +11322,7 @@
           <a:effectLst/>
           <a:extLst>
             <a:ext uri="{AF507438-7753-43e0-B8FC-AC1667EBCBE1}">
-              <a14:hiddenEffects xmlns:a14="http://schemas.microsoft.com/office/drawing/2010/main" xmlns="">
+              <a14:hiddenEffects xmlns="" xmlns:a14="http://schemas.microsoft.com/office/drawing/2010/main">
                 <a:effectLst>
                   <a:outerShdw blurRad="63500" dist="38099" dir="2700000" algn="ctr" rotWithShape="0">
                     <a:schemeClr val="bg2">
@@ -11756,12 +11418,12 @@
           <a:effectLst/>
           <a:extLst>
             <a:ext uri="{909E8E84-426E-40dd-AFC4-6F175D3DCCD1}">
-              <a14:hiddenFill xmlns:a14="http://schemas.microsoft.com/office/drawing/2010/main" xmlns="">
+              <a14:hiddenFill xmlns="" xmlns:a14="http://schemas.microsoft.com/office/drawing/2010/main">
                 <a:noFill/>
               </a14:hiddenFill>
             </a:ext>
             <a:ext uri="{AF507438-7753-43e0-B8FC-AC1667EBCBE1}">
-              <a14:hiddenEffects xmlns:a14="http://schemas.microsoft.com/office/drawing/2010/main" xmlns="">
+              <a14:hiddenEffects xmlns="" xmlns:a14="http://schemas.microsoft.com/office/drawing/2010/main">
                 <a:effectLst>
                   <a:outerShdw blurRad="63500" dist="38099" dir="2700000" algn="ctr" rotWithShape="0">
                     <a:schemeClr val="bg2">
@@ -12186,7 +11848,7 @@
           <a:effectLst/>
           <a:extLst>
             <a:ext uri="{AF507438-7753-43e0-B8FC-AC1667EBCBE1}">
-              <a14:hiddenEffects xmlns:a14="http://schemas.microsoft.com/office/drawing/2010/main" xmlns="">
+              <a14:hiddenEffects xmlns="" xmlns:a14="http://schemas.microsoft.com/office/drawing/2010/main">
                 <a:effectLst>
                   <a:outerShdw blurRad="63500" dist="38099" dir="2700000" algn="ctr" rotWithShape="0">
                     <a:schemeClr val="bg2">
@@ -12278,12 +11940,12 @@
           <a:effectLst/>
           <a:extLst>
             <a:ext uri="{909E8E84-426E-40dd-AFC4-6F175D3DCCD1}">
-              <a14:hiddenFill xmlns:a14="http://schemas.microsoft.com/office/drawing/2010/main" xmlns="">
+              <a14:hiddenFill xmlns="" xmlns:a14="http://schemas.microsoft.com/office/drawing/2010/main">
                 <a:noFill/>
               </a14:hiddenFill>
             </a:ext>
             <a:ext uri="{AF507438-7753-43e0-B8FC-AC1667EBCBE1}">
-              <a14:hiddenEffects xmlns:a14="http://schemas.microsoft.com/office/drawing/2010/main" xmlns="">
+              <a14:hiddenEffects xmlns="" xmlns:a14="http://schemas.microsoft.com/office/drawing/2010/main">
                 <a:effectLst>
                   <a:outerShdw blurRad="63500" dist="38099" dir="2700000" algn="ctr" rotWithShape="0">
                     <a:schemeClr val="bg2">
@@ -12336,12 +11998,12 @@
           <a:effectLst/>
           <a:extLst>
             <a:ext uri="{909E8E84-426E-40dd-AFC4-6F175D3DCCD1}">
-              <a14:hiddenFill xmlns:a14="http://schemas.microsoft.com/office/drawing/2010/main" xmlns="">
+              <a14:hiddenFill xmlns="" xmlns:a14="http://schemas.microsoft.com/office/drawing/2010/main">
                 <a:noFill/>
               </a14:hiddenFill>
             </a:ext>
             <a:ext uri="{AF507438-7753-43e0-B8FC-AC1667EBCBE1}">
-              <a14:hiddenEffects xmlns:a14="http://schemas.microsoft.com/office/drawing/2010/main" xmlns="">
+              <a14:hiddenEffects xmlns="" xmlns:a14="http://schemas.microsoft.com/office/drawing/2010/main">
                 <a:effectLst>
                   <a:outerShdw blurRad="63500" dist="38099" dir="2700000" algn="ctr" rotWithShape="0">
                     <a:schemeClr val="bg2">
@@ -12762,7 +12424,7 @@
           <a:effectLst/>
           <a:extLst>
             <a:ext uri="{AF507438-7753-43e0-B8FC-AC1667EBCBE1}">
-              <a14:hiddenEffects xmlns:a14="http://schemas.microsoft.com/office/drawing/2010/main" xmlns="">
+              <a14:hiddenEffects xmlns="" xmlns:a14="http://schemas.microsoft.com/office/drawing/2010/main">
                 <a:effectLst>
                   <a:outerShdw blurRad="63500" dist="38099" dir="2700000" algn="ctr" rotWithShape="0">
                     <a:schemeClr val="bg2">
@@ -12853,12 +12515,12 @@
           <a:effectLst/>
           <a:extLst>
             <a:ext uri="{909E8E84-426E-40dd-AFC4-6F175D3DCCD1}">
-              <a14:hiddenFill xmlns:a14="http://schemas.microsoft.com/office/drawing/2010/main" xmlns="">
+              <a14:hiddenFill xmlns="" xmlns:a14="http://schemas.microsoft.com/office/drawing/2010/main">
                 <a:noFill/>
               </a14:hiddenFill>
             </a:ext>
             <a:ext uri="{AF507438-7753-43e0-B8FC-AC1667EBCBE1}">
-              <a14:hiddenEffects xmlns:a14="http://schemas.microsoft.com/office/drawing/2010/main" xmlns="">
+              <a14:hiddenEffects xmlns="" xmlns:a14="http://schemas.microsoft.com/office/drawing/2010/main">
                 <a:effectLst>
                   <a:outerShdw blurRad="63500" dist="38099" dir="2700000" algn="ctr" rotWithShape="0">
                     <a:schemeClr val="bg2">
@@ -12959,8 +12621,8 @@
         </p:nvSpPr>
         <p:spPr>
           <a:xfrm>
-            <a:off x="957072" y="1699832"/>
-            <a:ext cx="9841992" cy="5021262"/>
+            <a:off x="517585" y="1518249"/>
+            <a:ext cx="10696755" cy="4718649"/>
           </a:xfrm>
         </p:spPr>
         <p:txBody>
@@ -13415,12 +13077,13 @@
             </a:r>
             <a:r>
               <a:rPr lang="en-US" i="1" dirty="0" smtClean="0"/>
-              <a:t>Sample Code </a:t>
-            </a:r>
-            <a:r>
-              <a:rPr lang="en-US" dirty="0" smtClean="0"/>
-              <a:t>from Moodle </a:t>
-            </a:r>
+              <a:t>Sample </a:t>
+            </a:r>
+            <a:r>
+              <a:rPr lang="en-US" i="1" dirty="0" smtClean="0"/>
+              <a:t>Code</a:t>
+            </a:r>
+            <a:endParaRPr lang="en-US" dirty="0" smtClean="0"/>
           </a:p>
           <a:p>
             <a:pPr lvl="1"/>
@@ -16775,149 +16438,6 @@
           <a:p>
             <a:r>
               <a:rPr lang="en-US" dirty="0"/>
-              <a:t>Run JUnit in Eclipse: An Example </a:t>
-            </a:r>
-          </a:p>
-        </p:txBody>
-      </p:sp>
-      <p:sp>
-        <p:nvSpPr>
-          <p:cNvPr id="3" name="Content Placeholder 2"/>
-          <p:cNvSpPr>
-            <a:spLocks noGrp="1"/>
-          </p:cNvSpPr>
-          <p:nvPr>
-            <p:ph idx="1"/>
-          </p:nvPr>
-        </p:nvSpPr>
-        <p:spPr/>
-        <p:txBody>
-          <a:bodyPr/>
-          <a:lstStyle/>
-          <a:p>
-            <a:r>
-              <a:rPr lang="en-US" dirty="0" smtClean="0"/>
-              <a:t>Click “Finish”</a:t>
-            </a:r>
-            <a:endParaRPr lang="en-US" dirty="0"/>
-          </a:p>
-        </p:txBody>
-      </p:sp>
-      <p:pic>
-        <p:nvPicPr>
-          <p:cNvPr id="6" name="Picture 5" descr="junit1-newproj4.pdf"/>
-          <p:cNvPicPr>
-            <a:picLocks noChangeAspect="1"/>
-          </p:cNvPicPr>
-          <p:nvPr/>
-        </p:nvPicPr>
-        <p:blipFill>
-          <a:blip r:embed="rId2" cstate="print">
-            <a:extLst>
-              <a:ext uri="{28A0092B-C50C-407E-A947-70E740481C1C}">
-                <a14:useLocalDpi xmlns:a14="http://schemas.microsoft.com/office/drawing/2010/main" val="0"/>
-              </a:ext>
-            </a:extLst>
-          </a:blip>
-          <a:stretch>
-            <a:fillRect/>
-          </a:stretch>
-        </p:blipFill>
-        <p:spPr>
-          <a:xfrm>
-            <a:off x="6234023" y="1318899"/>
-            <a:ext cx="4267200" cy="5356538"/>
-          </a:xfrm>
-          <a:prstGeom prst="rect">
-            <a:avLst/>
-          </a:prstGeom>
-        </p:spPr>
-      </p:pic>
-      <p:sp>
-        <p:nvSpPr>
-          <p:cNvPr id="4" name="Slide Number Placeholder 3"/>
-          <p:cNvSpPr>
-            <a:spLocks noGrp="1"/>
-          </p:cNvSpPr>
-          <p:nvPr>
-            <p:ph type="sldNum" sz="quarter" idx="12"/>
-          </p:nvPr>
-        </p:nvSpPr>
-        <p:spPr/>
-        <p:txBody>
-          <a:bodyPr/>
-          <a:lstStyle/>
-          <a:p>
-            <a:fld id="{B543A0FD-1CA6-4228-86A2-78061B4844C8}" type="slidenum">
-              <a:rPr lang="en-US" smtClean="0"/>
-              <a:t>37</a:t>
-            </a:fld>
-            <a:endParaRPr lang="en-US"/>
-          </a:p>
-        </p:txBody>
-      </p:sp>
-    </p:spTree>
-    <p:extLst>
-      <p:ext uri="{BB962C8B-B14F-4D97-AF65-F5344CB8AC3E}">
-        <p14:creationId xmlns:p14="http://schemas.microsoft.com/office/powerpoint/2010/main" val="960609142"/>
-      </p:ext>
-    </p:extLst>
-  </p:cSld>
-  <p:clrMapOvr>
-    <a:masterClrMapping/>
-  </p:clrMapOvr>
-  <mc:AlternateContent xmlns:mc="http://schemas.openxmlformats.org/markup-compatibility/2006" xmlns:p14="http://schemas.microsoft.com/office/powerpoint/2010/main">
-    <mc:Choice Requires="p14">
-      <p:transition spd="slow" p14:dur="2000"/>
-    </mc:Choice>
-    <mc:Fallback xmlns="">
-      <p:transition spd="slow"/>
-    </mc:Fallback>
-  </mc:AlternateContent>
-  <p:timing>
-    <p:tnLst>
-      <p:par>
-        <p:cTn id="1" dur="indefinite" restart="never" nodeType="tmRoot"/>
-      </p:par>
-    </p:tnLst>
-  </p:timing>
-</p:sld>
-</file>
-
-<file path=ppt/slides/slide38.xml><?xml version="1.0" encoding="utf-8"?>
-<p:sld xmlns:a="http://schemas.openxmlformats.org/drawingml/2006/main" xmlns:r="http://schemas.openxmlformats.org/officeDocument/2006/relationships" xmlns:p="http://schemas.openxmlformats.org/presentationml/2006/main">
-  <p:cSld>
-    <p:spTree>
-      <p:nvGrpSpPr>
-        <p:cNvPr id="1" name=""/>
-        <p:cNvGrpSpPr/>
-        <p:nvPr/>
-      </p:nvGrpSpPr>
-      <p:grpSpPr>
-        <a:xfrm>
-          <a:off x="0" y="0"/>
-          <a:ext cx="0" cy="0"/>
-          <a:chOff x="0" y="0"/>
-          <a:chExt cx="0" cy="0"/>
-        </a:xfrm>
-      </p:grpSpPr>
-      <p:sp>
-        <p:nvSpPr>
-          <p:cNvPr id="2" name="Title 1"/>
-          <p:cNvSpPr>
-            <a:spLocks noGrp="1"/>
-          </p:cNvSpPr>
-          <p:nvPr>
-            <p:ph type="title"/>
-          </p:nvPr>
-        </p:nvSpPr>
-        <p:spPr/>
-        <p:txBody>
-          <a:bodyPr/>
-          <a:lstStyle/>
-          <a:p>
-            <a:r>
-              <a:rPr lang="en-US" dirty="0"/>
               <a:t>Run JUnit in Eclipse: An </a:t>
             </a:r>
             <a:r>
@@ -17040,7 +16560,7 @@
           <a:p>
             <a:fld id="{B543A0FD-1CA6-4228-86A2-78061B4844C8}" type="slidenum">
               <a:rPr lang="en-US" smtClean="0"/>
-              <a:t>38</a:t>
+              <a:t>37</a:t>
             </a:fld>
             <a:endParaRPr lang="en-US"/>
           </a:p>
@@ -17207,7 +16727,7 @@
 </p:sld>
 </file>
 
-<file path=ppt/slides/slide39.xml><?xml version="1.0" encoding="utf-8"?>
+<file path=ppt/slides/slide38.xml><?xml version="1.0" encoding="utf-8"?>
 <p:sld xmlns:a="http://schemas.openxmlformats.org/drawingml/2006/main" xmlns:r="http://schemas.openxmlformats.org/officeDocument/2006/relationships" xmlns:p="http://schemas.openxmlformats.org/presentationml/2006/main">
   <p:cSld>
     <p:spTree>
@@ -17293,7 +16813,7 @@
           <a:p>
             <a:fld id="{B543A0FD-1CA6-4228-86A2-78061B4844C8}" type="slidenum">
               <a:rPr lang="en-US" smtClean="0"/>
-              <a:t>39</a:t>
+              <a:t>38</a:t>
             </a:fld>
             <a:endParaRPr lang="en-US"/>
           </a:p>
@@ -17317,6 +16837,89 @@
       <p:transition spd="slow"/>
     </mc:Fallback>
   </mc:AlternateContent>
+  <p:timing>
+    <p:tnLst>
+      <p:par>
+        <p:cTn id="1" dur="indefinite" restart="never" nodeType="tmRoot"/>
+      </p:par>
+    </p:tnLst>
+  </p:timing>
+</p:sld>
+</file>
+
+<file path=ppt/slides/slide39.xml><?xml version="1.0" encoding="utf-8"?>
+<p:sld xmlns:a="http://schemas.openxmlformats.org/drawingml/2006/main" xmlns:r="http://schemas.openxmlformats.org/officeDocument/2006/relationships" xmlns:p="http://schemas.openxmlformats.org/presentationml/2006/main">
+  <p:cSld>
+    <p:spTree>
+      <p:nvGrpSpPr>
+        <p:cNvPr id="1" name=""/>
+        <p:cNvGrpSpPr/>
+        <p:nvPr/>
+      </p:nvGrpSpPr>
+      <p:grpSpPr>
+        <a:xfrm>
+          <a:off x="0" y="0"/>
+          <a:ext cx="0" cy="0"/>
+          <a:chOff x="0" y="0"/>
+          <a:chExt cx="0" cy="0"/>
+        </a:xfrm>
+      </p:grpSpPr>
+      <p:sp>
+        <p:nvSpPr>
+          <p:cNvPr id="2" name="Title 1"/>
+          <p:cNvSpPr>
+            <a:spLocks noGrp="1"/>
+          </p:cNvSpPr>
+          <p:nvPr>
+            <p:ph type="title"/>
+          </p:nvPr>
+        </p:nvSpPr>
+        <p:spPr/>
+        <p:txBody>
+          <a:bodyPr/>
+          <a:lstStyle/>
+          <a:p>
+            <a:pPr algn="ctr"/>
+            <a:r>
+              <a:rPr lang="en-US" sz="4400" dirty="0"/>
+              <a:t>Assertion Methods </a:t>
+            </a:r>
+          </a:p>
+        </p:txBody>
+      </p:sp>
+      <p:sp>
+        <p:nvSpPr>
+          <p:cNvPr id="4" name="Slide Number Placeholder 3"/>
+          <p:cNvSpPr>
+            <a:spLocks noGrp="1"/>
+          </p:cNvSpPr>
+          <p:nvPr>
+            <p:ph type="sldNum" sz="quarter" idx="12"/>
+          </p:nvPr>
+        </p:nvSpPr>
+        <p:spPr/>
+        <p:txBody>
+          <a:bodyPr/>
+          <a:lstStyle/>
+          <a:p>
+            <a:fld id="{B543A0FD-1CA6-4228-86A2-78061B4844C8}" type="slidenum">
+              <a:rPr lang="en-US" smtClean="0"/>
+              <a:t>39</a:t>
+            </a:fld>
+            <a:endParaRPr lang="en-US"/>
+          </a:p>
+        </p:txBody>
+      </p:sp>
+    </p:spTree>
+    <p:extLst>
+      <p:ext uri="{BB962C8B-B14F-4D97-AF65-F5344CB8AC3E}">
+        <p14:creationId xmlns:p14="http://schemas.microsoft.com/office/powerpoint/2010/main" val="2338962689"/>
+      </p:ext>
+    </p:extLst>
+  </p:cSld>
+  <p:clrMapOvr>
+    <a:masterClrMapping/>
+  </p:clrMapOvr>
   <p:timing>
     <p:tnLst>
       <p:par>
@@ -17483,7 +17086,7 @@
       </p:grpSpPr>
       <p:sp>
         <p:nvSpPr>
-          <p:cNvPr id="2" name="Title 1"/>
+          <p:cNvPr id="31748" name="Rectangle 2"/>
           <p:cNvSpPr>
             <a:spLocks noGrp="1"/>
           </p:cNvSpPr>
@@ -17496,17 +17099,218 @@
           <a:bodyPr/>
           <a:lstStyle/>
           <a:p>
-            <a:pPr algn="ctr"/>
-            <a:r>
-              <a:rPr lang="en-US" sz="4400" dirty="0"/>
-              <a:t>Assertion Methods </a:t>
-            </a:r>
-          </a:p>
-        </p:txBody>
-      </p:sp>
-      <p:sp>
-        <p:nvSpPr>
-          <p:cNvPr id="4" name="Slide Number Placeholder 3"/>
+            <a:r>
+              <a:rPr lang="en-CA" dirty="0" smtClean="0"/>
+              <a:t>Assertions in Test Cases</a:t>
+            </a:r>
+            <a:endParaRPr lang="en-CA" dirty="0"/>
+          </a:p>
+        </p:txBody>
+      </p:sp>
+      <p:sp>
+        <p:nvSpPr>
+          <p:cNvPr id="31749" name="Rectangle 3"/>
+          <p:cNvSpPr>
+            <a:spLocks noGrp="1"/>
+          </p:cNvSpPr>
+          <p:nvPr>
+            <p:ph idx="1"/>
+          </p:nvPr>
+        </p:nvSpPr>
+        <p:spPr/>
+        <p:txBody>
+          <a:bodyPr>
+            <a:normAutofit/>
+          </a:bodyPr>
+          <a:lstStyle/>
+          <a:p>
+            <a:pPr marL="0" indent="0">
+              <a:lnSpc>
+                <a:spcPct val="80000"/>
+              </a:lnSpc>
+              <a:buNone/>
+            </a:pPr>
+            <a:r>
+              <a:rPr lang="en-CA" sz="3200" dirty="0"/>
+              <a:t>During execution of a test case:</a:t>
+            </a:r>
+            <a:endParaRPr lang="en-CA" b="1" dirty="0">
+              <a:solidFill>
+                <a:srgbClr val="3333CC"/>
+              </a:solidFill>
+            </a:endParaRPr>
+          </a:p>
+          <a:p>
+            <a:pPr>
+              <a:lnSpc>
+                <a:spcPct val="80000"/>
+              </a:lnSpc>
+            </a:pPr>
+            <a:r>
+              <a:rPr lang="en-CA" sz="3200" dirty="0"/>
+              <a:t>If an assertion is </a:t>
+            </a:r>
+            <a:r>
+              <a:rPr lang="en-CA" sz="3200" b="1" u="sng" dirty="0"/>
+              <a:t>true</a:t>
+            </a:r>
+            <a:r>
+              <a:rPr lang="en-CA" sz="3200" dirty="0"/>
+              <a:t>, </a:t>
+            </a:r>
+          </a:p>
+          <a:p>
+            <a:pPr lvl="1">
+              <a:lnSpc>
+                <a:spcPct val="80000"/>
+              </a:lnSpc>
+            </a:pPr>
+            <a:r>
+              <a:rPr lang="en-CA" sz="2700" dirty="0"/>
+              <a:t>Execution continues</a:t>
+            </a:r>
+          </a:p>
+          <a:p>
+            <a:pPr>
+              <a:lnSpc>
+                <a:spcPct val="80000"/>
+              </a:lnSpc>
+            </a:pPr>
+            <a:r>
+              <a:rPr lang="en-CA" sz="3200" dirty="0"/>
+              <a:t>If any assertion is </a:t>
+            </a:r>
+            <a:r>
+              <a:rPr lang="en-CA" sz="3200" b="1" u="sng" dirty="0"/>
+              <a:t>false</a:t>
+            </a:r>
+            <a:r>
+              <a:rPr lang="en-CA" sz="3200" dirty="0"/>
+              <a:t>, </a:t>
+            </a:r>
+          </a:p>
+          <a:p>
+            <a:pPr lvl="1">
+              <a:lnSpc>
+                <a:spcPct val="80000"/>
+              </a:lnSpc>
+            </a:pPr>
+            <a:r>
+              <a:rPr lang="en-CA" sz="2700" dirty="0"/>
+              <a:t>Execution of the test case stops</a:t>
+            </a:r>
+          </a:p>
+          <a:p>
+            <a:pPr lvl="1">
+              <a:lnSpc>
+                <a:spcPct val="80000"/>
+              </a:lnSpc>
+            </a:pPr>
+            <a:r>
+              <a:rPr lang="en-CA" sz="2700" dirty="0"/>
+              <a:t>The test case </a:t>
+            </a:r>
+            <a:r>
+              <a:rPr lang="en-CA" sz="2700" u="sng" dirty="0">
+                <a:solidFill>
+                  <a:srgbClr val="FF0000"/>
+                </a:solidFill>
+              </a:rPr>
+              <a:t>fails</a:t>
+            </a:r>
+            <a:endParaRPr lang="en-CA" sz="2700" u="sng" dirty="0"/>
+          </a:p>
+          <a:p>
+            <a:pPr>
+              <a:lnSpc>
+                <a:spcPct val="80000"/>
+              </a:lnSpc>
+            </a:pPr>
+            <a:r>
+              <a:rPr lang="en-CA" sz="3200" dirty="0"/>
+              <a:t>If an </a:t>
+            </a:r>
+            <a:r>
+              <a:rPr lang="en-CA" sz="3200" i="1" u="sng" dirty="0"/>
+              <a:t>unexpected</a:t>
+            </a:r>
+            <a:r>
+              <a:rPr lang="en-CA" sz="3200" dirty="0"/>
+              <a:t> exception is encountered, </a:t>
+            </a:r>
+          </a:p>
+          <a:p>
+            <a:pPr lvl="1">
+              <a:lnSpc>
+                <a:spcPct val="80000"/>
+              </a:lnSpc>
+            </a:pPr>
+            <a:r>
+              <a:rPr lang="en-CA" sz="2700" dirty="0"/>
+              <a:t>The verdict of the test case is an </a:t>
+            </a:r>
+            <a:r>
+              <a:rPr lang="en-CA" sz="2700" u="sng" dirty="0">
+                <a:solidFill>
+                  <a:srgbClr val="3333CC"/>
+                </a:solidFill>
+              </a:rPr>
+              <a:t>error</a:t>
+            </a:r>
+            <a:r>
+              <a:rPr lang="en-CA" sz="2700" dirty="0"/>
+              <a:t>.</a:t>
+            </a:r>
+          </a:p>
+          <a:p>
+            <a:pPr>
+              <a:lnSpc>
+                <a:spcPct val="80000"/>
+              </a:lnSpc>
+            </a:pPr>
+            <a:r>
+              <a:rPr lang="en-CA" sz="3200" dirty="0"/>
+              <a:t>If all assertions were true, </a:t>
+            </a:r>
+          </a:p>
+          <a:p>
+            <a:pPr lvl="1">
+              <a:lnSpc>
+                <a:spcPct val="80000"/>
+              </a:lnSpc>
+            </a:pPr>
+            <a:r>
+              <a:rPr lang="en-CA" sz="2700" dirty="0"/>
+              <a:t>The test case </a:t>
+            </a:r>
+            <a:r>
+              <a:rPr lang="en-CA" sz="2700" i="1" dirty="0">
+                <a:solidFill>
+                  <a:srgbClr val="00CC00"/>
+                </a:solidFill>
+              </a:rPr>
+              <a:t>passes</a:t>
+            </a:r>
+            <a:r>
+              <a:rPr lang="en-CA" sz="2700" dirty="0"/>
+              <a:t>.</a:t>
+            </a:r>
+          </a:p>
+          <a:p>
+            <a:pPr>
+              <a:lnSpc>
+                <a:spcPct val="80000"/>
+              </a:lnSpc>
+            </a:pPr>
+            <a:endParaRPr lang="en-CA" sz="2200" dirty="0">
+              <a:latin typeface="Gill Sans MT" charset="0"/>
+            </a:endParaRPr>
+          </a:p>
+        </p:txBody>
+      </p:sp>
+      <p:sp>
+        <p:nvSpPr>
+          <p:cNvPr id="2" name="Slide Number Placeholder 1"/>
           <p:cNvSpPr>
             <a:spLocks noGrp="1"/>
           </p:cNvSpPr>
@@ -17530,7 +17334,7 @@
     </p:spTree>
     <p:extLst>
       <p:ext uri="{BB962C8B-B14F-4D97-AF65-F5344CB8AC3E}">
-        <p14:creationId xmlns:p14="http://schemas.microsoft.com/office/powerpoint/2010/main" val="2338962689"/>
+        <p14:creationId xmlns:p14="http://schemas.microsoft.com/office/powerpoint/2010/main" val="1540465759"/>
       </p:ext>
     </p:extLst>
   </p:cSld>
@@ -17566,7 +17370,7 @@
       </p:grpSpPr>
       <p:sp>
         <p:nvSpPr>
-          <p:cNvPr id="31748" name="Rectangle 2"/>
+          <p:cNvPr id="2" name="Title 1"/>
           <p:cNvSpPr>
             <a:spLocks noGrp="1"/>
           </p:cNvSpPr>
@@ -17580,16 +17384,15 @@
           <a:lstStyle/>
           <a:p>
             <a:r>
-              <a:rPr lang="en-CA" dirty="0" smtClean="0"/>
-              <a:t>Assertions in Test Cases</a:t>
-            </a:r>
-            <a:endParaRPr lang="en-CA" dirty="0"/>
-          </a:p>
-        </p:txBody>
-      </p:sp>
-      <p:sp>
-        <p:nvSpPr>
-          <p:cNvPr id="31749" name="Rectangle 3"/>
+              <a:rPr lang="en-US" sz="3600" dirty="0"/>
+              <a:t>Assertion Methods: Boolean Conditions</a:t>
+            </a:r>
+          </a:p>
+        </p:txBody>
+      </p:sp>
+      <p:sp>
+        <p:nvSpPr>
+          <p:cNvPr id="3" name="Content Placeholder 2"/>
           <p:cNvSpPr>
             <a:spLocks noGrp="1"/>
           </p:cNvSpPr>
@@ -17597,200 +17400,334 @@
             <p:ph idx="1"/>
           </p:nvPr>
         </p:nvSpPr>
-        <p:spPr/>
-        <p:txBody>
-          <a:bodyPr>
-            <a:normAutofit/>
-          </a:bodyPr>
+        <p:spPr>
+          <a:xfrm>
+            <a:off x="526211" y="1354347"/>
+            <a:ext cx="9445925" cy="5211045"/>
+          </a:xfrm>
+        </p:spPr>
+        <p:txBody>
+          <a:bodyPr/>
           <a:lstStyle/>
+          <a:p>
+            <a:r>
+              <a:rPr lang="en-CA" sz="3200" dirty="0"/>
+              <a:t>Static methods defined in </a:t>
+            </a:r>
+            <a:r>
+              <a:rPr lang="en-CA" dirty="0">
+                <a:solidFill>
+                  <a:srgbClr val="000090"/>
+                </a:solidFill>
+              </a:rPr>
+              <a:t>org.junit.Assert</a:t>
+            </a:r>
+          </a:p>
+          <a:p>
+            <a:pPr>
+              <a:lnSpc>
+                <a:spcPct val="90000"/>
+              </a:lnSpc>
+            </a:pPr>
+            <a:r>
+              <a:rPr lang="en-CA" sz="3200" dirty="0"/>
+              <a:t>Assert a Boolean condition is true or false</a:t>
+            </a:r>
+          </a:p>
+          <a:p>
+            <a:pPr marL="742950" lvl="1" indent="-285750">
+              <a:buNone/>
+            </a:pPr>
+            <a:r>
+              <a:rPr lang="en-CA" sz="2600" dirty="0">
+                <a:solidFill>
+                  <a:srgbClr val="000090"/>
+                </a:solidFill>
+                <a:latin typeface="+mn-lt"/>
+              </a:rPr>
+              <a:t>assertTrue(</a:t>
+            </a:r>
+            <a:r>
+              <a:rPr lang="en-CA" sz="2600" i="1" dirty="0">
+                <a:solidFill>
+                  <a:srgbClr val="000090"/>
+                </a:solidFill>
+                <a:latin typeface="+mn-lt"/>
+              </a:rPr>
+              <a:t>condition</a:t>
+            </a:r>
+            <a:r>
+              <a:rPr lang="en-CA" sz="2600" dirty="0">
+                <a:solidFill>
+                  <a:srgbClr val="000090"/>
+                </a:solidFill>
+                <a:latin typeface="+mn-lt"/>
+              </a:rPr>
+              <a:t>)</a:t>
+            </a:r>
+          </a:p>
+          <a:p>
+            <a:pPr marL="742950" lvl="1" indent="-285750">
+              <a:buNone/>
+            </a:pPr>
+            <a:r>
+              <a:rPr lang="en-CA" sz="2600" dirty="0">
+                <a:solidFill>
+                  <a:srgbClr val="000090"/>
+                </a:solidFill>
+                <a:latin typeface="+mn-lt"/>
+              </a:rPr>
+              <a:t>assertFalse(</a:t>
+            </a:r>
+            <a:r>
+              <a:rPr lang="en-CA" sz="2600" i="1" dirty="0">
+                <a:solidFill>
+                  <a:srgbClr val="000090"/>
+                </a:solidFill>
+                <a:latin typeface="+mn-lt"/>
+              </a:rPr>
+              <a:t>condition</a:t>
+            </a:r>
+            <a:r>
+              <a:rPr lang="en-CA" sz="2600" dirty="0">
+                <a:solidFill>
+                  <a:srgbClr val="000090"/>
+                </a:solidFill>
+                <a:latin typeface="+mn-lt"/>
+              </a:rPr>
+              <a:t>)</a:t>
+            </a:r>
+          </a:p>
+          <a:p>
+            <a:pPr>
+              <a:lnSpc>
+                <a:spcPct val="90000"/>
+              </a:lnSpc>
+            </a:pPr>
+            <a:r>
+              <a:rPr lang="en-CA" sz="3200" dirty="0"/>
+              <a:t>Optionally, include a failure message </a:t>
+            </a:r>
+            <a:r>
+              <a:rPr lang="en-CA" sz="3200" dirty="0" smtClean="0"/>
+              <a:t>  </a:t>
+            </a:r>
+          </a:p>
           <a:p>
             <a:pPr marL="0" indent="0">
               <a:lnSpc>
-                <a:spcPct val="80000"/>
+                <a:spcPct val="90000"/>
               </a:lnSpc>
               <a:buNone/>
             </a:pPr>
             <a:r>
+              <a:rPr lang="en-CA" sz="3200" dirty="0">
+                <a:solidFill>
+                  <a:srgbClr val="000090"/>
+                </a:solidFill>
+                <a:latin typeface="Arial"/>
+              </a:rPr>
+              <a:t> </a:t>
+            </a:r>
+            <a:r>
+              <a:rPr lang="en-CA" sz="3200" dirty="0" smtClean="0">
+                <a:solidFill>
+                  <a:srgbClr val="000090"/>
+                </a:solidFill>
+                <a:latin typeface="Arial"/>
+              </a:rPr>
+              <a:t>  </a:t>
+            </a:r>
+            <a:r>
+              <a:rPr lang="en-CA" sz="2600" dirty="0" err="1" smtClean="0">
+                <a:solidFill>
+                  <a:srgbClr val="000090"/>
+                </a:solidFill>
+                <a:latin typeface="Arial"/>
+              </a:rPr>
+              <a:t>assertTrue</a:t>
+            </a:r>
+            <a:r>
+              <a:rPr lang="en-CA" sz="2600" dirty="0" smtClean="0">
+                <a:solidFill>
+                  <a:srgbClr val="000090"/>
+                </a:solidFill>
+                <a:latin typeface="Arial"/>
+              </a:rPr>
+              <a:t>(</a:t>
+            </a:r>
+            <a:r>
+              <a:rPr lang="en-CA" sz="2600" i="1" dirty="0" smtClean="0">
+                <a:solidFill>
+                  <a:srgbClr val="FF0D45"/>
+                </a:solidFill>
+                <a:latin typeface="Arial"/>
+              </a:rPr>
+              <a:t>message</a:t>
+            </a:r>
+            <a:r>
+              <a:rPr lang="en-CA" sz="2600" i="1" dirty="0">
+                <a:solidFill>
+                  <a:srgbClr val="000090"/>
+                </a:solidFill>
+                <a:latin typeface="Arial"/>
+              </a:rPr>
+              <a:t>, condition</a:t>
+            </a:r>
+            <a:r>
+              <a:rPr lang="en-CA" sz="2600" dirty="0">
+                <a:solidFill>
+                  <a:srgbClr val="000090"/>
+                </a:solidFill>
+                <a:latin typeface="Arial"/>
+              </a:rPr>
+              <a:t>)</a:t>
+            </a:r>
+          </a:p>
+          <a:p>
+            <a:pPr marL="349250" lvl="1" indent="0">
+              <a:buNone/>
+            </a:pPr>
+            <a:r>
+              <a:rPr lang="en-CA" sz="2600" dirty="0">
+                <a:solidFill>
+                  <a:srgbClr val="000090"/>
+                </a:solidFill>
+                <a:latin typeface="Arial"/>
+              </a:rPr>
+              <a:t>assertFalse(</a:t>
+            </a:r>
+            <a:r>
+              <a:rPr lang="en-CA" sz="2600" i="1" dirty="0">
+                <a:solidFill>
+                  <a:srgbClr val="FF0D45"/>
+                </a:solidFill>
+                <a:latin typeface="Arial"/>
+              </a:rPr>
+              <a:t>message</a:t>
+            </a:r>
+            <a:r>
+              <a:rPr lang="en-CA" sz="2600" i="1" dirty="0">
+                <a:solidFill>
+                  <a:srgbClr val="000090"/>
+                </a:solidFill>
+                <a:latin typeface="Arial"/>
+              </a:rPr>
+              <a:t>, condition</a:t>
+            </a:r>
+            <a:r>
+              <a:rPr lang="en-CA" sz="2600" dirty="0">
+                <a:solidFill>
+                  <a:srgbClr val="000090"/>
+                </a:solidFill>
+                <a:latin typeface="Arial"/>
+              </a:rPr>
+              <a:t>)</a:t>
+            </a:r>
+          </a:p>
+          <a:p>
+            <a:pPr>
+              <a:lnSpc>
+                <a:spcPct val="90000"/>
+              </a:lnSpc>
+            </a:pPr>
+            <a:r>
               <a:rPr lang="en-CA" sz="3200" dirty="0"/>
-              <a:t>During execution of a test case:</a:t>
-            </a:r>
-            <a:endParaRPr lang="en-CA" b="1" dirty="0">
+              <a:t>Examples</a:t>
+            </a:r>
+          </a:p>
+          <a:p>
+            <a:pPr marL="349250" lvl="1" indent="0">
+              <a:buNone/>
+            </a:pPr>
+            <a:r>
+              <a:rPr lang="en-US" sz="2600" dirty="0">
+                <a:solidFill>
+                  <a:srgbClr val="000090"/>
+                </a:solidFill>
+                <a:latin typeface="+mn-lt"/>
+                <a:ea typeface="Monaco"/>
+                <a:cs typeface="Monaco"/>
+              </a:rPr>
+              <a:t>assertTrue(search(a, 3) == 1);</a:t>
+            </a:r>
+          </a:p>
+          <a:p>
+            <a:pPr marL="349250" lvl="1" indent="0">
+              <a:buNone/>
+            </a:pPr>
+            <a:r>
+              <a:rPr lang="en-US" sz="2600" dirty="0">
+                <a:solidFill>
+                  <a:srgbClr val="000090"/>
+                </a:solidFill>
+                <a:latin typeface="+mn-lt"/>
+                <a:ea typeface="Monaco"/>
+                <a:cs typeface="Monaco"/>
+              </a:rPr>
+              <a:t>assertFalse(</a:t>
+            </a:r>
+            <a:r>
+              <a:rPr lang="en-US" sz="2600" dirty="0">
+                <a:solidFill>
+                  <a:srgbClr val="FF0D45"/>
+                </a:solidFill>
+                <a:latin typeface="+mn-lt"/>
+                <a:ea typeface="Monaco"/>
+                <a:cs typeface="Monaco"/>
+              </a:rPr>
+              <a:t>“Failure: 2 is not in array.”</a:t>
+            </a:r>
+            <a:r>
+              <a:rPr lang="en-US" sz="2600" dirty="0">
+                <a:solidFill>
+                  <a:srgbClr val="000090"/>
+                </a:solidFill>
+                <a:latin typeface="+mn-lt"/>
+                <a:ea typeface="Monaco"/>
+                <a:cs typeface="Monaco"/>
+              </a:rPr>
+              <a:t>, search(a, 2) &gt;= 0);</a:t>
+            </a:r>
+            <a:endParaRPr lang="en-CA" sz="2600" dirty="0">
+              <a:solidFill>
+                <a:srgbClr val="000090"/>
+              </a:solidFill>
+              <a:latin typeface="+mn-lt"/>
+            </a:endParaRPr>
+          </a:p>
+          <a:p>
+            <a:pPr marL="107950" indent="0">
+              <a:buNone/>
+            </a:pPr>
+            <a:endParaRPr lang="en-CA" dirty="0">
               <a:solidFill>
                 <a:srgbClr val="3333CC"/>
               </a:solidFill>
             </a:endParaRPr>
           </a:p>
           <a:p>
-            <a:pPr>
-              <a:lnSpc>
-                <a:spcPct val="80000"/>
-              </a:lnSpc>
-            </a:pPr>
-            <a:r>
-              <a:rPr lang="en-CA" sz="3200" dirty="0"/>
-              <a:t>If an assertion is </a:t>
-            </a:r>
-            <a:r>
-              <a:rPr lang="en-CA" sz="3200" b="1" u="sng" dirty="0"/>
-              <a:t>true</a:t>
-            </a:r>
-            <a:r>
-              <a:rPr lang="en-CA" sz="3200" dirty="0"/>
-              <a:t>, </a:t>
-            </a:r>
-          </a:p>
-          <a:p>
-            <a:pPr lvl="1">
-              <a:lnSpc>
-                <a:spcPct val="80000"/>
-              </a:lnSpc>
-            </a:pPr>
-            <a:r>
-              <a:rPr lang="en-CA" sz="2700" dirty="0"/>
-              <a:t>Execution continues</a:t>
-            </a:r>
-          </a:p>
-          <a:p>
-            <a:pPr>
-              <a:lnSpc>
-                <a:spcPct val="80000"/>
-              </a:lnSpc>
-            </a:pPr>
-            <a:r>
-              <a:rPr lang="en-CA" sz="3200" dirty="0"/>
-              <a:t>If any assertion is </a:t>
-            </a:r>
-            <a:r>
-              <a:rPr lang="en-CA" sz="3200" b="1" u="sng" dirty="0"/>
-              <a:t>false</a:t>
-            </a:r>
-            <a:r>
-              <a:rPr lang="en-CA" sz="3200" dirty="0"/>
-              <a:t>, </a:t>
-            </a:r>
-          </a:p>
-          <a:p>
-            <a:pPr lvl="1">
-              <a:lnSpc>
-                <a:spcPct val="80000"/>
-              </a:lnSpc>
-            </a:pPr>
-            <a:r>
-              <a:rPr lang="en-CA" sz="2700" dirty="0"/>
-              <a:t>Execution of the test case stops</a:t>
-            </a:r>
-          </a:p>
-          <a:p>
-            <a:pPr lvl="1">
-              <a:lnSpc>
-                <a:spcPct val="80000"/>
-              </a:lnSpc>
-            </a:pPr>
-            <a:r>
-              <a:rPr lang="en-CA" sz="2700" dirty="0"/>
-              <a:t>The test case </a:t>
-            </a:r>
-            <a:r>
-              <a:rPr lang="en-CA" sz="2700" u="sng" dirty="0">
-                <a:solidFill>
-                  <a:srgbClr val="FF0000"/>
-                </a:solidFill>
-              </a:rPr>
-              <a:t>fails</a:t>
-            </a:r>
-            <a:endParaRPr lang="en-CA" sz="2700" u="sng" dirty="0"/>
-          </a:p>
-          <a:p>
-            <a:pPr>
-              <a:lnSpc>
-                <a:spcPct val="80000"/>
-              </a:lnSpc>
-            </a:pPr>
-            <a:r>
-              <a:rPr lang="en-CA" sz="3200" dirty="0"/>
-              <a:t>If an </a:t>
-            </a:r>
-            <a:r>
-              <a:rPr lang="en-CA" sz="3200" i="1" u="sng" dirty="0"/>
-              <a:t>unexpected</a:t>
-            </a:r>
-            <a:r>
-              <a:rPr lang="en-CA" sz="3200" dirty="0"/>
-              <a:t> exception is encountered, </a:t>
-            </a:r>
-          </a:p>
-          <a:p>
-            <a:pPr lvl="1">
-              <a:lnSpc>
-                <a:spcPct val="80000"/>
-              </a:lnSpc>
-            </a:pPr>
-            <a:r>
-              <a:rPr lang="en-CA" sz="2700" dirty="0"/>
-              <a:t>The verdict of the test case is an </a:t>
-            </a:r>
-            <a:r>
-              <a:rPr lang="en-CA" sz="2700" u="sng" dirty="0">
-                <a:solidFill>
-                  <a:srgbClr val="3333CC"/>
-                </a:solidFill>
-              </a:rPr>
-              <a:t>error</a:t>
-            </a:r>
-            <a:r>
-              <a:rPr lang="en-CA" sz="2700" dirty="0"/>
-              <a:t>.</a:t>
-            </a:r>
-          </a:p>
-          <a:p>
-            <a:pPr>
-              <a:lnSpc>
-                <a:spcPct val="80000"/>
-              </a:lnSpc>
-            </a:pPr>
-            <a:r>
-              <a:rPr lang="en-CA" sz="3200" dirty="0"/>
-              <a:t>If all assertions were true, </a:t>
-            </a:r>
-          </a:p>
-          <a:p>
-            <a:pPr lvl="1">
-              <a:lnSpc>
-                <a:spcPct val="80000"/>
-              </a:lnSpc>
-            </a:pPr>
-            <a:r>
-              <a:rPr lang="en-CA" sz="2700" dirty="0"/>
-              <a:t>The test case </a:t>
-            </a:r>
-            <a:r>
-              <a:rPr lang="en-CA" sz="2700" i="1" dirty="0">
-                <a:solidFill>
-                  <a:srgbClr val="00CC00"/>
-                </a:solidFill>
-              </a:rPr>
-              <a:t>passes</a:t>
-            </a:r>
-            <a:r>
-              <a:rPr lang="en-CA" sz="2700" dirty="0"/>
-              <a:t>.</a:t>
-            </a:r>
-          </a:p>
-          <a:p>
-            <a:pPr>
-              <a:lnSpc>
-                <a:spcPct val="80000"/>
-              </a:lnSpc>
-            </a:pPr>
-            <a:endParaRPr lang="en-CA" sz="2200" dirty="0">
-              <a:latin typeface="Gill Sans MT" charset="0"/>
+            <a:endParaRPr lang="en-CA" dirty="0">
+              <a:solidFill>
+                <a:srgbClr val="000090"/>
+              </a:solidFill>
             </a:endParaRPr>
           </a:p>
-        </p:txBody>
-      </p:sp>
-      <p:sp>
-        <p:nvSpPr>
-          <p:cNvPr id="2" name="Slide Number Placeholder 1"/>
+          <a:p>
+            <a:endParaRPr lang="en-CA" dirty="0">
+              <a:solidFill>
+                <a:srgbClr val="000090"/>
+              </a:solidFill>
+            </a:endParaRPr>
+          </a:p>
+          <a:p>
+            <a:endParaRPr lang="en-US" dirty="0"/>
+          </a:p>
+        </p:txBody>
+      </p:sp>
+      <p:sp>
+        <p:nvSpPr>
+          <p:cNvPr id="4" name="Slide Number Placeholder 3"/>
           <p:cNvSpPr>
             <a:spLocks noGrp="1"/>
           </p:cNvSpPr>
@@ -17814,7 +17751,7 @@
     </p:spTree>
     <p:extLst>
       <p:ext uri="{BB962C8B-B14F-4D97-AF65-F5344CB8AC3E}">
-        <p14:creationId xmlns:p14="http://schemas.microsoft.com/office/powerpoint/2010/main" val="1540465759"/>
+        <p14:creationId xmlns:p14="http://schemas.microsoft.com/office/powerpoint/2010/main" val="3909893847"/>
       </p:ext>
     </p:extLst>
   </p:cSld>
@@ -17850,7 +17787,7 @@
       </p:grpSpPr>
       <p:sp>
         <p:nvSpPr>
-          <p:cNvPr id="2" name="Title 1"/>
+          <p:cNvPr id="32772" name="Rectangle 2"/>
           <p:cNvSpPr>
             <a:spLocks noGrp="1"/>
           </p:cNvSpPr>
@@ -17864,15 +17801,20 @@
           <a:lstStyle/>
           <a:p>
             <a:r>
-              <a:rPr lang="en-US" sz="3600" dirty="0"/>
-              <a:t>Assertion Methods: Boolean Conditions</a:t>
-            </a:r>
-          </a:p>
-        </p:txBody>
-      </p:sp>
-      <p:sp>
-        <p:nvSpPr>
-          <p:cNvPr id="3" name="Content Placeholder 2"/>
+              <a:rPr lang="en-CA" dirty="0"/>
+              <a:t>Assertion </a:t>
+            </a:r>
+            <a:r>
+              <a:rPr lang="en-CA" dirty="0" smtClean="0"/>
+              <a:t>Methods: Null Objects </a:t>
+            </a:r>
+            <a:endParaRPr lang="en-CA" b="1" dirty="0"/>
+          </a:p>
+        </p:txBody>
+      </p:sp>
+      <p:sp>
+        <p:nvSpPr>
+          <p:cNvPr id="32773" name="Rectangle 3"/>
           <p:cNvSpPr>
             <a:spLocks noGrp="1"/>
           </p:cNvSpPr>
@@ -17882,27 +17824,13 @@
         </p:nvSpPr>
         <p:spPr>
           <a:xfrm>
-            <a:off x="996696" y="1514856"/>
-            <a:ext cx="9098280" cy="5050536"/>
+            <a:off x="457200" y="1397479"/>
+            <a:ext cx="9939528" cy="4847873"/>
           </a:xfrm>
         </p:spPr>
         <p:txBody>
           <a:bodyPr/>
           <a:lstStyle/>
-          <a:p>
-            <a:r>
-              <a:rPr lang="en-CA" sz="3200" dirty="0"/>
-              <a:t>Static methods defined in </a:t>
-            </a:r>
-            <a:r>
-              <a:rPr lang="en-CA" dirty="0">
-                <a:solidFill>
-                  <a:srgbClr val="000090"/>
-                </a:solidFill>
-              </a:rPr>
-              <a:t>org.junit.Assert</a:t>
-            </a:r>
-          </a:p>
           <a:p>
             <a:pPr>
               <a:lnSpc>
@@ -17911,7 +17839,7 @@
             </a:pPr>
             <a:r>
               <a:rPr lang="en-CA" sz="3200" dirty="0"/>
-              <a:t>Assert a Boolean condition is true or false</a:t>
+              <a:t>Assert an object references is null or non-null</a:t>
             </a:r>
           </a:p>
           <a:p>
@@ -17925,7 +17853,7 @@
                 </a:solidFill>
                 <a:latin typeface="+mn-lt"/>
               </a:rPr>
-              <a:t>assertTrue(</a:t>
+              <a:t>assertNull(</a:t>
             </a:r>
             <a:r>
               <a:rPr lang="en-CA" i="1" dirty="0">
@@ -17934,7 +17862,7 @@
                 </a:solidFill>
                 <a:latin typeface="+mn-lt"/>
               </a:rPr>
-              <a:t>condition</a:t>
+              <a:t>object</a:t>
             </a:r>
             <a:r>
               <a:rPr lang="en-CA" dirty="0">
@@ -17957,7 +17885,7 @@
                 </a:solidFill>
                 <a:latin typeface="+mn-lt"/>
               </a:rPr>
-              <a:t>assertFalse(</a:t>
+              <a:t>assertNotNull(</a:t>
             </a:r>
             <a:r>
               <a:rPr lang="en-CA" i="1" dirty="0">
@@ -17966,7 +17894,7 @@
                 </a:solidFill>
                 <a:latin typeface="+mn-lt"/>
               </a:rPr>
-              <a:t>condition</a:t>
+              <a:t>object</a:t>
             </a:r>
             <a:r>
               <a:rPr lang="en-CA" dirty="0">
@@ -17986,43 +17914,99 @@
             </a:pPr>
             <a:r>
               <a:rPr lang="en-CA" sz="3200" dirty="0"/>
-              <a:t>Optionally, include a failure message </a:t>
-            </a:r>
-            <a:r>
-              <a:rPr lang="en-CA" sz="2400" dirty="0">
+              <a:t>With a failure message  </a:t>
+            </a:r>
+          </a:p>
+          <a:p>
+            <a:pPr marL="742950" lvl="1" indent="-285750">
+              <a:buNone/>
+            </a:pPr>
+            <a:r>
+              <a:rPr lang="en-CA" dirty="0">
                 <a:solidFill>
                   <a:srgbClr val="000090"/>
                 </a:solidFill>
-                <a:latin typeface="Arial"/>
-              </a:rPr>
-              <a:t>assertTrue(</a:t>
-            </a:r>
-            <a:r>
-              <a:rPr lang="en-CA" sz="2400" i="1" dirty="0">
+                <a:latin typeface="+mn-lt"/>
+              </a:rPr>
+              <a:t>assertNull(</a:t>
+            </a:r>
+            <a:r>
+              <a:rPr lang="en-CA" i="1" dirty="0">
                 <a:solidFill>
                   <a:srgbClr val="FF0D45"/>
                 </a:solidFill>
-                <a:latin typeface="Arial"/>
+                <a:latin typeface="+mn-lt"/>
               </a:rPr>
               <a:t>message</a:t>
             </a:r>
             <a:r>
-              <a:rPr lang="en-CA" sz="2400" i="1" dirty="0">
+              <a:rPr lang="en-CA" i="1" dirty="0">
                 <a:solidFill>
                   <a:srgbClr val="000090"/>
                 </a:solidFill>
-                <a:latin typeface="Arial"/>
-              </a:rPr>
-              <a:t>, condition</a:t>
-            </a:r>
-            <a:r>
-              <a:rPr lang="en-CA" sz="2400" dirty="0">
+                <a:latin typeface="+mn-lt"/>
+              </a:rPr>
+              <a:t>, object</a:t>
+            </a:r>
+            <a:r>
+              <a:rPr lang="en-CA" dirty="0">
                 <a:solidFill>
                   <a:srgbClr val="000090"/>
                 </a:solidFill>
-                <a:latin typeface="Arial"/>
+                <a:latin typeface="+mn-lt"/>
               </a:rPr>
               <a:t>)</a:t>
+            </a:r>
+          </a:p>
+          <a:p>
+            <a:pPr marL="742950" lvl="1" indent="-285750">
+              <a:buNone/>
+            </a:pPr>
+            <a:r>
+              <a:rPr lang="en-CA" dirty="0">
+                <a:solidFill>
+                  <a:srgbClr val="000090"/>
+                </a:solidFill>
+                <a:latin typeface="+mn-lt"/>
+              </a:rPr>
+              <a:t>assertNotNull(</a:t>
+            </a:r>
+            <a:r>
+              <a:rPr lang="en-CA" i="1" dirty="0">
+                <a:solidFill>
+                  <a:srgbClr val="FF0D45"/>
+                </a:solidFill>
+                <a:latin typeface="+mn-lt"/>
+              </a:rPr>
+              <a:t>message</a:t>
+            </a:r>
+            <a:r>
+              <a:rPr lang="en-CA" i="1" dirty="0">
+                <a:solidFill>
+                  <a:srgbClr val="000090"/>
+                </a:solidFill>
+                <a:latin typeface="+mn-lt"/>
+              </a:rPr>
+              <a:t>, object</a:t>
+            </a:r>
+            <a:r>
+              <a:rPr lang="en-CA" dirty="0">
+                <a:solidFill>
+                  <a:srgbClr val="000090"/>
+                </a:solidFill>
+                <a:latin typeface="+mn-lt"/>
+              </a:rPr>
+              <a:t>)</a:t>
+            </a:r>
+            <a:endParaRPr lang="en-CA" sz="3200" dirty="0">
+              <a:latin typeface="+mn-lt"/>
+            </a:endParaRPr>
+          </a:p>
+          <a:p>
+            <a:pPr marL="342900" indent="-342900"/>
+            <a:r>
+              <a:rPr lang="en-CA" sz="3200" dirty="0"/>
+              <a:t>Examples </a:t>
             </a:r>
           </a:p>
           <a:p>
@@ -18030,51 +18014,31 @@
               <a:buNone/>
             </a:pPr>
             <a:r>
-              <a:rPr lang="en-CA" dirty="0">
+              <a:rPr lang="en-US" dirty="0">
                 <a:solidFill>
                   <a:srgbClr val="000090"/>
                 </a:solidFill>
-                <a:latin typeface="Arial"/>
-              </a:rPr>
-              <a:t>assertFalse(</a:t>
-            </a:r>
-            <a:r>
-              <a:rPr lang="en-CA" i="1" dirty="0">
+                <a:latin typeface="+mn-lt"/>
+              </a:rPr>
+              <a:t>assertNotNull(</a:t>
+            </a:r>
+            <a:r>
+              <a:rPr lang="en-US" dirty="0">
                 <a:solidFill>
                   <a:srgbClr val="FF0D45"/>
                 </a:solidFill>
-                <a:latin typeface="Arial"/>
-              </a:rPr>
-              <a:t>message</a:t>
-            </a:r>
-            <a:r>
-              <a:rPr lang="en-CA" i="1" dirty="0">
+                <a:latin typeface="+mn-lt"/>
+              </a:rPr>
+              <a:t>”Should not be null."</a:t>
+            </a:r>
+            <a:r>
+              <a:rPr lang="en-US" dirty="0">
                 <a:solidFill>
                   <a:srgbClr val="000090"/>
                 </a:solidFill>
-                <a:latin typeface="Arial"/>
-              </a:rPr>
-              <a:t>, condition</a:t>
-            </a:r>
-            <a:r>
-              <a:rPr lang="en-CA" dirty="0">
-                <a:solidFill>
-                  <a:srgbClr val="000090"/>
-                </a:solidFill>
-                <a:latin typeface="Arial"/>
-              </a:rPr>
-              <a:t>)</a:t>
-            </a:r>
-          </a:p>
-          <a:p>
-            <a:pPr>
-              <a:lnSpc>
-                <a:spcPct val="90000"/>
-              </a:lnSpc>
-            </a:pPr>
-            <a:r>
-              <a:rPr lang="en-CA" sz="3200" dirty="0"/>
-              <a:t>Examples</a:t>
+                <a:latin typeface="+mn-lt"/>
+              </a:rPr>
+              <a:t>, new Object());</a:t>
             </a:r>
           </a:p>
           <a:p>
@@ -18087,48 +18051,26 @@
                   <a:srgbClr val="000090"/>
                 </a:solidFill>
                 <a:latin typeface="+mn-lt"/>
-                <a:ea typeface="Monaco"/>
-                <a:cs typeface="Monaco"/>
-              </a:rPr>
-              <a:t>assertTrue(search(a, 3) == 1);</a:t>
-            </a:r>
-          </a:p>
-          <a:p>
-            <a:pPr marL="349250" lvl="1" indent="0">
-              <a:buNone/>
-            </a:pPr>
+              </a:rPr>
+              <a:t>assertNull(</a:t>
+            </a:r>
             <a:r>
               <a:rPr lang="en-US" dirty="0">
                 <a:solidFill>
+                  <a:srgbClr val="FF0D45"/>
+                </a:solidFill>
+                <a:latin typeface="+mn-lt"/>
+              </a:rPr>
+              <a:t>”Should be null."</a:t>
+            </a:r>
+            <a:r>
+              <a:rPr lang="en-US" dirty="0">
+                <a:solidFill>
                   <a:srgbClr val="000090"/>
                 </a:solidFill>
                 <a:latin typeface="+mn-lt"/>
-                <a:ea typeface="Monaco"/>
-                <a:cs typeface="Monaco"/>
-              </a:rPr>
-              <a:t>assertFalse(</a:t>
-            </a:r>
-            <a:r>
-              <a:rPr lang="en-US" dirty="0">
-                <a:solidFill>
-                  <a:srgbClr val="FF0D45"/>
-                </a:solidFill>
-                <a:latin typeface="+mn-lt"/>
-                <a:ea typeface="Monaco"/>
-                <a:cs typeface="Monaco"/>
-              </a:rPr>
-              <a:t>“Failure: 2 is not in array.”</a:t>
-            </a:r>
-            <a:r>
-              <a:rPr lang="en-US" dirty="0">
-                <a:solidFill>
-                  <a:srgbClr val="000090"/>
-                </a:solidFill>
-                <a:latin typeface="+mn-lt"/>
-                <a:ea typeface="Monaco"/>
-                <a:cs typeface="Monaco"/>
-              </a:rPr>
-              <a:t>, search(a, 2) &gt;= 0);</a:t>
+              </a:rPr>
+              <a:t>, null);</a:t>
             </a:r>
             <a:endParaRPr lang="en-CA" dirty="0">
               <a:solidFill>
@@ -18137,38 +18079,11 @@
               <a:latin typeface="+mn-lt"/>
             </a:endParaRPr>
           </a:p>
-          <a:p>
-            <a:pPr marL="107950" indent="0">
-              <a:buNone/>
-            </a:pPr>
-            <a:endParaRPr lang="en-CA" dirty="0">
-              <a:solidFill>
-                <a:srgbClr val="3333CC"/>
-              </a:solidFill>
-            </a:endParaRPr>
-          </a:p>
-          <a:p>
-            <a:endParaRPr lang="en-CA" dirty="0">
-              <a:solidFill>
-                <a:srgbClr val="000090"/>
-              </a:solidFill>
-            </a:endParaRPr>
-          </a:p>
-          <a:p>
-            <a:endParaRPr lang="en-CA" dirty="0">
-              <a:solidFill>
-                <a:srgbClr val="000090"/>
-              </a:solidFill>
-            </a:endParaRPr>
-          </a:p>
-          <a:p>
-            <a:endParaRPr lang="en-US" dirty="0"/>
-          </a:p>
-        </p:txBody>
-      </p:sp>
-      <p:sp>
-        <p:nvSpPr>
-          <p:cNvPr id="4" name="Slide Number Placeholder 3"/>
+        </p:txBody>
+      </p:sp>
+      <p:sp>
+        <p:nvSpPr>
+          <p:cNvPr id="2" name="Slide Number Placeholder 1"/>
           <p:cNvSpPr>
             <a:spLocks noGrp="1"/>
           </p:cNvSpPr>
@@ -18192,7 +18107,7 @@
     </p:spTree>
     <p:extLst>
       <p:ext uri="{BB962C8B-B14F-4D97-AF65-F5344CB8AC3E}">
-        <p14:creationId xmlns:p14="http://schemas.microsoft.com/office/powerpoint/2010/main" val="3909893847"/>
+        <p14:creationId xmlns:p14="http://schemas.microsoft.com/office/powerpoint/2010/main" val="4120272912"/>
       </p:ext>
     </p:extLst>
   </p:cSld>
@@ -18247,7 +18162,7 @@
             </a:r>
             <a:r>
               <a:rPr lang="en-CA" dirty="0" smtClean="0"/>
-              <a:t>Methods: Null Objects </a:t>
+              <a:t>Methods: Object Identity </a:t>
             </a:r>
             <a:endParaRPr lang="en-CA" b="1" dirty="0"/>
           </a:p>
@@ -18265,8 +18180,8 @@
         </p:nvSpPr>
         <p:spPr>
           <a:xfrm>
-            <a:off x="960120" y="1566672"/>
-            <a:ext cx="9436608" cy="4678680"/>
+            <a:off x="474453" y="1431985"/>
+            <a:ext cx="9693675" cy="4996247"/>
           </a:xfrm>
         </p:spPr>
         <p:txBody>
@@ -18280,7 +18195,7 @@
             </a:pPr>
             <a:r>
               <a:rPr lang="en-CA" sz="3200" dirty="0"/>
-              <a:t>Assert an object references is null or non-null</a:t>
+              <a:t>Assert two object references are identical</a:t>
             </a:r>
           </a:p>
           <a:p>
@@ -18294,7 +18209,7 @@
                 </a:solidFill>
                 <a:latin typeface="+mn-lt"/>
               </a:rPr>
-              <a:t>assertNull(</a:t>
+              <a:t>assertSame(</a:t>
             </a:r>
             <a:r>
               <a:rPr lang="en-CA" i="1" dirty="0">
@@ -18303,7 +18218,7 @@
                 </a:solidFill>
                 <a:latin typeface="+mn-lt"/>
               </a:rPr>
-              <a:t>object</a:t>
+              <a:t>expected, actual</a:t>
             </a:r>
             <a:r>
               <a:rPr lang="en-CA" dirty="0">
@@ -18314,6 +18229,22 @@
               </a:rPr>
               <a:t>)</a:t>
             </a:r>
+          </a:p>
+          <a:p>
+            <a:pPr marL="742950" lvl="1" indent="-285750"/>
+            <a:r>
+              <a:rPr lang="en-CA" sz="2800" dirty="0"/>
+              <a:t>True if:</a:t>
+            </a:r>
+            <a:r>
+              <a:rPr lang="en-CA" sz="2800" dirty="0">
+                <a:solidFill>
+                  <a:srgbClr val="3333CC"/>
+                </a:solidFill>
+              </a:rPr>
+              <a:t> expected == actual</a:t>
+            </a:r>
+            <a:endParaRPr lang="en-CA" sz="2800" dirty="0"/>
           </a:p>
           <a:p>
             <a:pPr marL="742950" lvl="1" indent="-285750">
@@ -18326,7 +18257,7 @@
                 </a:solidFill>
                 <a:latin typeface="+mn-lt"/>
               </a:rPr>
-              <a:t>assertNotNull(</a:t>
+              <a:t>assertNotSame(</a:t>
             </a:r>
             <a:r>
               <a:rPr lang="en-CA" i="1" dirty="0">
@@ -18335,7 +18266,7 @@
                 </a:solidFill>
                 <a:latin typeface="+mn-lt"/>
               </a:rPr>
-              <a:t>object</a:t>
+              <a:t>expected, actual</a:t>
             </a:r>
             <a:r>
               <a:rPr lang="en-CA" dirty="0">
@@ -18346,180 +18277,158 @@
               </a:rPr>
               <a:t>)</a:t>
             </a:r>
-          </a:p>
-          <a:p>
-            <a:pPr>
-              <a:lnSpc>
-                <a:spcPct val="90000"/>
-              </a:lnSpc>
-            </a:pPr>
-            <a:r>
-              <a:rPr lang="en-CA" sz="3200" dirty="0"/>
-              <a:t>With a failure message  </a:t>
-            </a:r>
-          </a:p>
-          <a:p>
-            <a:pPr marL="742950" lvl="1" indent="-285750">
-              <a:buNone/>
-            </a:pPr>
-            <a:r>
-              <a:rPr lang="en-CA" dirty="0">
-                <a:solidFill>
-                  <a:srgbClr val="000090"/>
-                </a:solidFill>
-                <a:latin typeface="+mn-lt"/>
-              </a:rPr>
-              <a:t>assertNull(</a:t>
-            </a:r>
-            <a:r>
-              <a:rPr lang="en-CA" i="1" dirty="0">
-                <a:solidFill>
-                  <a:srgbClr val="FF0D45"/>
-                </a:solidFill>
-                <a:latin typeface="+mn-lt"/>
-              </a:rPr>
-              <a:t>message</a:t>
-            </a:r>
-            <a:r>
-              <a:rPr lang="en-CA" i="1" dirty="0">
-                <a:solidFill>
-                  <a:srgbClr val="000090"/>
-                </a:solidFill>
-                <a:latin typeface="+mn-lt"/>
-              </a:rPr>
-              <a:t>, object</a:t>
-            </a:r>
-            <a:r>
-              <a:rPr lang="en-CA" dirty="0">
-                <a:solidFill>
-                  <a:srgbClr val="000090"/>
-                </a:solidFill>
-                <a:latin typeface="+mn-lt"/>
-              </a:rPr>
-              <a:t>)</a:t>
-            </a:r>
-          </a:p>
-          <a:p>
-            <a:pPr marL="742950" lvl="1" indent="-285750">
-              <a:buNone/>
-            </a:pPr>
-            <a:r>
-              <a:rPr lang="en-CA" dirty="0">
-                <a:solidFill>
-                  <a:srgbClr val="000090"/>
-                </a:solidFill>
-                <a:latin typeface="+mn-lt"/>
-              </a:rPr>
-              <a:t>assertNotNull(</a:t>
-            </a:r>
-            <a:r>
-              <a:rPr lang="en-CA" i="1" dirty="0">
-                <a:solidFill>
-                  <a:srgbClr val="FF0D45"/>
-                </a:solidFill>
-                <a:latin typeface="+mn-lt"/>
-              </a:rPr>
-              <a:t>message</a:t>
-            </a:r>
-            <a:r>
-              <a:rPr lang="en-CA" i="1" dirty="0">
-                <a:solidFill>
-                  <a:srgbClr val="000090"/>
-                </a:solidFill>
-                <a:latin typeface="+mn-lt"/>
-              </a:rPr>
-              <a:t>, object</a:t>
-            </a:r>
-            <a:r>
-              <a:rPr lang="en-CA" dirty="0">
-                <a:solidFill>
-                  <a:srgbClr val="000090"/>
-                </a:solidFill>
-                <a:latin typeface="+mn-lt"/>
-              </a:rPr>
-              <a:t>)</a:t>
-            </a:r>
-            <a:endParaRPr lang="en-CA" sz="3200" dirty="0">
-              <a:latin typeface="+mn-lt"/>
-            </a:endParaRPr>
-          </a:p>
-          <a:p>
-            <a:pPr marL="342900" indent="-342900"/>
-            <a:r>
-              <a:rPr lang="en-CA" sz="3200" dirty="0"/>
-              <a:t>Examples </a:t>
-            </a:r>
-          </a:p>
-          <a:p>
-            <a:pPr marL="349250" lvl="1" indent="0">
-              <a:buNone/>
-            </a:pPr>
-            <a:r>
-              <a:rPr lang="en-US" dirty="0">
-                <a:solidFill>
-                  <a:srgbClr val="000090"/>
-                </a:solidFill>
-                <a:latin typeface="+mn-lt"/>
-              </a:rPr>
-              <a:t>assertNotNull(</a:t>
-            </a:r>
-            <a:r>
-              <a:rPr lang="en-US" dirty="0">
-                <a:solidFill>
-                  <a:srgbClr val="FF0D45"/>
-                </a:solidFill>
-                <a:latin typeface="+mn-lt"/>
-              </a:rPr>
-              <a:t>”Should not be null."</a:t>
-            </a:r>
-            <a:r>
-              <a:rPr lang="en-US" dirty="0">
-                <a:solidFill>
-                  <a:srgbClr val="000090"/>
-                </a:solidFill>
-                <a:latin typeface="+mn-lt"/>
-              </a:rPr>
-              <a:t>, new Object());</a:t>
-            </a:r>
-          </a:p>
-          <a:p>
-            <a:pPr marL="349250" lvl="1" indent="0">
-              <a:buNone/>
-            </a:pPr>
-            <a:r>
-              <a:rPr lang="en-US" dirty="0">
-                <a:solidFill>
-                  <a:srgbClr val="000090"/>
-                </a:solidFill>
-                <a:latin typeface="+mn-lt"/>
-              </a:rPr>
-              <a:t>assertNull(</a:t>
-            </a:r>
-            <a:r>
-              <a:rPr lang="en-US" dirty="0">
-                <a:solidFill>
-                  <a:srgbClr val="FF0D45"/>
-                </a:solidFill>
-                <a:latin typeface="+mn-lt"/>
-              </a:rPr>
-              <a:t>”Should be null."</a:t>
-            </a:r>
-            <a:r>
-              <a:rPr lang="en-US" dirty="0">
-                <a:solidFill>
-                  <a:srgbClr val="000090"/>
-                </a:solidFill>
-                <a:latin typeface="+mn-lt"/>
-              </a:rPr>
-              <a:t>, null);</a:t>
-            </a:r>
-            <a:endParaRPr lang="en-CA" dirty="0">
+            <a:endParaRPr lang="en-CA" sz="2800" dirty="0">
               <a:solidFill>
                 <a:srgbClr val="000090"/>
               </a:solidFill>
               <a:latin typeface="+mn-lt"/>
             </a:endParaRPr>
           </a:p>
+          <a:p>
+            <a:pPr marL="742950" lvl="1" indent="-285750"/>
+            <a:r>
+              <a:rPr lang="en-CA" sz="2800" dirty="0"/>
+              <a:t>True if:</a:t>
+            </a:r>
+            <a:r>
+              <a:rPr lang="en-CA" sz="2800" dirty="0">
+                <a:solidFill>
+                  <a:srgbClr val="3333CC"/>
+                </a:solidFill>
+              </a:rPr>
+              <a:t> expected != actual</a:t>
+            </a:r>
+          </a:p>
+          <a:p>
+            <a:r>
+              <a:rPr lang="en-CA" sz="3200" dirty="0"/>
+              <a:t>The order does not affect the comparison, </a:t>
+            </a:r>
+          </a:p>
+          <a:p>
+            <a:pPr marL="742950" lvl="1" indent="-285750"/>
+            <a:r>
+              <a:rPr lang="en-CA" dirty="0"/>
+              <a:t>But, affects the message when it fails  </a:t>
+            </a:r>
+            <a:endParaRPr lang="en-CA" sz="3600" dirty="0"/>
+          </a:p>
+          <a:p>
+            <a:pPr marL="393700" indent="-285750"/>
+            <a:r>
+              <a:rPr lang="en-CA" sz="3200" dirty="0"/>
+              <a:t>With a failure message  </a:t>
+            </a:r>
+          </a:p>
+          <a:p>
+            <a:pPr marL="344487" lvl="1" indent="0">
+              <a:buNone/>
+            </a:pPr>
+            <a:r>
+              <a:rPr lang="en-CA" dirty="0">
+                <a:solidFill>
+                  <a:srgbClr val="000090"/>
+                </a:solidFill>
+                <a:latin typeface="Arial"/>
+              </a:rPr>
+              <a:t>assertSame(</a:t>
+            </a:r>
+            <a:r>
+              <a:rPr lang="en-CA" i="1" dirty="0">
+                <a:solidFill>
+                  <a:srgbClr val="FF0D45"/>
+                </a:solidFill>
+                <a:latin typeface="Arial"/>
+              </a:rPr>
+              <a:t>message</a:t>
+            </a:r>
+            <a:r>
+              <a:rPr lang="en-CA" dirty="0">
+                <a:solidFill>
+                  <a:srgbClr val="000090"/>
+                </a:solidFill>
+                <a:latin typeface="Arial"/>
+              </a:rPr>
+              <a:t>, </a:t>
+            </a:r>
+            <a:r>
+              <a:rPr lang="en-CA" i="1" dirty="0">
+                <a:solidFill>
+                  <a:srgbClr val="000090"/>
+                </a:solidFill>
+                <a:latin typeface="Arial"/>
+              </a:rPr>
+              <a:t>expected, actual</a:t>
+            </a:r>
+            <a:r>
+              <a:rPr lang="en-CA" dirty="0">
+                <a:solidFill>
+                  <a:srgbClr val="000090"/>
+                </a:solidFill>
+                <a:latin typeface="Arial"/>
+              </a:rPr>
+              <a:t>)</a:t>
+            </a:r>
+          </a:p>
+          <a:p>
+            <a:pPr marL="344487" lvl="1" indent="0">
+              <a:buNone/>
+            </a:pPr>
+            <a:r>
+              <a:rPr lang="en-CA" dirty="0">
+                <a:solidFill>
+                  <a:srgbClr val="000090"/>
+                </a:solidFill>
+                <a:latin typeface="Arial"/>
+              </a:rPr>
+              <a:t>assertNotSame(</a:t>
+            </a:r>
+            <a:r>
+              <a:rPr lang="en-CA" i="1" dirty="0">
+                <a:solidFill>
+                  <a:srgbClr val="FF0D45"/>
+                </a:solidFill>
+                <a:latin typeface="Arial"/>
+              </a:rPr>
+              <a:t>message</a:t>
+            </a:r>
+            <a:r>
+              <a:rPr lang="en-CA" dirty="0">
+                <a:solidFill>
+                  <a:srgbClr val="000090"/>
+                </a:solidFill>
+                <a:latin typeface="Arial"/>
+              </a:rPr>
+              <a:t>, </a:t>
+            </a:r>
+            <a:r>
+              <a:rPr lang="en-CA" i="1" dirty="0">
+                <a:solidFill>
+                  <a:srgbClr val="000090"/>
+                </a:solidFill>
+                <a:latin typeface="Arial"/>
+              </a:rPr>
+              <a:t>expected, actual</a:t>
+            </a:r>
+            <a:r>
+              <a:rPr lang="en-CA" dirty="0">
+                <a:solidFill>
+                  <a:srgbClr val="000090"/>
+                </a:solidFill>
+                <a:latin typeface="Arial"/>
+              </a:rPr>
+              <a:t>)</a:t>
+            </a:r>
+            <a:endParaRPr lang="en-CA" sz="3200" dirty="0"/>
+          </a:p>
+          <a:p>
+            <a:pPr marL="393700" indent="-285750"/>
+            <a:endParaRPr lang="en-CA" sz="3200" dirty="0">
+              <a:solidFill>
+                <a:srgbClr val="3333CC"/>
+              </a:solidFill>
+            </a:endParaRPr>
+          </a:p>
         </p:txBody>
       </p:sp>
       <p:sp>
@@ -18548,7 +18457,7 @@
     </p:spTree>
     <p:extLst>
       <p:ext uri="{BB962C8B-B14F-4D97-AF65-F5344CB8AC3E}">
-        <p14:creationId xmlns:p14="http://schemas.microsoft.com/office/powerpoint/2010/main" val="4120272912"/>
+        <p14:creationId xmlns:p14="http://schemas.microsoft.com/office/powerpoint/2010/main" val="790689963"/>
       </p:ext>
     </p:extLst>
   </p:cSld>
@@ -18584,356 +18493,6 @@
       </p:grpSpPr>
       <p:sp>
         <p:nvSpPr>
-          <p:cNvPr id="32772" name="Rectangle 2"/>
-          <p:cNvSpPr>
-            <a:spLocks noGrp="1"/>
-          </p:cNvSpPr>
-          <p:nvPr>
-            <p:ph type="title"/>
-          </p:nvPr>
-        </p:nvSpPr>
-        <p:spPr/>
-        <p:txBody>
-          <a:bodyPr/>
-          <a:lstStyle/>
-          <a:p>
-            <a:r>
-              <a:rPr lang="en-CA" dirty="0"/>
-              <a:t>Assertion </a:t>
-            </a:r>
-            <a:r>
-              <a:rPr lang="en-CA" dirty="0" smtClean="0"/>
-              <a:t>Methods: Object Identity </a:t>
-            </a:r>
-            <a:endParaRPr lang="en-CA" b="1" dirty="0"/>
-          </a:p>
-        </p:txBody>
-      </p:sp>
-      <p:sp>
-        <p:nvSpPr>
-          <p:cNvPr id="32773" name="Rectangle 3"/>
-          <p:cNvSpPr>
-            <a:spLocks noGrp="1"/>
-          </p:cNvSpPr>
-          <p:nvPr>
-            <p:ph idx="1"/>
-          </p:nvPr>
-        </p:nvSpPr>
-        <p:spPr>
-          <a:xfrm>
-            <a:off x="902208" y="1493520"/>
-            <a:ext cx="9265920" cy="4934712"/>
-          </a:xfrm>
-        </p:spPr>
-        <p:txBody>
-          <a:bodyPr/>
-          <a:lstStyle/>
-          <a:p>
-            <a:pPr>
-              <a:lnSpc>
-                <a:spcPct val="90000"/>
-              </a:lnSpc>
-            </a:pPr>
-            <a:r>
-              <a:rPr lang="en-CA" sz="3200" dirty="0"/>
-              <a:t>Assert two object references are identical</a:t>
-            </a:r>
-          </a:p>
-          <a:p>
-            <a:pPr marL="742950" lvl="1" indent="-285750">
-              <a:buNone/>
-            </a:pPr>
-            <a:r>
-              <a:rPr lang="en-CA" dirty="0">
-                <a:solidFill>
-                  <a:srgbClr val="000090"/>
-                </a:solidFill>
-                <a:latin typeface="+mn-lt"/>
-              </a:rPr>
-              <a:t>assertSame(</a:t>
-            </a:r>
-            <a:r>
-              <a:rPr lang="en-CA" i="1" dirty="0">
-                <a:solidFill>
-                  <a:srgbClr val="000090"/>
-                </a:solidFill>
-                <a:latin typeface="+mn-lt"/>
-              </a:rPr>
-              <a:t>expected, actual</a:t>
-            </a:r>
-            <a:r>
-              <a:rPr lang="en-CA" dirty="0">
-                <a:solidFill>
-                  <a:srgbClr val="000090"/>
-                </a:solidFill>
-                <a:latin typeface="+mn-lt"/>
-              </a:rPr>
-              <a:t>)</a:t>
-            </a:r>
-          </a:p>
-          <a:p>
-            <a:pPr marL="742950" lvl="1" indent="-285750"/>
-            <a:r>
-              <a:rPr lang="en-CA" sz="2800" dirty="0"/>
-              <a:t>True if:</a:t>
-            </a:r>
-            <a:r>
-              <a:rPr lang="en-CA" sz="2800" dirty="0">
-                <a:solidFill>
-                  <a:srgbClr val="3333CC"/>
-                </a:solidFill>
-              </a:rPr>
-              <a:t> expected == actual</a:t>
-            </a:r>
-            <a:endParaRPr lang="en-CA" sz="2800" dirty="0"/>
-          </a:p>
-          <a:p>
-            <a:pPr marL="742950" lvl="1" indent="-285750">
-              <a:buNone/>
-            </a:pPr>
-            <a:r>
-              <a:rPr lang="en-CA" dirty="0">
-                <a:solidFill>
-                  <a:srgbClr val="000090"/>
-                </a:solidFill>
-                <a:latin typeface="+mn-lt"/>
-              </a:rPr>
-              <a:t>assertNotSame(</a:t>
-            </a:r>
-            <a:r>
-              <a:rPr lang="en-CA" i="1" dirty="0">
-                <a:solidFill>
-                  <a:srgbClr val="000090"/>
-                </a:solidFill>
-                <a:latin typeface="+mn-lt"/>
-              </a:rPr>
-              <a:t>expected, actual</a:t>
-            </a:r>
-            <a:r>
-              <a:rPr lang="en-CA" dirty="0">
-                <a:solidFill>
-                  <a:srgbClr val="000090"/>
-                </a:solidFill>
-                <a:latin typeface="+mn-lt"/>
-              </a:rPr>
-              <a:t>)</a:t>
-            </a:r>
-            <a:endParaRPr lang="en-CA" sz="2800" dirty="0">
-              <a:solidFill>
-                <a:srgbClr val="000090"/>
-              </a:solidFill>
-              <a:latin typeface="+mn-lt"/>
-            </a:endParaRPr>
-          </a:p>
-          <a:p>
-            <a:pPr marL="742950" lvl="1" indent="-285750"/>
-            <a:r>
-              <a:rPr lang="en-CA" sz="2800" dirty="0"/>
-              <a:t>True if:</a:t>
-            </a:r>
-            <a:r>
-              <a:rPr lang="en-CA" sz="2800" dirty="0">
-                <a:solidFill>
-                  <a:srgbClr val="3333CC"/>
-                </a:solidFill>
-              </a:rPr>
-              <a:t> expected != actual</a:t>
-            </a:r>
-          </a:p>
-          <a:p>
-            <a:r>
-              <a:rPr lang="en-CA" sz="3200" dirty="0"/>
-              <a:t>The order does not affect the comparison, </a:t>
-            </a:r>
-          </a:p>
-          <a:p>
-            <a:pPr marL="742950" lvl="1" indent="-285750"/>
-            <a:r>
-              <a:rPr lang="en-CA" dirty="0"/>
-              <a:t>But, affects the message when it fails  </a:t>
-            </a:r>
-            <a:endParaRPr lang="en-CA" sz="3600" dirty="0"/>
-          </a:p>
-          <a:p>
-            <a:pPr marL="393700" indent="-285750"/>
-            <a:r>
-              <a:rPr lang="en-CA" sz="3200" dirty="0"/>
-              <a:t>With a failure message  </a:t>
-            </a:r>
-          </a:p>
-          <a:p>
-            <a:pPr marL="344487" lvl="1" indent="0">
-              <a:buNone/>
-            </a:pPr>
-            <a:r>
-              <a:rPr lang="en-CA" dirty="0">
-                <a:solidFill>
-                  <a:srgbClr val="000090"/>
-                </a:solidFill>
-                <a:latin typeface="Arial"/>
-              </a:rPr>
-              <a:t>assertSame(</a:t>
-            </a:r>
-            <a:r>
-              <a:rPr lang="en-CA" i="1" dirty="0">
-                <a:solidFill>
-                  <a:srgbClr val="FF0D45"/>
-                </a:solidFill>
-                <a:latin typeface="Arial"/>
-              </a:rPr>
-              <a:t>message</a:t>
-            </a:r>
-            <a:r>
-              <a:rPr lang="en-CA" dirty="0">
-                <a:solidFill>
-                  <a:srgbClr val="000090"/>
-                </a:solidFill>
-                <a:latin typeface="Arial"/>
-              </a:rPr>
-              <a:t>, </a:t>
-            </a:r>
-            <a:r>
-              <a:rPr lang="en-CA" i="1" dirty="0">
-                <a:solidFill>
-                  <a:srgbClr val="000090"/>
-                </a:solidFill>
-                <a:latin typeface="Arial"/>
-              </a:rPr>
-              <a:t>expected, actual</a:t>
-            </a:r>
-            <a:r>
-              <a:rPr lang="en-CA" dirty="0">
-                <a:solidFill>
-                  <a:srgbClr val="000090"/>
-                </a:solidFill>
-                <a:latin typeface="Arial"/>
-              </a:rPr>
-              <a:t>)</a:t>
-            </a:r>
-          </a:p>
-          <a:p>
-            <a:pPr marL="344487" lvl="1" indent="0">
-              <a:buNone/>
-            </a:pPr>
-            <a:r>
-              <a:rPr lang="en-CA" dirty="0">
-                <a:solidFill>
-                  <a:srgbClr val="000090"/>
-                </a:solidFill>
-                <a:latin typeface="Arial"/>
-              </a:rPr>
-              <a:t>assertNotSame(</a:t>
-            </a:r>
-            <a:r>
-              <a:rPr lang="en-CA" i="1" dirty="0">
-                <a:solidFill>
-                  <a:srgbClr val="FF0D45"/>
-                </a:solidFill>
-                <a:latin typeface="Arial"/>
-              </a:rPr>
-              <a:t>message</a:t>
-            </a:r>
-            <a:r>
-              <a:rPr lang="en-CA" dirty="0">
-                <a:solidFill>
-                  <a:srgbClr val="000090"/>
-                </a:solidFill>
-                <a:latin typeface="Arial"/>
-              </a:rPr>
-              <a:t>, </a:t>
-            </a:r>
-            <a:r>
-              <a:rPr lang="en-CA" i="1" dirty="0">
-                <a:solidFill>
-                  <a:srgbClr val="000090"/>
-                </a:solidFill>
-                <a:latin typeface="Arial"/>
-              </a:rPr>
-              <a:t>expected, actual</a:t>
-            </a:r>
-            <a:r>
-              <a:rPr lang="en-CA" dirty="0">
-                <a:solidFill>
-                  <a:srgbClr val="000090"/>
-                </a:solidFill>
-                <a:latin typeface="Arial"/>
-              </a:rPr>
-              <a:t>)</a:t>
-            </a:r>
-            <a:endParaRPr lang="en-CA" sz="3200" dirty="0"/>
-          </a:p>
-          <a:p>
-            <a:pPr marL="393700" indent="-285750"/>
-            <a:endParaRPr lang="en-CA" sz="3200" dirty="0">
-              <a:solidFill>
-                <a:srgbClr val="3333CC"/>
-              </a:solidFill>
-            </a:endParaRPr>
-          </a:p>
-        </p:txBody>
-      </p:sp>
-      <p:sp>
-        <p:nvSpPr>
-          <p:cNvPr id="2" name="Slide Number Placeholder 1"/>
-          <p:cNvSpPr>
-            <a:spLocks noGrp="1"/>
-          </p:cNvSpPr>
-          <p:nvPr>
-            <p:ph type="sldNum" sz="quarter" idx="12"/>
-          </p:nvPr>
-        </p:nvSpPr>
-        <p:spPr/>
-        <p:txBody>
-          <a:bodyPr/>
-          <a:lstStyle/>
-          <a:p>
-            <a:fld id="{B543A0FD-1CA6-4228-86A2-78061B4844C8}" type="slidenum">
-              <a:rPr lang="en-US" smtClean="0"/>
-              <a:t>44</a:t>
-            </a:fld>
-            <a:endParaRPr lang="en-US"/>
-          </a:p>
-        </p:txBody>
-      </p:sp>
-    </p:spTree>
-    <p:extLst>
-      <p:ext uri="{BB962C8B-B14F-4D97-AF65-F5344CB8AC3E}">
-        <p14:creationId xmlns:p14="http://schemas.microsoft.com/office/powerpoint/2010/main" val="790689963"/>
-      </p:ext>
-    </p:extLst>
-  </p:cSld>
-  <p:clrMapOvr>
-    <a:masterClrMapping/>
-  </p:clrMapOvr>
-  <p:timing>
-    <p:tnLst>
-      <p:par>
-        <p:cTn id="1" dur="indefinite" restart="never" nodeType="tmRoot"/>
-      </p:par>
-    </p:tnLst>
-  </p:timing>
-</p:sld>
-</file>
-
-<file path=ppt/slides/slide45.xml><?xml version="1.0" encoding="utf-8"?>
-<p:sld xmlns:a="http://schemas.openxmlformats.org/drawingml/2006/main" xmlns:r="http://schemas.openxmlformats.org/officeDocument/2006/relationships" xmlns:p="http://schemas.openxmlformats.org/presentationml/2006/main">
-  <p:cSld>
-    <p:spTree>
-      <p:nvGrpSpPr>
-        <p:cNvPr id="1" name=""/>
-        <p:cNvGrpSpPr/>
-        <p:nvPr/>
-      </p:nvGrpSpPr>
-      <p:grpSpPr>
-        <a:xfrm>
-          <a:off x="0" y="0"/>
-          <a:ext cx="0" cy="0"/>
-          <a:chOff x="0" y="0"/>
-          <a:chExt cx="0" cy="0"/>
-        </a:xfrm>
-      </p:grpSpPr>
-      <p:sp>
-        <p:nvSpPr>
           <p:cNvPr id="2" name="Title 1"/>
           <p:cNvSpPr>
             <a:spLocks noGrp="1"/>
@@ -19207,7 +18766,7 @@
           <a:p>
             <a:fld id="{B543A0FD-1CA6-4228-86A2-78061B4844C8}" type="slidenum">
               <a:rPr lang="en-US" smtClean="0"/>
-              <a:t>45</a:t>
+              <a:t>44</a:t>
             </a:fld>
             <a:endParaRPr lang="en-US"/>
           </a:p>
@@ -19384,7 +18943,7 @@
 </p:sld>
 </file>
 
-<file path=ppt/slides/slide46.xml><?xml version="1.0" encoding="utf-8"?>
+<file path=ppt/slides/slide45.xml><?xml version="1.0" encoding="utf-8"?>
 <p:sld xmlns:a="http://schemas.openxmlformats.org/drawingml/2006/main" xmlns:r="http://schemas.openxmlformats.org/officeDocument/2006/relationships" xmlns:p="http://schemas.openxmlformats.org/presentationml/2006/main">
   <p:cSld>
     <p:spTree>
@@ -19605,7 +19164,7 @@
           <a:p>
             <a:fld id="{B543A0FD-1CA6-4228-86A2-78061B4844C8}" type="slidenum">
               <a:rPr lang="en-US" smtClean="0"/>
-              <a:t>46</a:t>
+              <a:t>45</a:t>
             </a:fld>
             <a:endParaRPr lang="en-US"/>
           </a:p>
@@ -19631,7 +19190,7 @@
 </p:sld>
 </file>
 
-<file path=ppt/slides/slide47.xml><?xml version="1.0" encoding="utf-8"?>
+<file path=ppt/slides/slide46.xml><?xml version="1.0" encoding="utf-8"?>
 <p:sld xmlns:a="http://schemas.openxmlformats.org/drawingml/2006/main" xmlns:r="http://schemas.openxmlformats.org/officeDocument/2006/relationships" xmlns:p="http://schemas.openxmlformats.org/presentationml/2006/main">
   <p:cSld>
     <p:spTree>
@@ -19832,7 +19391,7 @@
           <a:p>
             <a:fld id="{B543A0FD-1CA6-4228-86A2-78061B4844C8}" type="slidenum">
               <a:rPr lang="en-US" smtClean="0"/>
-              <a:t>47</a:t>
+              <a:t>46</a:t>
             </a:fld>
             <a:endParaRPr lang="en-US"/>
           </a:p>
@@ -19978,6 +19537,271 @@
 </p:sld>
 </file>
 
+<file path=ppt/slides/slide47.xml><?xml version="1.0" encoding="utf-8"?>
+<p:sld xmlns:a="http://schemas.openxmlformats.org/drawingml/2006/main" xmlns:r="http://schemas.openxmlformats.org/officeDocument/2006/relationships" xmlns:p="http://schemas.openxmlformats.org/presentationml/2006/main">
+  <p:cSld>
+    <p:spTree>
+      <p:nvGrpSpPr>
+        <p:cNvPr id="1" name=""/>
+        <p:cNvGrpSpPr/>
+        <p:nvPr/>
+      </p:nvGrpSpPr>
+      <p:grpSpPr>
+        <a:xfrm>
+          <a:off x="0" y="0"/>
+          <a:ext cx="0" cy="0"/>
+          <a:chOff x="0" y="0"/>
+          <a:chExt cx="0" cy="0"/>
+        </a:xfrm>
+      </p:grpSpPr>
+      <p:sp>
+        <p:nvSpPr>
+          <p:cNvPr id="33796" name="Rectangle 2"/>
+          <p:cNvSpPr>
+            <a:spLocks noGrp="1"/>
+          </p:cNvSpPr>
+          <p:nvPr>
+            <p:ph type="title"/>
+          </p:nvPr>
+        </p:nvSpPr>
+        <p:spPr/>
+        <p:txBody>
+          <a:bodyPr/>
+          <a:lstStyle/>
+          <a:p>
+            <a:r>
+              <a:rPr lang="en-CA" sz="4000" dirty="0"/>
+              <a:t>Assertion Methods</a:t>
+            </a:r>
+            <a:r>
+              <a:rPr lang="en-CA" sz="4000" b="1" dirty="0"/>
+              <a:t>: </a:t>
+            </a:r>
+            <a:r>
+              <a:rPr lang="en-CA" sz="4000" dirty="0"/>
+              <a:t>Equality of Arrays </a:t>
+            </a:r>
+            <a:endParaRPr lang="en-CA" sz="4000" b="1" dirty="0"/>
+          </a:p>
+        </p:txBody>
+      </p:sp>
+      <p:sp>
+        <p:nvSpPr>
+          <p:cNvPr id="33797" name="Rectangle 3"/>
+          <p:cNvSpPr>
+            <a:spLocks noGrp="1"/>
+          </p:cNvSpPr>
+          <p:nvPr>
+            <p:ph idx="1"/>
+          </p:nvPr>
+        </p:nvSpPr>
+        <p:spPr/>
+        <p:txBody>
+          <a:bodyPr/>
+          <a:lstStyle/>
+          <a:p>
+            <a:pPr marL="342900" indent="-342900"/>
+            <a:r>
+              <a:rPr lang="en-CA" sz="3200" dirty="0"/>
+              <a:t>Assert two arrays are equal:</a:t>
+            </a:r>
+          </a:p>
+          <a:p>
+            <a:pPr marL="742950" lvl="1" indent="-285750">
+              <a:buNone/>
+            </a:pPr>
+            <a:r>
+              <a:rPr lang="en-CA" dirty="0">
+                <a:solidFill>
+                  <a:srgbClr val="000090"/>
+                </a:solidFill>
+                <a:latin typeface="+mn-lt"/>
+              </a:rPr>
+              <a:t>assertArrayEquals(expected, actual)</a:t>
+            </a:r>
+          </a:p>
+          <a:p>
+            <a:pPr marL="742950" lvl="1" indent="-285750"/>
+            <a:r>
+              <a:rPr lang="en-CA" sz="2800" dirty="0"/>
+              <a:t>arrays must have same length</a:t>
+            </a:r>
+          </a:p>
+          <a:p>
+            <a:pPr marL="742950" lvl="1" indent="-285750"/>
+            <a:r>
+              <a:rPr lang="en-CA" sz="2800" dirty="0"/>
+              <a:t>Recursively check for each valid index </a:t>
+            </a:r>
+            <a:r>
+              <a:rPr lang="en-CA" sz="2800" dirty="0">
+                <a:solidFill>
+                  <a:srgbClr val="3333CC"/>
+                </a:solidFill>
+              </a:rPr>
+              <a:t>i</a:t>
+            </a:r>
+            <a:r>
+              <a:rPr lang="en-CA" sz="2800" dirty="0"/>
+              <a:t>,</a:t>
+            </a:r>
+          </a:p>
+          <a:p>
+            <a:pPr lvl="2">
+              <a:buNone/>
+            </a:pPr>
+            <a:r>
+              <a:rPr lang="en-CA" sz="2400" dirty="0">
+                <a:solidFill>
+                  <a:srgbClr val="000090"/>
+                </a:solidFill>
+                <a:latin typeface="+mn-lt"/>
+              </a:rPr>
+              <a:t>assertEquals(expected[i],actual[i])</a:t>
+            </a:r>
+          </a:p>
+          <a:p>
+            <a:pPr lvl="3">
+              <a:buNone/>
+            </a:pPr>
+            <a:r>
+              <a:rPr lang="en-CA" sz="2400" dirty="0"/>
+              <a:t>or</a:t>
+            </a:r>
+          </a:p>
+          <a:p>
+            <a:pPr lvl="2">
+              <a:buNone/>
+            </a:pPr>
+            <a:r>
+              <a:rPr lang="en-CA" sz="2400" dirty="0">
+                <a:solidFill>
+                  <a:srgbClr val="000090"/>
+                </a:solidFill>
+                <a:latin typeface="+mn-lt"/>
+              </a:rPr>
+              <a:t>assertArrayEquals(expected,actual)</a:t>
+            </a:r>
+          </a:p>
+          <a:p>
+            <a:pPr marL="393700" indent="-285750"/>
+            <a:r>
+              <a:rPr lang="en-CA" sz="3200" dirty="0"/>
+              <a:t>With a failure message  </a:t>
+            </a:r>
+          </a:p>
+          <a:p>
+            <a:pPr marL="344487" lvl="1" indent="0">
+              <a:buNone/>
+            </a:pPr>
+            <a:r>
+              <a:rPr lang="en-CA" dirty="0">
+                <a:solidFill>
+                  <a:srgbClr val="000090"/>
+                </a:solidFill>
+                <a:latin typeface="Arial"/>
+              </a:rPr>
+              <a:t>assertArrayEquals(</a:t>
+            </a:r>
+            <a:r>
+              <a:rPr lang="en-CA" i="1" dirty="0">
+                <a:solidFill>
+                  <a:srgbClr val="FF0D45"/>
+                </a:solidFill>
+                <a:latin typeface="Arial"/>
+              </a:rPr>
+              <a:t>message</a:t>
+            </a:r>
+            <a:r>
+              <a:rPr lang="en-CA" dirty="0">
+                <a:solidFill>
+                  <a:srgbClr val="000090"/>
+                </a:solidFill>
+                <a:latin typeface="Arial"/>
+              </a:rPr>
+              <a:t>, </a:t>
+            </a:r>
+            <a:r>
+              <a:rPr lang="en-CA" i="1" dirty="0">
+                <a:solidFill>
+                  <a:srgbClr val="000090"/>
+                </a:solidFill>
+                <a:latin typeface="Arial"/>
+              </a:rPr>
+              <a:t>expected, actual</a:t>
+            </a:r>
+            <a:r>
+              <a:rPr lang="en-CA" dirty="0">
+                <a:solidFill>
+                  <a:srgbClr val="000090"/>
+                </a:solidFill>
+                <a:latin typeface="Arial"/>
+              </a:rPr>
+              <a:t>)</a:t>
+            </a:r>
+            <a:endParaRPr lang="en-CA" sz="3200" dirty="0"/>
+          </a:p>
+          <a:p>
+            <a:pPr marL="155575" indent="0">
+              <a:buNone/>
+            </a:pPr>
+            <a:endParaRPr lang="en-CA" dirty="0" smtClean="0"/>
+          </a:p>
+          <a:p>
+            <a:pPr lvl="2">
+              <a:buNone/>
+            </a:pPr>
+            <a:endParaRPr lang="en-CA" dirty="0">
+              <a:solidFill>
+                <a:srgbClr val="3333CC"/>
+              </a:solidFill>
+            </a:endParaRPr>
+          </a:p>
+        </p:txBody>
+      </p:sp>
+      <p:sp>
+        <p:nvSpPr>
+          <p:cNvPr id="2" name="Slide Number Placeholder 1"/>
+          <p:cNvSpPr>
+            <a:spLocks noGrp="1"/>
+          </p:cNvSpPr>
+          <p:nvPr>
+            <p:ph type="sldNum" sz="quarter" idx="12"/>
+          </p:nvPr>
+        </p:nvSpPr>
+        <p:spPr/>
+        <p:txBody>
+          <a:bodyPr/>
+          <a:lstStyle/>
+          <a:p>
+            <a:fld id="{B543A0FD-1CA6-4228-86A2-78061B4844C8}" type="slidenum">
+              <a:rPr lang="en-US" smtClean="0"/>
+              <a:t>47</a:t>
+            </a:fld>
+            <a:endParaRPr lang="en-US"/>
+          </a:p>
+        </p:txBody>
+      </p:sp>
+    </p:spTree>
+    <p:extLst>
+      <p:ext uri="{BB962C8B-B14F-4D97-AF65-F5344CB8AC3E}">
+        <p14:creationId xmlns:p14="http://schemas.microsoft.com/office/powerpoint/2010/main" val="1008596198"/>
+      </p:ext>
+    </p:extLst>
+  </p:cSld>
+  <p:clrMapOvr>
+    <a:masterClrMapping/>
+  </p:clrMapOvr>
+  <p:timing>
+    <p:tnLst>
+      <p:par>
+        <p:cTn id="1" dur="indefinite" restart="never" nodeType="tmRoot"/>
+      </p:par>
+    </p:tnLst>
+  </p:timing>
+</p:sld>
+</file>
+
 <file path=ppt/slides/slide48.xml><?xml version="1.0" encoding="utf-8"?>
 <p:sld xmlns:a="http://schemas.openxmlformats.org/drawingml/2006/main" xmlns:r="http://schemas.openxmlformats.org/officeDocument/2006/relationships" xmlns:p="http://schemas.openxmlformats.org/presentationml/2006/main">
   <p:cSld>
@@ -20041,152 +19865,151 @@
           <a:bodyPr/>
           <a:lstStyle/>
           <a:p>
-            <a:pPr marL="342900" indent="-342900"/>
-            <a:r>
-              <a:rPr lang="en-CA" sz="3200" dirty="0"/>
-              <a:t>Assert two arrays are equal:</a:t>
-            </a:r>
-          </a:p>
-          <a:p>
-            <a:pPr marL="742950" lvl="1" indent="-285750">
+            <a:pPr marL="612775" indent="-457200"/>
+            <a:r>
+              <a:rPr lang="en-CA" dirty="0" smtClean="0"/>
+              <a:t>Examples </a:t>
+            </a:r>
+          </a:p>
+          <a:p>
+            <a:pPr marL="644525" lvl="2" indent="0">
               <a:buNone/>
             </a:pPr>
             <a:r>
-              <a:rPr lang="en-CA" dirty="0">
+              <a:rPr lang="en-US" sz="2400" dirty="0">
                 <a:solidFill>
                   <a:srgbClr val="000090"/>
                 </a:solidFill>
                 <a:latin typeface="+mn-lt"/>
               </a:rPr>
-              <a:t>assertArrayEquals(expected, actual)</a:t>
-            </a:r>
-          </a:p>
-          <a:p>
-            <a:pPr marL="742950" lvl="1" indent="-285750"/>
-            <a:r>
-              <a:rPr lang="en-CA" sz="2800" dirty="0"/>
-              <a:t>arrays must have same length</a:t>
-            </a:r>
-          </a:p>
-          <a:p>
-            <a:pPr marL="742950" lvl="1" indent="-285750"/>
-            <a:r>
-              <a:rPr lang="en-CA" sz="2800" dirty="0"/>
-              <a:t>Recursively check for each valid index </a:t>
-            </a:r>
-            <a:r>
-              <a:rPr lang="en-CA" sz="2800" dirty="0">
-                <a:solidFill>
-                  <a:srgbClr val="3333CC"/>
-                </a:solidFill>
-              </a:rPr>
-              <a:t>i</a:t>
-            </a:r>
-            <a:r>
-              <a:rPr lang="en-CA" sz="2800" dirty="0"/>
-              <a:t>,</a:t>
-            </a:r>
-          </a:p>
-          <a:p>
-            <a:pPr lvl="2">
+              <a:t>int[] a1 = { 2, 3, 5, 7 };   </a:t>
+            </a:r>
+          </a:p>
+          <a:p>
+            <a:pPr marL="644525" lvl="2" indent="0">
               <a:buNone/>
             </a:pPr>
             <a:r>
-              <a:rPr lang="en-CA" sz="2400" dirty="0">
+              <a:rPr lang="en-US" sz="2400" dirty="0">
                 <a:solidFill>
                   <a:srgbClr val="000090"/>
                 </a:solidFill>
                 <a:latin typeface="+mn-lt"/>
               </a:rPr>
-              <a:t>assertEquals(expected[i],actual[i])</a:t>
-            </a:r>
-          </a:p>
-          <a:p>
-            <a:pPr lvl="3">
+              <a:t>int[] a2 = { 2, 3, 5, 7 };   </a:t>
+            </a:r>
+          </a:p>
+          <a:p>
+            <a:pPr marL="644525" lvl="2" indent="0">
               <a:buNone/>
             </a:pPr>
             <a:r>
-              <a:rPr lang="en-CA" sz="2400" dirty="0"/>
-              <a:t>or</a:t>
-            </a:r>
-          </a:p>
-          <a:p>
-            <a:pPr lvl="2">
+              <a:rPr lang="en-US" sz="2400" dirty="0">
+                <a:solidFill>
+                  <a:srgbClr val="000090"/>
+                </a:solidFill>
+                <a:latin typeface="+mn-lt"/>
+              </a:rPr>
+              <a:t>assertArrayEquals(</a:t>
+            </a:r>
+            <a:r>
+              <a:rPr lang="en-US" sz="2400" dirty="0">
+                <a:solidFill>
+                  <a:srgbClr val="FF0D45"/>
+                </a:solidFill>
+                <a:latin typeface="+mn-lt"/>
+              </a:rPr>
+              <a:t>"Should be equal"</a:t>
+            </a:r>
+            <a:r>
+              <a:rPr lang="en-US" sz="2400" dirty="0">
+                <a:solidFill>
+                  <a:srgbClr val="000090"/>
+                </a:solidFill>
+                <a:latin typeface="+mn-lt"/>
+              </a:rPr>
+              <a:t>, a1, a2);</a:t>
+            </a:r>
+          </a:p>
+          <a:p>
+            <a:pPr marL="644525" lvl="2" indent="0">
               <a:buNone/>
             </a:pPr>
             <a:r>
-              <a:rPr lang="en-CA" sz="2400" dirty="0">
+              <a:rPr lang="en-US" sz="2400" dirty="0">
                 <a:solidFill>
                   <a:srgbClr val="000090"/>
                 </a:solidFill>
                 <a:latin typeface="+mn-lt"/>
               </a:rPr>
-              <a:t>assertArrayEquals(expected,actual)</a:t>
-            </a:r>
-          </a:p>
-          <a:p>
-            <a:pPr marL="393700" indent="-285750"/>
-            <a:r>
-              <a:rPr lang="en-CA" sz="3200" dirty="0"/>
-              <a:t>With a failure message  </a:t>
-            </a:r>
-          </a:p>
-          <a:p>
-            <a:pPr marL="344487" lvl="1" indent="0">
+              <a:t>			</a:t>
+            </a:r>
+          </a:p>
+          <a:p>
+            <a:pPr marL="644525" lvl="2" indent="0">
               <a:buNone/>
             </a:pPr>
             <a:r>
-              <a:rPr lang="en-CA" dirty="0">
+              <a:rPr lang="en-US" sz="2400" dirty="0">
                 <a:solidFill>
                   <a:srgbClr val="000090"/>
                 </a:solidFill>
-                <a:latin typeface="Arial"/>
+                <a:latin typeface="+mn-lt"/>
+              </a:rPr>
+              <a:t>int[][] a11 = { { 2, 3 }, { 5, 7 }, { 11, 13 } };   </a:t>
+            </a:r>
+          </a:p>
+          <a:p>
+            <a:pPr marL="644525" lvl="2" indent="0">
+              <a:buNone/>
+            </a:pPr>
+            <a:r>
+              <a:rPr lang="en-US" sz="2400" dirty="0">
+                <a:solidFill>
+                  <a:srgbClr val="000090"/>
+                </a:solidFill>
+                <a:latin typeface="+mn-lt"/>
+              </a:rPr>
+              <a:t>int[][] a12 = { { 2, 3 }, { 5, 7 }, { 11, 13 } };    </a:t>
+            </a:r>
+          </a:p>
+          <a:p>
+            <a:pPr marL="644525" lvl="2" indent="0">
+              <a:buNone/>
+            </a:pPr>
+            <a:r>
+              <a:rPr lang="en-US" sz="2400" dirty="0">
+                <a:solidFill>
+                  <a:srgbClr val="000090"/>
+                </a:solidFill>
+                <a:latin typeface="+mn-lt"/>
               </a:rPr>
               <a:t>assertArrayEquals(</a:t>
             </a:r>
             <a:r>
-              <a:rPr lang="en-CA" i="1" dirty="0">
+              <a:rPr lang="en-US" sz="2400" dirty="0">
                 <a:solidFill>
                   <a:srgbClr val="FF0D45"/>
                 </a:solidFill>
-                <a:latin typeface="Arial"/>
-              </a:rPr>
-              <a:t>message</a:t>
-            </a:r>
-            <a:r>
-              <a:rPr lang="en-CA" dirty="0">
+                <a:latin typeface="+mn-lt"/>
+              </a:rPr>
+              <a:t>"Should be equal"</a:t>
+            </a:r>
+            <a:r>
+              <a:rPr lang="en-US" sz="2400" dirty="0">
                 <a:solidFill>
                   <a:srgbClr val="000090"/>
                 </a:solidFill>
-                <a:latin typeface="Arial"/>
-              </a:rPr>
-              <a:t>, </a:t>
-            </a:r>
-            <a:r>
-              <a:rPr lang="en-CA" i="1" dirty="0">
-                <a:solidFill>
-                  <a:srgbClr val="000090"/>
-                </a:solidFill>
-                <a:latin typeface="Arial"/>
-              </a:rPr>
-              <a:t>expected, actual</a:t>
-            </a:r>
-            <a:r>
-              <a:rPr lang="en-CA" dirty="0">
-                <a:solidFill>
-                  <a:srgbClr val="000090"/>
-                </a:solidFill>
-                <a:latin typeface="Arial"/>
-              </a:rPr>
-              <a:t>)</a:t>
-            </a:r>
-            <a:endParaRPr lang="en-CA" sz="3200" dirty="0"/>
-          </a:p>
-          <a:p>
-            <a:pPr marL="155575" indent="0">
-              <a:buNone/>
-            </a:pPr>
-            <a:endParaRPr lang="en-CA" dirty="0" smtClean="0"/>
+                <a:latin typeface="+mn-lt"/>
+              </a:rPr>
+              <a:t>, a11, a12);</a:t>
+            </a:r>
+            <a:endParaRPr lang="en-CA" sz="2400" dirty="0">
+              <a:solidFill>
+                <a:srgbClr val="000090"/>
+              </a:solidFill>
+              <a:latin typeface="+mn-lt"/>
+            </a:endParaRPr>
           </a:p>
           <a:p>
             <a:pPr lvl="2">
@@ -20226,7 +20049,7 @@
     </p:spTree>
     <p:extLst>
       <p:ext uri="{BB962C8B-B14F-4D97-AF65-F5344CB8AC3E}">
-        <p14:creationId xmlns:p14="http://schemas.microsoft.com/office/powerpoint/2010/main" val="1008596198"/>
+        <p14:creationId xmlns:p14="http://schemas.microsoft.com/office/powerpoint/2010/main" val="2360455982"/>
       </p:ext>
     </p:extLst>
   </p:cSld>
@@ -20262,7 +20085,7 @@
       </p:grpSpPr>
       <p:sp>
         <p:nvSpPr>
-          <p:cNvPr id="33796" name="Rectangle 2"/>
+          <p:cNvPr id="36868" name="Rectangle 2"/>
           <p:cNvSpPr>
             <a:spLocks noGrp="1"/>
           </p:cNvSpPr>
@@ -20276,24 +20099,15 @@
           <a:lstStyle/>
           <a:p>
             <a:r>
-              <a:rPr lang="en-CA" sz="4000" dirty="0"/>
-              <a:t>Assertion Methods</a:t>
-            </a:r>
-            <a:r>
-              <a:rPr lang="en-CA" sz="4000" b="1" dirty="0"/>
-              <a:t>: </a:t>
-            </a:r>
-            <a:r>
-              <a:rPr lang="en-CA" sz="4000" dirty="0"/>
-              <a:t>Equality of Arrays </a:t>
-            </a:r>
-            <a:endParaRPr lang="en-CA" sz="4000" b="1" dirty="0"/>
-          </a:p>
-        </p:txBody>
-      </p:sp>
-      <p:sp>
-        <p:nvSpPr>
-          <p:cNvPr id="33797" name="Rectangle 3"/>
+              <a:rPr lang="en-CA" sz="3600" dirty="0"/>
+              <a:t>Assertion Methods: Floating Point Values</a:t>
+            </a:r>
+          </a:p>
+        </p:txBody>
+      </p:sp>
+      <p:sp>
+        <p:nvSpPr>
+          <p:cNvPr id="36869" name="Rectangle 3"/>
           <p:cNvSpPr>
             <a:spLocks noGrp="1"/>
           </p:cNvSpPr>
@@ -20301,165 +20115,274 @@
             <p:ph idx="1"/>
           </p:nvPr>
         </p:nvSpPr>
-        <p:spPr/>
+        <p:spPr>
+          <a:xfrm>
+            <a:off x="347527" y="1414732"/>
+            <a:ext cx="10383733" cy="4867196"/>
+          </a:xfrm>
+        </p:spPr>
         <p:txBody>
           <a:bodyPr/>
           <a:lstStyle/>
           <a:p>
-            <a:pPr marL="612775" indent="-457200"/>
-            <a:r>
-              <a:rPr lang="en-CA" dirty="0" smtClean="0"/>
-              <a:t>Examples </a:t>
-            </a:r>
-          </a:p>
-          <a:p>
-            <a:pPr marL="644525" lvl="2" indent="0">
+            <a:pPr marL="342900" indent="-342900"/>
+            <a:r>
+              <a:rPr lang="en-CA" dirty="0"/>
+              <a:t>For comparing floating point values (</a:t>
+            </a:r>
+            <a:r>
+              <a:rPr lang="en-CA" dirty="0">
+                <a:solidFill>
+                  <a:srgbClr val="3333CC"/>
+                </a:solidFill>
+              </a:rPr>
+              <a:t>double </a:t>
+            </a:r>
+            <a:r>
+              <a:rPr lang="en-CA" dirty="0"/>
+              <a:t>or</a:t>
+            </a:r>
+            <a:r>
+              <a:rPr lang="en-CA" dirty="0">
+                <a:solidFill>
+                  <a:srgbClr val="3333CC"/>
+                </a:solidFill>
+              </a:rPr>
+              <a:t> float</a:t>
+            </a:r>
+            <a:r>
+              <a:rPr lang="en-CA" dirty="0"/>
+              <a:t>)</a:t>
+            </a:r>
+          </a:p>
+          <a:p>
+            <a:pPr marL="742950" lvl="1" indent="-285750"/>
+            <a:r>
+              <a:rPr lang="en-CA" dirty="0">
+                <a:solidFill>
+                  <a:srgbClr val="000090"/>
+                </a:solidFill>
+                <a:latin typeface="+mn-lt"/>
+              </a:rPr>
+              <a:t>assertEquals</a:t>
+            </a:r>
+            <a:r>
+              <a:rPr lang="en-CA" sz="2500" dirty="0"/>
+              <a:t> </a:t>
+            </a:r>
+            <a:r>
+              <a:rPr lang="en-CA" sz="2800" dirty="0"/>
+              <a:t>requires an additional parameter </a:t>
+            </a:r>
+            <a:r>
+              <a:rPr lang="en-CA" sz="2800" b="1" u="sng" dirty="0">
+                <a:solidFill>
+                  <a:srgbClr val="3333CC"/>
+                </a:solidFill>
+              </a:rPr>
+              <a:t>delta</a:t>
+            </a:r>
+            <a:r>
+              <a:rPr lang="en-CA" sz="2800" dirty="0"/>
+              <a:t>.</a:t>
+            </a:r>
+          </a:p>
+          <a:p>
+            <a:pPr marL="457200" lvl="1" indent="0">
               <a:buNone/>
             </a:pPr>
             <a:r>
-              <a:rPr lang="en-US" sz="2400" dirty="0">
+              <a:rPr lang="en-CA" dirty="0">
                 <a:solidFill>
                   <a:srgbClr val="000090"/>
                 </a:solidFill>
+                <a:latin typeface="Arial"/>
+              </a:rPr>
+              <a:t>assertEquals(</a:t>
+            </a:r>
+            <a:r>
+              <a:rPr lang="en-CA" i="1" dirty="0">
+                <a:solidFill>
+                  <a:srgbClr val="000090"/>
+                </a:solidFill>
+                <a:latin typeface="Arial"/>
+              </a:rPr>
+              <a:t>expected, actual, delta</a:t>
+            </a:r>
+            <a:r>
+              <a:rPr lang="en-CA" dirty="0">
+                <a:solidFill>
+                  <a:srgbClr val="000090"/>
+                </a:solidFill>
+                <a:latin typeface="Arial"/>
+              </a:rPr>
+              <a:t>)</a:t>
+            </a:r>
+          </a:p>
+          <a:p>
+            <a:pPr marL="457200" lvl="1" indent="0">
+              <a:buNone/>
+            </a:pPr>
+            <a:r>
+              <a:rPr lang="en-CA" dirty="0">
+                <a:solidFill>
+                  <a:srgbClr val="000090"/>
+                </a:solidFill>
+                <a:latin typeface="Arial"/>
+              </a:rPr>
+              <a:t>assertEquals(</a:t>
+            </a:r>
+            <a:r>
+              <a:rPr lang="en-CA" i="1" dirty="0">
+                <a:solidFill>
+                  <a:srgbClr val="FF0D45"/>
+                </a:solidFill>
+                <a:latin typeface="Arial"/>
+              </a:rPr>
+              <a:t>message</a:t>
+            </a:r>
+            <a:r>
+              <a:rPr lang="en-CA" dirty="0">
+                <a:solidFill>
+                  <a:srgbClr val="000090"/>
+                </a:solidFill>
+                <a:latin typeface="Arial"/>
+              </a:rPr>
+              <a:t>, </a:t>
+            </a:r>
+            <a:r>
+              <a:rPr lang="en-CA" i="1" dirty="0">
+                <a:solidFill>
+                  <a:srgbClr val="000090"/>
+                </a:solidFill>
+                <a:latin typeface="Arial"/>
+              </a:rPr>
+              <a:t>expected, actual, delta</a:t>
+            </a:r>
+            <a:r>
+              <a:rPr lang="en-CA" dirty="0">
+                <a:solidFill>
+                  <a:srgbClr val="000090"/>
+                </a:solidFill>
+                <a:latin typeface="Arial"/>
+              </a:rPr>
+              <a:t>)</a:t>
+            </a:r>
+            <a:endParaRPr lang="en-CA" dirty="0"/>
+          </a:p>
+          <a:p>
+            <a:pPr marL="342900" indent="-342900"/>
+            <a:r>
+              <a:rPr lang="en-CA" dirty="0"/>
+              <a:t>The assertion evaluates to true if </a:t>
+            </a:r>
+          </a:p>
+          <a:p>
+            <a:pPr marL="0" indent="0">
+              <a:buNone/>
+            </a:pPr>
+            <a:r>
+              <a:rPr lang="en-CA" sz="2400" dirty="0">
+                <a:solidFill>
+                  <a:srgbClr val="3333CC"/>
+                </a:solidFill>
+              </a:rPr>
+              <a:t>	</a:t>
+            </a:r>
+            <a:r>
+              <a:rPr lang="en-CA" sz="2400" dirty="0">
+                <a:solidFill>
+                  <a:srgbClr val="3333CC"/>
+                </a:solidFill>
                 <a:latin typeface="+mn-lt"/>
               </a:rPr>
-              <a:t>int[] a1 = { 2, 3, 5, 7 };   </a:t>
-            </a:r>
-          </a:p>
-          <a:p>
-            <a:pPr marL="644525" lvl="2" indent="0">
-              <a:buNone/>
-            </a:pPr>
-            <a:r>
-              <a:rPr lang="en-US" sz="2400" dirty="0">
-                <a:solidFill>
-                  <a:srgbClr val="000090"/>
-                </a:solidFill>
-                <a:latin typeface="+mn-lt"/>
-              </a:rPr>
-              <a:t>int[] a2 = { 2, 3, 5, 7 };   </a:t>
-            </a:r>
-          </a:p>
-          <a:p>
-            <a:pPr marL="644525" lvl="2" indent="0">
-              <a:buNone/>
-            </a:pPr>
-            <a:r>
-              <a:rPr lang="en-US" sz="2400" dirty="0">
-                <a:solidFill>
-                  <a:srgbClr val="000090"/>
-                </a:solidFill>
-                <a:latin typeface="+mn-lt"/>
-              </a:rPr>
-              <a:t>assertArrayEquals(</a:t>
-            </a:r>
-            <a:r>
-              <a:rPr lang="en-US" sz="2400" dirty="0">
-                <a:solidFill>
-                  <a:srgbClr val="FF0D45"/>
-                </a:solidFill>
-                <a:latin typeface="+mn-lt"/>
-              </a:rPr>
-              <a:t>"Should be equal"</a:t>
-            </a:r>
-            <a:r>
-              <a:rPr lang="en-US" sz="2400" dirty="0">
-                <a:solidFill>
-                  <a:srgbClr val="000090"/>
-                </a:solidFill>
-                <a:latin typeface="+mn-lt"/>
-              </a:rPr>
-              <a:t>, a1, a2);</a:t>
-            </a:r>
-          </a:p>
-          <a:p>
-            <a:pPr marL="644525" lvl="2" indent="0">
-              <a:buNone/>
-            </a:pPr>
-            <a:r>
-              <a:rPr lang="en-US" sz="2400" dirty="0">
-                <a:solidFill>
-                  <a:srgbClr val="000090"/>
-                </a:solidFill>
-                <a:latin typeface="+mn-lt"/>
-              </a:rPr>
-              <a:t>			</a:t>
-            </a:r>
-          </a:p>
-          <a:p>
-            <a:pPr marL="644525" lvl="2" indent="0">
-              <a:buNone/>
-            </a:pPr>
-            <a:r>
-              <a:rPr lang="en-US" sz="2400" dirty="0">
-                <a:solidFill>
-                  <a:srgbClr val="000090"/>
-                </a:solidFill>
-                <a:latin typeface="+mn-lt"/>
-              </a:rPr>
-              <a:t>int[][] a11 = { { 2, 3 }, { 5, 7 }, { 11, 13 } };   </a:t>
-            </a:r>
-          </a:p>
-          <a:p>
-            <a:pPr marL="644525" lvl="2" indent="0">
-              <a:buNone/>
-            </a:pPr>
-            <a:r>
-              <a:rPr lang="en-US" sz="2400" dirty="0">
-                <a:solidFill>
-                  <a:srgbClr val="000090"/>
-                </a:solidFill>
-                <a:latin typeface="+mn-lt"/>
-              </a:rPr>
-              <a:t>int[][] a12 = { { 2, 3 }, { 5, 7 }, { 11, 13 } };    </a:t>
-            </a:r>
-          </a:p>
-          <a:p>
-            <a:pPr marL="644525" lvl="2" indent="0">
-              <a:buNone/>
-            </a:pPr>
-            <a:r>
-              <a:rPr lang="en-US" sz="2400" dirty="0">
-                <a:solidFill>
-                  <a:srgbClr val="000090"/>
-                </a:solidFill>
-                <a:latin typeface="+mn-lt"/>
-              </a:rPr>
-              <a:t>assertArrayEquals(</a:t>
-            </a:r>
-            <a:r>
-              <a:rPr lang="en-US" sz="2400" dirty="0">
-                <a:solidFill>
-                  <a:srgbClr val="FF0D45"/>
-                </a:solidFill>
-                <a:latin typeface="+mn-lt"/>
-              </a:rPr>
-              <a:t>"Should be equal"</a:t>
-            </a:r>
-            <a:r>
-              <a:rPr lang="en-US" sz="2400" dirty="0">
-                <a:solidFill>
-                  <a:srgbClr val="000090"/>
-                </a:solidFill>
-                <a:latin typeface="+mn-lt"/>
-              </a:rPr>
-              <a:t>, a11, a12);</a:t>
+              <a:t>Math.abs( expected – actual ) &lt;= delta</a:t>
             </a:r>
             <a:endParaRPr lang="en-CA" sz="2400" dirty="0">
-              <a:solidFill>
-                <a:srgbClr val="000090"/>
-              </a:solidFill>
               <a:latin typeface="+mn-lt"/>
             </a:endParaRPr>
           </a:p>
           <a:p>
-            <a:pPr lvl="2">
+            <a:pPr marL="342900" indent="-342900"/>
+            <a:r>
+              <a:rPr lang="en-CA" dirty="0"/>
+              <a:t>Example:</a:t>
+            </a:r>
+          </a:p>
+          <a:p>
+            <a:pPr marL="0" indent="0">
               <a:buNone/>
             </a:pPr>
-            <a:endParaRPr lang="en-CA" dirty="0">
-              <a:solidFill>
-                <a:srgbClr val="3333CC"/>
-              </a:solidFill>
+            <a:r>
+              <a:rPr lang="en-CA" sz="2400" dirty="0">
+                <a:solidFill>
+                  <a:srgbClr val="000090"/>
+                </a:solidFill>
+                <a:latin typeface="+mn-lt"/>
+              </a:rPr>
+              <a:t>   double d1 = 100.0, d2 = 99.99995;</a:t>
+            </a:r>
+            <a:r>
+              <a:rPr lang="en-CA" sz="3200" dirty="0">
+                <a:solidFill>
+                  <a:srgbClr val="000090"/>
+                </a:solidFill>
+                <a:latin typeface="+mn-lt"/>
+              </a:rPr>
+              <a:t>  </a:t>
+            </a:r>
+          </a:p>
+          <a:p>
+            <a:pPr marL="0" indent="0">
+              <a:buNone/>
+            </a:pPr>
+            <a:r>
+              <a:rPr lang="en-CA" sz="2400" dirty="0">
+                <a:solidFill>
+                  <a:srgbClr val="000090"/>
+                </a:solidFill>
+                <a:latin typeface="+mn-lt"/>
+              </a:rPr>
+              <a:t>   assertEquals(</a:t>
+            </a:r>
+            <a:r>
+              <a:rPr lang="en-CA" sz="2400" dirty="0">
+                <a:solidFill>
+                  <a:srgbClr val="FF0D45"/>
+                </a:solidFill>
+                <a:latin typeface="+mn-lt"/>
+              </a:rPr>
+              <a:t>“Should be equal within delta.”</a:t>
+            </a:r>
+            <a:r>
+              <a:rPr lang="en-CA" sz="2400" dirty="0">
+                <a:solidFill>
+                  <a:srgbClr val="000090"/>
+                </a:solidFill>
+                <a:latin typeface="+mn-lt"/>
+              </a:rPr>
+              <a:t>, d1, d2, 0.0001);</a:t>
+            </a:r>
+          </a:p>
+          <a:p>
+            <a:pPr marL="742950" lvl="1" indent="-285750">
+              <a:buNone/>
+            </a:pPr>
+            <a:r>
+              <a:rPr lang="en-CA" sz="1900" dirty="0"/>
+              <a:t>  </a:t>
+            </a:r>
+          </a:p>
+          <a:p>
+            <a:pPr lvl="2"/>
+            <a:endParaRPr lang="en-CA" sz="1600" dirty="0">
+              <a:latin typeface="Gill Sans MT" charset="0"/>
+            </a:endParaRPr>
+          </a:p>
+          <a:p>
+            <a:pPr marL="342900" indent="-342900"/>
+            <a:endParaRPr lang="en-CA" sz="2000" dirty="0">
+              <a:latin typeface="Gill Sans MT" charset="0"/>
             </a:endParaRPr>
           </a:p>
         </p:txBody>
@@ -20490,7 +20413,7 @@
     </p:spTree>
     <p:extLst>
       <p:ext uri="{BB962C8B-B14F-4D97-AF65-F5344CB8AC3E}">
-        <p14:creationId xmlns:p14="http://schemas.microsoft.com/office/powerpoint/2010/main" val="2360455982"/>
+        <p14:creationId xmlns:p14="http://schemas.microsoft.com/office/powerpoint/2010/main" val="1318787077"/>
       </p:ext>
     </p:extLst>
   </p:cSld>
@@ -20662,563 +20585,6 @@
 </file>
 
 <file path=ppt/slides/slide50.xml><?xml version="1.0" encoding="utf-8"?>
-<p:sld xmlns:a="http://schemas.openxmlformats.org/drawingml/2006/main" xmlns:r="http://schemas.openxmlformats.org/officeDocument/2006/relationships" xmlns:p="http://schemas.openxmlformats.org/presentationml/2006/main">
-  <p:cSld>
-    <p:spTree>
-      <p:nvGrpSpPr>
-        <p:cNvPr id="1" name=""/>
-        <p:cNvGrpSpPr/>
-        <p:nvPr/>
-      </p:nvGrpSpPr>
-      <p:grpSpPr>
-        <a:xfrm>
-          <a:off x="0" y="0"/>
-          <a:ext cx="0" cy="0"/>
-          <a:chOff x="0" y="0"/>
-          <a:chExt cx="0" cy="0"/>
-        </a:xfrm>
-      </p:grpSpPr>
-      <p:sp>
-        <p:nvSpPr>
-          <p:cNvPr id="2" name="Title 1"/>
-          <p:cNvSpPr>
-            <a:spLocks noGrp="1"/>
-          </p:cNvSpPr>
-          <p:nvPr>
-            <p:ph type="title"/>
-          </p:nvPr>
-        </p:nvSpPr>
-        <p:spPr/>
-        <p:txBody>
-          <a:bodyPr/>
-          <a:lstStyle/>
-          <a:p>
-            <a:r>
-              <a:rPr lang="en-CA" dirty="0"/>
-              <a:t>Floating Point Values</a:t>
-            </a:r>
-            <a:endParaRPr lang="en-US" dirty="0"/>
-          </a:p>
-        </p:txBody>
-      </p:sp>
-      <p:sp>
-        <p:nvSpPr>
-          <p:cNvPr id="3" name="Content Placeholder 2"/>
-          <p:cNvSpPr>
-            <a:spLocks noGrp="1"/>
-          </p:cNvSpPr>
-          <p:nvPr>
-            <p:ph idx="1"/>
-          </p:nvPr>
-        </p:nvSpPr>
-        <p:spPr/>
-        <p:txBody>
-          <a:bodyPr/>
-          <a:lstStyle/>
-          <a:p>
-            <a:r>
-              <a:rPr lang="en-US" dirty="0" smtClean="0"/>
-              <a:t>Beware of problems with comparisons</a:t>
-            </a:r>
-          </a:p>
-          <a:p>
-            <a:pPr lvl="1"/>
-            <a:r>
-              <a:rPr lang="en-US" dirty="0" smtClean="0"/>
-              <a:t>How to compare two floating numbers</a:t>
-            </a:r>
-          </a:p>
-          <a:p>
-            <a:pPr lvl="2"/>
-            <a:r>
-              <a:rPr lang="en-US" dirty="0" smtClean="0"/>
-              <a:t>Never do the following:</a:t>
-            </a:r>
-            <a:br>
-              <a:rPr lang="en-US" dirty="0" smtClean="0"/>
-            </a:br>
-            <a:r>
-              <a:rPr lang="en-US" b="1" dirty="0" smtClean="0">
-                <a:latin typeface="Courier New"/>
-                <a:cs typeface="Courier New"/>
-              </a:rPr>
-              <a:t>float a, b;</a:t>
-            </a:r>
-            <a:br>
-              <a:rPr lang="en-US" b="1" dirty="0" smtClean="0">
-                <a:latin typeface="Courier New"/>
-                <a:cs typeface="Courier New"/>
-              </a:rPr>
-            </a:br>
-            <a:r>
-              <a:rPr lang="en-US" b="1" dirty="0" smtClean="0">
-                <a:latin typeface="Courier New"/>
-                <a:cs typeface="Courier New"/>
-              </a:rPr>
-              <a:t>. . .</a:t>
-            </a:r>
-            <a:br>
-              <a:rPr lang="en-US" b="1" dirty="0" smtClean="0">
-                <a:latin typeface="Courier New"/>
-                <a:cs typeface="Courier New"/>
-              </a:rPr>
-            </a:br>
-            <a:r>
-              <a:rPr lang="en-US" b="1" dirty="0" smtClean="0">
-                <a:latin typeface="Courier New"/>
-                <a:cs typeface="Courier New"/>
-              </a:rPr>
-              <a:t>if ( a == b)</a:t>
-            </a:r>
-          </a:p>
-          <a:p>
-            <a:pPr lvl="1"/>
-            <a:r>
-              <a:rPr lang="en-US" dirty="0" smtClean="0">
-                <a:cs typeface="Courier New"/>
-              </a:rPr>
-              <a:t>Why? Floating point arithmetic is not precise.</a:t>
-            </a:r>
-          </a:p>
-          <a:p>
-            <a:pPr lvl="2"/>
-            <a:r>
-              <a:rPr lang="en-US" dirty="0" smtClean="0"/>
-              <a:t>What is your limit of accuracy of the computer?</a:t>
-            </a:r>
-          </a:p>
-          <a:p>
-            <a:pPr lvl="2"/>
-            <a:r>
-              <a:rPr lang="en-US" dirty="0" smtClean="0"/>
-              <a:t>Is it 4.0000000  or 3.9999999 or 4.0000001 ?</a:t>
-            </a:r>
-          </a:p>
-          <a:p>
-            <a:pPr lvl="2"/>
-            <a:r>
-              <a:rPr lang="en-US" dirty="0" smtClean="0"/>
-              <a:t>Comparison is to subtract one of the numbers and look at the remainder. Hence to compare two floating numbers you must have a range/limit/delta.</a:t>
-            </a:r>
-          </a:p>
-          <a:p>
-            <a:pPr lvl="1"/>
-            <a:endParaRPr lang="en-US" dirty="0" smtClean="0"/>
-          </a:p>
-          <a:p>
-            <a:pPr lvl="2"/>
-            <a:endParaRPr lang="en-US" dirty="0" smtClean="0"/>
-          </a:p>
-        </p:txBody>
-      </p:sp>
-      <p:sp>
-        <p:nvSpPr>
-          <p:cNvPr id="4" name="Slide Number Placeholder 3"/>
-          <p:cNvSpPr>
-            <a:spLocks noGrp="1"/>
-          </p:cNvSpPr>
-          <p:nvPr>
-            <p:ph type="sldNum" sz="quarter" idx="12"/>
-          </p:nvPr>
-        </p:nvSpPr>
-        <p:spPr/>
-        <p:txBody>
-          <a:bodyPr/>
-          <a:lstStyle/>
-          <a:p>
-            <a:fld id="{B543A0FD-1CA6-4228-86A2-78061B4844C8}" type="slidenum">
-              <a:rPr lang="en-US" smtClean="0"/>
-              <a:t>50</a:t>
-            </a:fld>
-            <a:endParaRPr lang="en-US"/>
-          </a:p>
-        </p:txBody>
-      </p:sp>
-    </p:spTree>
-    <p:extLst>
-      <p:ext uri="{BB962C8B-B14F-4D97-AF65-F5344CB8AC3E}">
-        <p14:creationId xmlns:p14="http://schemas.microsoft.com/office/powerpoint/2010/main" val="3721402118"/>
-      </p:ext>
-    </p:extLst>
-  </p:cSld>
-  <p:clrMapOvr>
-    <a:masterClrMapping/>
-  </p:clrMapOvr>
-  <p:timing>
-    <p:tnLst>
-      <p:par>
-        <p:cTn id="1" dur="indefinite" restart="never" nodeType="tmRoot"/>
-      </p:par>
-    </p:tnLst>
-  </p:timing>
-</p:sld>
-</file>
-
-<file path=ppt/slides/slide51.xml><?xml version="1.0" encoding="utf-8"?>
-<p:sld xmlns:a="http://schemas.openxmlformats.org/drawingml/2006/main" xmlns:r="http://schemas.openxmlformats.org/officeDocument/2006/relationships" xmlns:p="http://schemas.openxmlformats.org/presentationml/2006/main">
-  <p:cSld>
-    <p:spTree>
-      <p:nvGrpSpPr>
-        <p:cNvPr id="1" name=""/>
-        <p:cNvGrpSpPr/>
-        <p:nvPr/>
-      </p:nvGrpSpPr>
-      <p:grpSpPr>
-        <a:xfrm>
-          <a:off x="0" y="0"/>
-          <a:ext cx="0" cy="0"/>
-          <a:chOff x="0" y="0"/>
-          <a:chExt cx="0" cy="0"/>
-        </a:xfrm>
-      </p:grpSpPr>
-      <p:sp>
-        <p:nvSpPr>
-          <p:cNvPr id="36868" name="Rectangle 2"/>
-          <p:cNvSpPr>
-            <a:spLocks noGrp="1"/>
-          </p:cNvSpPr>
-          <p:nvPr>
-            <p:ph type="title"/>
-          </p:nvPr>
-        </p:nvSpPr>
-        <p:spPr/>
-        <p:txBody>
-          <a:bodyPr/>
-          <a:lstStyle/>
-          <a:p>
-            <a:r>
-              <a:rPr lang="en-CA" sz="3600" dirty="0"/>
-              <a:t>Assertion Methods: Floating Point Values</a:t>
-            </a:r>
-          </a:p>
-        </p:txBody>
-      </p:sp>
-      <p:sp>
-        <p:nvSpPr>
-          <p:cNvPr id="36869" name="Rectangle 3"/>
-          <p:cNvSpPr>
-            <a:spLocks noGrp="1"/>
-          </p:cNvSpPr>
-          <p:nvPr>
-            <p:ph idx="1"/>
-          </p:nvPr>
-        </p:nvSpPr>
-        <p:spPr>
-          <a:xfrm>
-            <a:off x="838200" y="1584960"/>
-            <a:ext cx="9805416" cy="4696968"/>
-          </a:xfrm>
-        </p:spPr>
-        <p:txBody>
-          <a:bodyPr/>
-          <a:lstStyle/>
-          <a:p>
-            <a:pPr marL="342900" indent="-342900"/>
-            <a:r>
-              <a:rPr lang="en-CA" dirty="0"/>
-              <a:t>For comparing floating point values (</a:t>
-            </a:r>
-            <a:r>
-              <a:rPr lang="en-CA" dirty="0">
-                <a:solidFill>
-                  <a:srgbClr val="3333CC"/>
-                </a:solidFill>
-              </a:rPr>
-              <a:t>double </a:t>
-            </a:r>
-            <a:r>
-              <a:rPr lang="en-CA" dirty="0"/>
-              <a:t>or</a:t>
-            </a:r>
-            <a:r>
-              <a:rPr lang="en-CA" dirty="0">
-                <a:solidFill>
-                  <a:srgbClr val="3333CC"/>
-                </a:solidFill>
-              </a:rPr>
-              <a:t> float</a:t>
-            </a:r>
-            <a:r>
-              <a:rPr lang="en-CA" dirty="0"/>
-              <a:t>)</a:t>
-            </a:r>
-          </a:p>
-          <a:p>
-            <a:pPr marL="742950" lvl="1" indent="-285750"/>
-            <a:r>
-              <a:rPr lang="en-CA" dirty="0">
-                <a:solidFill>
-                  <a:srgbClr val="000090"/>
-                </a:solidFill>
-                <a:latin typeface="+mn-lt"/>
-              </a:rPr>
-              <a:t>assertEquals</a:t>
-            </a:r>
-            <a:r>
-              <a:rPr lang="en-CA" sz="2500" dirty="0"/>
-              <a:t> </a:t>
-            </a:r>
-            <a:r>
-              <a:rPr lang="en-CA" sz="2800" dirty="0"/>
-              <a:t>requires an additional parameter </a:t>
-            </a:r>
-            <a:r>
-              <a:rPr lang="en-CA" sz="2800" b="1" u="sng" dirty="0">
-                <a:solidFill>
-                  <a:srgbClr val="3333CC"/>
-                </a:solidFill>
-              </a:rPr>
-              <a:t>delta</a:t>
-            </a:r>
-            <a:r>
-              <a:rPr lang="en-CA" sz="2800" dirty="0"/>
-              <a:t>.</a:t>
-            </a:r>
-          </a:p>
-          <a:p>
-            <a:pPr marL="457200" lvl="1" indent="0">
-              <a:buNone/>
-            </a:pPr>
-            <a:r>
-              <a:rPr lang="en-CA" dirty="0">
-                <a:solidFill>
-                  <a:srgbClr val="000090"/>
-                </a:solidFill>
-                <a:latin typeface="Arial"/>
-              </a:rPr>
-              <a:t>assertEquals(</a:t>
-            </a:r>
-            <a:r>
-              <a:rPr lang="en-CA" i="1" dirty="0">
-                <a:solidFill>
-                  <a:srgbClr val="000090"/>
-                </a:solidFill>
-                <a:latin typeface="Arial"/>
-              </a:rPr>
-              <a:t>expected, actual, delta</a:t>
-            </a:r>
-            <a:r>
-              <a:rPr lang="en-CA" dirty="0">
-                <a:solidFill>
-                  <a:srgbClr val="000090"/>
-                </a:solidFill>
-                <a:latin typeface="Arial"/>
-              </a:rPr>
-              <a:t>)</a:t>
-            </a:r>
-          </a:p>
-          <a:p>
-            <a:pPr marL="457200" lvl="1" indent="0">
-              <a:buNone/>
-            </a:pPr>
-            <a:r>
-              <a:rPr lang="en-CA" dirty="0">
-                <a:solidFill>
-                  <a:srgbClr val="000090"/>
-                </a:solidFill>
-                <a:latin typeface="Arial"/>
-              </a:rPr>
-              <a:t>assertEquals(</a:t>
-            </a:r>
-            <a:r>
-              <a:rPr lang="en-CA" i="1" dirty="0">
-                <a:solidFill>
-                  <a:srgbClr val="FF0D45"/>
-                </a:solidFill>
-                <a:latin typeface="Arial"/>
-              </a:rPr>
-              <a:t>message</a:t>
-            </a:r>
-            <a:r>
-              <a:rPr lang="en-CA" dirty="0">
-                <a:solidFill>
-                  <a:srgbClr val="000090"/>
-                </a:solidFill>
-                <a:latin typeface="Arial"/>
-              </a:rPr>
-              <a:t>, </a:t>
-            </a:r>
-            <a:r>
-              <a:rPr lang="en-CA" i="1" dirty="0">
-                <a:solidFill>
-                  <a:srgbClr val="000090"/>
-                </a:solidFill>
-                <a:latin typeface="Arial"/>
-              </a:rPr>
-              <a:t>expected, actual, delta</a:t>
-            </a:r>
-            <a:r>
-              <a:rPr lang="en-CA" dirty="0">
-                <a:solidFill>
-                  <a:srgbClr val="000090"/>
-                </a:solidFill>
-                <a:latin typeface="Arial"/>
-              </a:rPr>
-              <a:t>)</a:t>
-            </a:r>
-            <a:endParaRPr lang="en-CA" dirty="0"/>
-          </a:p>
-          <a:p>
-            <a:pPr marL="342900" indent="-342900"/>
-            <a:r>
-              <a:rPr lang="en-CA" dirty="0"/>
-              <a:t>The assertion evaluates to true if </a:t>
-            </a:r>
-          </a:p>
-          <a:p>
-            <a:pPr marL="0" indent="0">
-              <a:buNone/>
-            </a:pPr>
-            <a:r>
-              <a:rPr lang="en-CA" sz="2400" dirty="0">
-                <a:solidFill>
-                  <a:srgbClr val="3333CC"/>
-                </a:solidFill>
-              </a:rPr>
-              <a:t>	</a:t>
-            </a:r>
-            <a:r>
-              <a:rPr lang="en-CA" sz="2400" dirty="0">
-                <a:solidFill>
-                  <a:srgbClr val="3333CC"/>
-                </a:solidFill>
-                <a:latin typeface="+mn-lt"/>
-              </a:rPr>
-              <a:t>Math.abs( expected – actual ) &lt;= delta</a:t>
-            </a:r>
-            <a:endParaRPr lang="en-CA" sz="2400" dirty="0">
-              <a:latin typeface="+mn-lt"/>
-            </a:endParaRPr>
-          </a:p>
-          <a:p>
-            <a:pPr marL="342900" indent="-342900"/>
-            <a:r>
-              <a:rPr lang="en-CA" dirty="0"/>
-              <a:t>Example:</a:t>
-            </a:r>
-          </a:p>
-          <a:p>
-            <a:pPr marL="0" indent="0">
-              <a:buNone/>
-            </a:pPr>
-            <a:r>
-              <a:rPr lang="en-CA" sz="2400" dirty="0">
-                <a:solidFill>
-                  <a:srgbClr val="000090"/>
-                </a:solidFill>
-                <a:latin typeface="+mn-lt"/>
-              </a:rPr>
-              <a:t>   double d1 = 100.0, d2 = 99.99995;</a:t>
-            </a:r>
-            <a:r>
-              <a:rPr lang="en-CA" sz="3200" dirty="0">
-                <a:solidFill>
-                  <a:srgbClr val="000090"/>
-                </a:solidFill>
-                <a:latin typeface="+mn-lt"/>
-              </a:rPr>
-              <a:t>  </a:t>
-            </a:r>
-          </a:p>
-          <a:p>
-            <a:pPr marL="0" indent="0">
-              <a:buNone/>
-            </a:pPr>
-            <a:r>
-              <a:rPr lang="en-CA" sz="2400" dirty="0">
-                <a:solidFill>
-                  <a:srgbClr val="000090"/>
-                </a:solidFill>
-                <a:latin typeface="+mn-lt"/>
-              </a:rPr>
-              <a:t>   assertEquals(</a:t>
-            </a:r>
-            <a:r>
-              <a:rPr lang="en-CA" sz="2400" dirty="0">
-                <a:solidFill>
-                  <a:srgbClr val="FF0D45"/>
-                </a:solidFill>
-                <a:latin typeface="+mn-lt"/>
-              </a:rPr>
-              <a:t>“Should be equal within delta.”</a:t>
-            </a:r>
-            <a:r>
-              <a:rPr lang="en-CA" sz="2400" dirty="0">
-                <a:solidFill>
-                  <a:srgbClr val="000090"/>
-                </a:solidFill>
-                <a:latin typeface="+mn-lt"/>
-              </a:rPr>
-              <a:t>, d1, d2, 0.0001);</a:t>
-            </a:r>
-          </a:p>
-          <a:p>
-            <a:pPr marL="742950" lvl="1" indent="-285750">
-              <a:buNone/>
-            </a:pPr>
-            <a:r>
-              <a:rPr lang="en-CA" sz="1900" dirty="0"/>
-              <a:t>  </a:t>
-            </a:r>
-          </a:p>
-          <a:p>
-            <a:pPr lvl="2"/>
-            <a:endParaRPr lang="en-CA" sz="1600" dirty="0">
-              <a:latin typeface="Gill Sans MT" charset="0"/>
-            </a:endParaRPr>
-          </a:p>
-          <a:p>
-            <a:pPr marL="342900" indent="-342900"/>
-            <a:endParaRPr lang="en-CA" sz="2000" dirty="0">
-              <a:latin typeface="Gill Sans MT" charset="0"/>
-            </a:endParaRPr>
-          </a:p>
-        </p:txBody>
-      </p:sp>
-      <p:sp>
-        <p:nvSpPr>
-          <p:cNvPr id="2" name="Slide Number Placeholder 1"/>
-          <p:cNvSpPr>
-            <a:spLocks noGrp="1"/>
-          </p:cNvSpPr>
-          <p:nvPr>
-            <p:ph type="sldNum" sz="quarter" idx="12"/>
-          </p:nvPr>
-        </p:nvSpPr>
-        <p:spPr/>
-        <p:txBody>
-          <a:bodyPr/>
-          <a:lstStyle/>
-          <a:p>
-            <a:fld id="{B543A0FD-1CA6-4228-86A2-78061B4844C8}" type="slidenum">
-              <a:rPr lang="en-US" smtClean="0"/>
-              <a:t>51</a:t>
-            </a:fld>
-            <a:endParaRPr lang="en-US"/>
-          </a:p>
-        </p:txBody>
-      </p:sp>
-    </p:spTree>
-    <p:extLst>
-      <p:ext uri="{BB962C8B-B14F-4D97-AF65-F5344CB8AC3E}">
-        <p14:creationId xmlns:p14="http://schemas.microsoft.com/office/powerpoint/2010/main" val="1318787077"/>
-      </p:ext>
-    </p:extLst>
-  </p:cSld>
-  <p:clrMapOvr>
-    <a:masterClrMapping/>
-  </p:clrMapOvr>
-  <p:timing>
-    <p:tnLst>
-      <p:par>
-        <p:cTn id="1" dur="indefinite" restart="never" nodeType="tmRoot"/>
-      </p:par>
-    </p:tnLst>
-  </p:timing>
-</p:sld>
-</file>
-
-<file path=ppt/slides/slide52.xml><?xml version="1.0" encoding="utf-8"?>
 <p:sld xmlns:a="http://schemas.openxmlformats.org/drawingml/2006/main" xmlns:r="http://schemas.openxmlformats.org/officeDocument/2006/relationships" xmlns:p="http://schemas.openxmlformats.org/presentationml/2006/main">
   <p:cSld>
     <p:spTree>
@@ -21953,7 +21319,7 @@
           <a:p>
             <a:fld id="{B543A0FD-1CA6-4228-86A2-78061B4844C8}" type="slidenum">
               <a:rPr lang="en-US" smtClean="0"/>
-              <a:t>52</a:t>
+              <a:t>50</a:t>
             </a:fld>
             <a:endParaRPr lang="en-US"/>
           </a:p>
@@ -22051,7 +21417,7 @@
 </p:sld>
 </file>
 
-<file path=ppt/slides/slide53.xml><?xml version="1.0" encoding="utf-8"?>
+<file path=ppt/slides/slide51.xml><?xml version="1.0" encoding="utf-8"?>
 <p:sld xmlns:a="http://schemas.openxmlformats.org/drawingml/2006/main" xmlns:r="http://schemas.openxmlformats.org/officeDocument/2006/relationships" xmlns:p="http://schemas.openxmlformats.org/presentationml/2006/main">
   <p:cSld>
     <p:spTree>
@@ -22614,7 +21980,7 @@
           <a:p>
             <a:fld id="{B543A0FD-1CA6-4228-86A2-78061B4844C8}" type="slidenum">
               <a:rPr lang="en-US" smtClean="0"/>
-              <a:t>53</a:t>
+              <a:t>51</a:t>
             </a:fld>
             <a:endParaRPr lang="en-US"/>
           </a:p>
@@ -22640,7 +22006,7 @@
 </p:sld>
 </file>
 
-<file path=ppt/slides/slide54.xml><?xml version="1.0" encoding="utf-8"?>
+<file path=ppt/slides/slide52.xml><?xml version="1.0" encoding="utf-8"?>
 <p:sld xmlns:a="http://schemas.openxmlformats.org/drawingml/2006/main" xmlns:r="http://schemas.openxmlformats.org/officeDocument/2006/relationships" xmlns:p="http://schemas.openxmlformats.org/presentationml/2006/main">
   <p:cSld>
     <p:spTree>
@@ -22803,7 +22169,7 @@
           <a:p>
             <a:fld id="{B543A0FD-1CA6-4228-86A2-78061B4844C8}" type="slidenum">
               <a:rPr lang="en-US" smtClean="0"/>
-              <a:t>54</a:t>
+              <a:t>52</a:t>
             </a:fld>
             <a:endParaRPr lang="en-US"/>
           </a:p>
@@ -22829,7 +22195,7 @@
 </p:sld>
 </file>
 
-<file path=ppt/slides/slide55.xml><?xml version="1.0" encoding="utf-8"?>
+<file path=ppt/slides/slide53.xml><?xml version="1.0" encoding="utf-8"?>
 <p:sld xmlns:a="http://schemas.openxmlformats.org/drawingml/2006/main" xmlns:r="http://schemas.openxmlformats.org/officeDocument/2006/relationships" xmlns:p="http://schemas.openxmlformats.org/presentationml/2006/main">
   <p:cSld>
     <p:spTree>
@@ -22889,8 +22255,8 @@
         </p:nvSpPr>
         <p:spPr>
           <a:xfrm>
-            <a:off x="978408" y="1420369"/>
-            <a:ext cx="8610600" cy="5140325"/>
+            <a:off x="664234" y="1337095"/>
+            <a:ext cx="8924774" cy="5223600"/>
           </a:xfrm>
         </p:spPr>
         <p:txBody>
@@ -23006,7 +22372,7 @@
                 <a:spcPct val="80000"/>
               </a:lnSpc>
             </a:pPr>
-            <a:endParaRPr lang="en-CA" dirty="0"/>
+            <a:endParaRPr lang="en-CA" sz="1100" dirty="0"/>
           </a:p>
           <a:p>
             <a:pPr>
@@ -23058,7 +22424,7 @@
         </p:nvSpPr>
         <p:spPr bwMode="auto">
           <a:xfrm>
-            <a:off x="1664208" y="1953768"/>
+            <a:off x="1103491" y="1772613"/>
             <a:ext cx="7696200" cy="3276600"/>
           </a:xfrm>
           <a:prstGeom prst="rect">
@@ -23600,7 +22966,7 @@
           <a:p>
             <a:fld id="{B543A0FD-1CA6-4228-86A2-78061B4844C8}" type="slidenum">
               <a:rPr lang="en-US" smtClean="0"/>
-              <a:t>55</a:t>
+              <a:t>53</a:t>
             </a:fld>
             <a:endParaRPr lang="en-US"/>
           </a:p>
@@ -23610,6 +22976,240 @@
     <p:extLst>
       <p:ext uri="{BB962C8B-B14F-4D97-AF65-F5344CB8AC3E}">
         <p14:creationId xmlns:p14="http://schemas.microsoft.com/office/powerpoint/2010/main" val="1613633884"/>
+      </p:ext>
+    </p:extLst>
+  </p:cSld>
+  <p:clrMapOvr>
+    <a:masterClrMapping/>
+  </p:clrMapOvr>
+  <p:timing>
+    <p:tnLst>
+      <p:par>
+        <p:cTn id="1" dur="indefinite" restart="never" nodeType="tmRoot"/>
+      </p:par>
+    </p:tnLst>
+  </p:timing>
+</p:sld>
+</file>
+
+<file path=ppt/slides/slide54.xml><?xml version="1.0" encoding="utf-8"?>
+<p:sld xmlns:a="http://schemas.openxmlformats.org/drawingml/2006/main" xmlns:r="http://schemas.openxmlformats.org/officeDocument/2006/relationships" xmlns:p="http://schemas.openxmlformats.org/presentationml/2006/main">
+  <p:cSld>
+    <p:spTree>
+      <p:nvGrpSpPr>
+        <p:cNvPr id="1" name=""/>
+        <p:cNvGrpSpPr/>
+        <p:nvPr/>
+      </p:nvGrpSpPr>
+      <p:grpSpPr>
+        <a:xfrm>
+          <a:off x="0" y="0"/>
+          <a:ext cx="0" cy="0"/>
+          <a:chOff x="0" y="0"/>
+          <a:chExt cx="0" cy="0"/>
+        </a:xfrm>
+      </p:grpSpPr>
+      <p:sp>
+        <p:nvSpPr>
+          <p:cNvPr id="2" name="Title 1"/>
+          <p:cNvSpPr>
+            <a:spLocks noGrp="1"/>
+          </p:cNvSpPr>
+          <p:nvPr>
+            <p:ph type="title"/>
+          </p:nvPr>
+        </p:nvSpPr>
+        <p:spPr/>
+        <p:txBody>
+          <a:bodyPr/>
+          <a:lstStyle/>
+          <a:p>
+            <a:r>
+              <a:rPr lang="en-US" dirty="0"/>
+              <a:t>Summary: Key Concepts </a:t>
+            </a:r>
+          </a:p>
+        </p:txBody>
+      </p:sp>
+      <p:sp>
+        <p:nvSpPr>
+          <p:cNvPr id="3" name="Content Placeholder 2"/>
+          <p:cNvSpPr>
+            <a:spLocks noGrp="1"/>
+          </p:cNvSpPr>
+          <p:nvPr>
+            <p:ph idx="1"/>
+          </p:nvPr>
+        </p:nvSpPr>
+        <p:spPr/>
+        <p:txBody>
+          <a:bodyPr/>
+          <a:lstStyle/>
+          <a:p>
+            <a:r>
+              <a:rPr lang="en-US" dirty="0" smtClean="0"/>
+              <a:t>Unit </a:t>
+            </a:r>
+            <a:r>
+              <a:rPr lang="en-US" dirty="0"/>
+              <a:t>testing refers to the practice of testing certain functions and areas – or units – of our code. This gives us the ability to verify that our functions work as expected</a:t>
+            </a:r>
+            <a:r>
+              <a:rPr lang="en-US" dirty="0" smtClean="0"/>
+              <a:t>.</a:t>
+            </a:r>
+          </a:p>
+          <a:p>
+            <a:r>
+              <a:rPr lang="en-US" dirty="0" smtClean="0"/>
+              <a:t>Testing needs to be thorough</a:t>
+            </a:r>
+          </a:p>
+          <a:p>
+            <a:r>
+              <a:rPr lang="en-US" dirty="0"/>
+              <a:t>Eclipse/NetBeans </a:t>
+            </a:r>
+            <a:r>
+              <a:rPr lang="en-US" dirty="0" smtClean="0"/>
+              <a:t>provides a platform for doing unit tests using JUnit as a built-in feature.</a:t>
+            </a:r>
+          </a:p>
+          <a:p>
+            <a:endParaRPr lang="en-US" dirty="0"/>
+          </a:p>
+        </p:txBody>
+      </p:sp>
+      <p:sp>
+        <p:nvSpPr>
+          <p:cNvPr id="4" name="Slide Number Placeholder 3"/>
+          <p:cNvSpPr>
+            <a:spLocks noGrp="1"/>
+          </p:cNvSpPr>
+          <p:nvPr>
+            <p:ph type="sldNum" sz="quarter" idx="12"/>
+          </p:nvPr>
+        </p:nvSpPr>
+        <p:spPr/>
+        <p:txBody>
+          <a:bodyPr/>
+          <a:lstStyle/>
+          <a:p>
+            <a:fld id="{B543A0FD-1CA6-4228-86A2-78061B4844C8}" type="slidenum">
+              <a:rPr lang="en-US" smtClean="0"/>
+              <a:t>54</a:t>
+            </a:fld>
+            <a:endParaRPr lang="en-US"/>
+          </a:p>
+        </p:txBody>
+      </p:sp>
+    </p:spTree>
+    <p:extLst>
+      <p:ext uri="{BB962C8B-B14F-4D97-AF65-F5344CB8AC3E}">
+        <p14:creationId xmlns:p14="http://schemas.microsoft.com/office/powerpoint/2010/main" val="913481925"/>
+      </p:ext>
+    </p:extLst>
+  </p:cSld>
+  <p:clrMapOvr>
+    <a:masterClrMapping/>
+  </p:clrMapOvr>
+  <p:timing>
+    <p:tnLst>
+      <p:par>
+        <p:cTn id="1" dur="indefinite" restart="never" nodeType="tmRoot"/>
+      </p:par>
+    </p:tnLst>
+  </p:timing>
+</p:sld>
+</file>
+
+<file path=ppt/slides/slide55.xml><?xml version="1.0" encoding="utf-8"?>
+<p:sld xmlns:a="http://schemas.openxmlformats.org/drawingml/2006/main" xmlns:r="http://schemas.openxmlformats.org/officeDocument/2006/relationships" xmlns:p="http://schemas.openxmlformats.org/presentationml/2006/main">
+  <p:cSld>
+    <p:spTree>
+      <p:nvGrpSpPr>
+        <p:cNvPr id="1" name=""/>
+        <p:cNvGrpSpPr/>
+        <p:nvPr/>
+      </p:nvGrpSpPr>
+      <p:grpSpPr>
+        <a:xfrm>
+          <a:off x="0" y="0"/>
+          <a:ext cx="0" cy="0"/>
+          <a:chOff x="0" y="0"/>
+          <a:chExt cx="0" cy="0"/>
+        </a:xfrm>
+      </p:grpSpPr>
+      <p:sp>
+        <p:nvSpPr>
+          <p:cNvPr id="22532" name="Rectangle 2"/>
+          <p:cNvSpPr>
+            <a:spLocks noGrp="1"/>
+          </p:cNvSpPr>
+          <p:nvPr>
+            <p:ph type="title"/>
+          </p:nvPr>
+        </p:nvSpPr>
+        <p:spPr/>
+        <p:txBody>
+          <a:bodyPr/>
+          <a:lstStyle/>
+          <a:p>
+            <a:pPr algn="ctr"/>
+            <a:r>
+              <a:rPr lang="en-CA" sz="4400" dirty="0"/>
+              <a:t>JUnit Best Practices</a:t>
+            </a:r>
+            <a:endParaRPr lang="en-US" b="1" dirty="0"/>
+          </a:p>
+        </p:txBody>
+      </p:sp>
+      <p:sp>
+        <p:nvSpPr>
+          <p:cNvPr id="3" name="Text Placeholder 2"/>
+          <p:cNvSpPr>
+            <a:spLocks noGrp="1"/>
+          </p:cNvSpPr>
+          <p:nvPr>
+            <p:ph type="body" idx="1"/>
+          </p:nvPr>
+        </p:nvSpPr>
+        <p:spPr/>
+        <p:txBody>
+          <a:bodyPr/>
+          <a:lstStyle/>
+          <a:p>
+            <a:endParaRPr lang="en-US"/>
+          </a:p>
+        </p:txBody>
+      </p:sp>
+      <p:sp>
+        <p:nvSpPr>
+          <p:cNvPr id="2" name="Slide Number Placeholder 1"/>
+          <p:cNvSpPr>
+            <a:spLocks noGrp="1"/>
+          </p:cNvSpPr>
+          <p:nvPr>
+            <p:ph type="sldNum" sz="quarter" idx="12"/>
+          </p:nvPr>
+        </p:nvSpPr>
+        <p:spPr/>
+        <p:txBody>
+          <a:bodyPr/>
+          <a:lstStyle/>
+          <a:p>
+            <a:fld id="{B543A0FD-1CA6-4228-86A2-78061B4844C8}" type="slidenum">
+              <a:rPr lang="en-US" smtClean="0"/>
+              <a:t>55</a:t>
+            </a:fld>
+            <a:endParaRPr lang="en-US"/>
+          </a:p>
+        </p:txBody>
+      </p:sp>
+    </p:spTree>
+    <p:extLst>
+      <p:ext uri="{BB962C8B-B14F-4D97-AF65-F5344CB8AC3E}">
+        <p14:creationId xmlns:p14="http://schemas.microsoft.com/office/powerpoint/2010/main" val="762131323"/>
       </p:ext>
     </p:extLst>
   </p:cSld>
@@ -23645,7 +23245,7 @@
       </p:grpSpPr>
       <p:sp>
         <p:nvSpPr>
-          <p:cNvPr id="2" name="Title 1"/>
+          <p:cNvPr id="39940" name="Rectangle 2"/>
           <p:cNvSpPr>
             <a:spLocks noGrp="1"/>
           </p:cNvSpPr>
@@ -23659,79 +23259,52 @@
           <a:lstStyle/>
           <a:p>
             <a:r>
-              <a:rPr lang="en-US" dirty="0" smtClean="0"/>
-              <a:t>Readings and References</a:t>
-            </a:r>
-            <a:endParaRPr lang="en-US" dirty="0"/>
-          </a:p>
-        </p:txBody>
-      </p:sp>
-      <p:sp>
-        <p:nvSpPr>
-          <p:cNvPr id="3" name="Content Placeholder 2"/>
+              <a:rPr lang="en-CA" dirty="0"/>
+              <a:t>JUnit Best Practices</a:t>
+            </a:r>
+          </a:p>
+        </p:txBody>
+      </p:sp>
+      <p:sp>
+        <p:nvSpPr>
+          <p:cNvPr id="39941" name="Rectangle 3"/>
           <p:cNvSpPr>
             <a:spLocks noGrp="1"/>
           </p:cNvSpPr>
           <p:nvPr>
-            <p:ph sz="quarter" idx="1"/>
-          </p:nvPr>
-        </p:nvSpPr>
-        <p:spPr>
-          <a:xfrm>
-            <a:off x="954024" y="1621536"/>
-            <a:ext cx="9625584" cy="3736848"/>
-          </a:xfrm>
-        </p:spPr>
+            <p:ph idx="1"/>
+          </p:nvPr>
+        </p:nvSpPr>
+        <p:spPr/>
         <p:txBody>
           <a:bodyPr/>
           <a:lstStyle/>
           <a:p>
-            <a:r>
-              <a:rPr lang="en-US" sz="3200" dirty="0"/>
-              <a:t>JUnit documentation</a:t>
-            </a:r>
-          </a:p>
-          <a:p>
-            <a:pPr lvl="1"/>
-            <a:r>
-              <a:rPr lang="en-US" sz="2800" dirty="0">
-                <a:hlinkClick r:id="rId2"/>
-              </a:rPr>
-              <a:t>http://junit.org</a:t>
-            </a:r>
-            <a:endParaRPr lang="en-US" sz="2800" dirty="0"/>
-          </a:p>
-          <a:p>
-            <a:r>
-              <a:rPr lang="en-US" sz="3200" dirty="0"/>
-              <a:t>An introductory tutorial</a:t>
-            </a:r>
-          </a:p>
-          <a:p>
-            <a:pPr lvl="1"/>
-            <a:r>
-              <a:rPr lang="en-US" sz="2800" dirty="0">
-                <a:hlinkClick r:id="rId3"/>
-              </a:rPr>
-              <a:t>http://www.vogella.com/tutorials/JUnit/article.html</a:t>
-            </a:r>
-            <a:endParaRPr lang="en-US" sz="2800" dirty="0"/>
-          </a:p>
-          <a:p>
-            <a:pPr lvl="1"/>
-            <a:endParaRPr lang="en-US" sz="2800" dirty="0"/>
-          </a:p>
-          <a:p>
-            <a:pPr marL="344487" lvl="1" indent="0">
-              <a:buNone/>
-            </a:pPr>
-            <a:endParaRPr lang="en-US" sz="2800" dirty="0"/>
-          </a:p>
-        </p:txBody>
-      </p:sp>
-      <p:sp>
-        <p:nvSpPr>
-          <p:cNvPr id="4" name="Slide Number Placeholder 3"/>
+            <a:pPr marL="393700" indent="-285750"/>
+            <a:r>
+              <a:rPr lang="en-CA" sz="3200" dirty="0"/>
+              <a:t>Each test case should be independent.</a:t>
+            </a:r>
+          </a:p>
+          <a:p>
+            <a:pPr marL="393700" indent="-285750"/>
+            <a:r>
+              <a:rPr lang="en-CA" sz="3200" dirty="0"/>
+              <a:t>Test cases should be independent of execution order.</a:t>
+            </a:r>
+          </a:p>
+          <a:p>
+            <a:pPr marL="393700" indent="-285750"/>
+            <a:r>
+              <a:rPr lang="en-CA" sz="3200" dirty="0"/>
+              <a:t>No dependencies on the state of previous tests.</a:t>
+            </a:r>
+          </a:p>
+        </p:txBody>
+      </p:sp>
+      <p:sp>
+        <p:nvSpPr>
+          <p:cNvPr id="2" name="Slide Number Placeholder 1"/>
           <p:cNvSpPr>
             <a:spLocks noGrp="1"/>
           </p:cNvSpPr>
@@ -23755,7 +23328,7 @@
     </p:spTree>
     <p:extLst>
       <p:ext uri="{BB962C8B-B14F-4D97-AF65-F5344CB8AC3E}">
-        <p14:creationId xmlns:p14="http://schemas.microsoft.com/office/powerpoint/2010/main" val="3980527787"/>
+        <p14:creationId xmlns:p14="http://schemas.microsoft.com/office/powerpoint/2010/main" val="4056950703"/>
       </p:ext>
     </p:extLst>
   </p:cSld>
@@ -23791,7 +23364,7 @@
       </p:grpSpPr>
       <p:sp>
         <p:nvSpPr>
-          <p:cNvPr id="2" name="Title 1"/>
+          <p:cNvPr id="40964" name="Rectangle 2"/>
           <p:cNvSpPr>
             <a:spLocks noGrp="1"/>
           </p:cNvSpPr>
@@ -23805,15 +23378,19 @@
           <a:lstStyle/>
           <a:p>
             <a:r>
-              <a:rPr lang="en-US" dirty="0"/>
-              <a:t>Summary: Key Concepts </a:t>
-            </a:r>
-          </a:p>
-        </p:txBody>
-      </p:sp>
-      <p:sp>
-        <p:nvSpPr>
-          <p:cNvPr id="3" name="Content Placeholder 2"/>
+              <a:rPr lang="en-CA" dirty="0" smtClean="0"/>
+              <a:t>JUnit Test </a:t>
+            </a:r>
+            <a:r>
+              <a:rPr lang="en-CA" dirty="0"/>
+              <a:t>Fixtures</a:t>
+            </a:r>
+          </a:p>
+        </p:txBody>
+      </p:sp>
+      <p:sp>
+        <p:nvSpPr>
+          <p:cNvPr id="40965" name="Rectangle 3"/>
           <p:cNvSpPr>
             <a:spLocks noGrp="1"/>
           </p:cNvSpPr>
@@ -23827,80 +23404,48 @@
           <a:lstStyle/>
           <a:p>
             <a:r>
-              <a:rPr lang="en-US" dirty="0" smtClean="0"/>
-              <a:t>Test </a:t>
-            </a:r>
-            <a:r>
-              <a:rPr lang="en-US" dirty="0"/>
-              <a:t>Cases </a:t>
-            </a:r>
-            <a:r>
-              <a:rPr lang="en-US" dirty="0" smtClean="0"/>
-              <a:t>play </a:t>
-            </a:r>
-            <a:r>
-              <a:rPr lang="en-US" dirty="0"/>
-              <a:t>an important role in </a:t>
-            </a:r>
-            <a:r>
-              <a:rPr lang="en-US" b="1" dirty="0"/>
-              <a:t>Software Testing Life-</a:t>
-            </a:r>
-            <a:r>
-              <a:rPr lang="en-US" b="1" dirty="0" smtClean="0"/>
-              <a:t>cycle</a:t>
-            </a:r>
-            <a:r>
-              <a:rPr lang="en-US" dirty="0" smtClean="0"/>
-              <a:t>. Make </a:t>
-            </a:r>
-            <a:r>
-              <a:rPr lang="en-US" dirty="0"/>
-              <a:t>sure they are correct </a:t>
-            </a:r>
-            <a:r>
-              <a:rPr lang="en-US" dirty="0" smtClean="0"/>
-              <a:t>and cover all possible situations.</a:t>
-            </a:r>
-          </a:p>
-          <a:p>
-            <a:r>
-              <a:rPr lang="en-US" dirty="0" smtClean="0"/>
-              <a:t>Unit </a:t>
-            </a:r>
-            <a:r>
-              <a:rPr lang="en-US" dirty="0"/>
-              <a:t>testing refers to the practice of testing certain functions and areas – or units – of our code. This gives us the ability to verify that our functions work as expected</a:t>
-            </a:r>
-            <a:r>
-              <a:rPr lang="en-US" dirty="0" smtClean="0"/>
-              <a:t>.</a:t>
-            </a:r>
-          </a:p>
-          <a:p>
-            <a:r>
-              <a:rPr lang="en-US" dirty="0" smtClean="0"/>
-              <a:t>Testing needs to be thorough</a:t>
-            </a:r>
-          </a:p>
-          <a:p>
-            <a:r>
-              <a:rPr lang="en-US" dirty="0"/>
-              <a:t>Eclipse/NetBeans </a:t>
-            </a:r>
-            <a:r>
-              <a:rPr lang="en-US" dirty="0" smtClean="0"/>
-              <a:t>provides a platform for doing unit tests using JUnit as a built-in feature.</a:t>
-            </a:r>
-          </a:p>
-          <a:p>
-            <a:endParaRPr lang="en-US" dirty="0"/>
-          </a:p>
-        </p:txBody>
-      </p:sp>
-      <p:sp>
-        <p:nvSpPr>
-          <p:cNvPr id="4" name="Slide Number Placeholder 3"/>
+              <a:rPr lang="en-CA" sz="3200" dirty="0"/>
+              <a:t>The context in which a test case is executed.</a:t>
+            </a:r>
+          </a:p>
+          <a:p>
+            <a:r>
+              <a:rPr lang="en-CA" sz="3200" dirty="0"/>
+              <a:t>Typically include:</a:t>
+            </a:r>
+          </a:p>
+          <a:p>
+            <a:pPr lvl="1"/>
+            <a:r>
+              <a:rPr lang="en-CA" sz="2800" dirty="0"/>
+              <a:t>Common objects or resources that are available for use by any test case.</a:t>
+            </a:r>
+          </a:p>
+          <a:p>
+            <a:r>
+              <a:rPr lang="en-CA" sz="3200" dirty="0"/>
+              <a:t>Activities to manage these objects </a:t>
+            </a:r>
+          </a:p>
+          <a:p>
+            <a:pPr lvl="1"/>
+            <a:r>
+              <a:rPr lang="en-CA" sz="2700" dirty="0"/>
+              <a:t>Set-up: object and resource allocation</a:t>
+            </a:r>
+          </a:p>
+          <a:p>
+            <a:pPr lvl="1"/>
+            <a:r>
+              <a:rPr lang="en-CA" sz="2700" dirty="0"/>
+              <a:t>Tear-down: object and resource de-allocation</a:t>
+            </a:r>
+          </a:p>
+        </p:txBody>
+      </p:sp>
+      <p:sp>
+        <p:nvSpPr>
+          <p:cNvPr id="2" name="Slide Number Placeholder 1"/>
           <p:cNvSpPr>
             <a:spLocks noGrp="1"/>
           </p:cNvSpPr>
@@ -23924,7 +23469,7 @@
     </p:spTree>
     <p:extLst>
       <p:ext uri="{BB962C8B-B14F-4D97-AF65-F5344CB8AC3E}">
-        <p14:creationId xmlns:p14="http://schemas.microsoft.com/office/powerpoint/2010/main" val="913481925"/>
+        <p14:creationId xmlns:p14="http://schemas.microsoft.com/office/powerpoint/2010/main" val="3875505265"/>
       </p:ext>
     </p:extLst>
   </p:cSld>
@@ -23960,7 +23505,7 @@
       </p:grpSpPr>
       <p:sp>
         <p:nvSpPr>
-          <p:cNvPr id="22532" name="Rectangle 2"/>
+          <p:cNvPr id="41988" name="Rectangle 2"/>
           <p:cNvSpPr>
             <a:spLocks noGrp="1"/>
           </p:cNvSpPr>
@@ -23973,23 +23518,22 @@
           <a:bodyPr/>
           <a:lstStyle/>
           <a:p>
-            <a:pPr algn="ctr"/>
-            <a:r>
-              <a:rPr lang="en-CA" sz="4400" dirty="0"/>
-              <a:t>JUnit Best Practices</a:t>
-            </a:r>
-            <a:endParaRPr lang="en-US" b="1" dirty="0"/>
-          </a:p>
-        </p:txBody>
-      </p:sp>
-      <p:sp>
-        <p:nvSpPr>
-          <p:cNvPr id="3" name="Text Placeholder 2"/>
+            <a:r>
+              <a:rPr lang="en-CA" dirty="0" smtClean="0"/>
+              <a:t>Set-Up</a:t>
+            </a:r>
+            <a:endParaRPr lang="en-CA" dirty="0"/>
+          </a:p>
+        </p:txBody>
+      </p:sp>
+      <p:sp>
+        <p:nvSpPr>
+          <p:cNvPr id="41989" name="Rectangle 3"/>
           <p:cNvSpPr>
             <a:spLocks noGrp="1"/>
           </p:cNvSpPr>
           <p:nvPr>
-            <p:ph type="body" idx="1"/>
+            <p:ph idx="1"/>
           </p:nvPr>
         </p:nvSpPr>
         <p:spPr/>
@@ -23997,7 +23541,39 @@
           <a:bodyPr/>
           <a:lstStyle/>
           <a:p>
-            <a:endParaRPr lang="en-US"/>
+            <a:pPr marL="393700" indent="-285750"/>
+            <a:r>
+              <a:rPr lang="en-CA" sz="3200" dirty="0"/>
+              <a:t>Tasks that must be done prior to each test case</a:t>
+            </a:r>
+          </a:p>
+          <a:p>
+            <a:pPr marL="393700" indent="-285750"/>
+            <a:r>
+              <a:rPr lang="en-CA" sz="3200" dirty="0"/>
+              <a:t>Examples:  </a:t>
+            </a:r>
+          </a:p>
+          <a:p>
+            <a:pPr marL="847725" lvl="1"/>
+            <a:r>
+              <a:rPr lang="en-CA" sz="2800" dirty="0"/>
+              <a:t>Create some objects to work with</a:t>
+            </a:r>
+          </a:p>
+          <a:p>
+            <a:pPr marL="847725" lvl="1"/>
+            <a:r>
+              <a:rPr lang="en-CA" sz="2800" dirty="0"/>
+              <a:t>Open a network connection</a:t>
+            </a:r>
+          </a:p>
+          <a:p>
+            <a:pPr marL="847725" lvl="1"/>
+            <a:r>
+              <a:rPr lang="en-CA" sz="2800" dirty="0"/>
+              <a:t>Open a file to read/write </a:t>
+            </a:r>
           </a:p>
         </p:txBody>
       </p:sp>
@@ -24027,7 +23603,7 @@
     </p:spTree>
     <p:extLst>
       <p:ext uri="{BB962C8B-B14F-4D97-AF65-F5344CB8AC3E}">
-        <p14:creationId xmlns:p14="http://schemas.microsoft.com/office/powerpoint/2010/main" val="762131323"/>
+        <p14:creationId xmlns:p14="http://schemas.microsoft.com/office/powerpoint/2010/main" val="89783576"/>
       </p:ext>
     </p:extLst>
   </p:cSld>
@@ -24063,7 +23639,7 @@
       </p:grpSpPr>
       <p:sp>
         <p:nvSpPr>
-          <p:cNvPr id="39940" name="Rectangle 2"/>
+          <p:cNvPr id="41988" name="Rectangle 2"/>
           <p:cNvSpPr>
             <a:spLocks noGrp="1"/>
           </p:cNvSpPr>
@@ -24077,15 +23653,16 @@
           <a:lstStyle/>
           <a:p>
             <a:r>
-              <a:rPr lang="en-CA" dirty="0"/>
-              <a:t>JUnit Best Practices</a:t>
-            </a:r>
-          </a:p>
-        </p:txBody>
-      </p:sp>
-      <p:sp>
-        <p:nvSpPr>
-          <p:cNvPr id="39941" name="Rectangle 3"/>
+              <a:rPr lang="en-CA" dirty="0" smtClean="0"/>
+              <a:t>Tear-Down</a:t>
+            </a:r>
+            <a:endParaRPr lang="en-CA" dirty="0"/>
+          </a:p>
+        </p:txBody>
+      </p:sp>
+      <p:sp>
+        <p:nvSpPr>
+          <p:cNvPr id="41989" name="Rectangle 3"/>
           <p:cNvSpPr>
             <a:spLocks noGrp="1"/>
           </p:cNvSpPr>
@@ -24101,21 +23678,42 @@
             <a:pPr marL="393700" indent="-285750"/>
             <a:r>
               <a:rPr lang="en-CA" sz="3200" dirty="0"/>
-              <a:t>Each test case should be independent.</a:t>
+              <a:t>Tasks to clean up after execution of each test case. </a:t>
             </a:r>
           </a:p>
           <a:p>
             <a:pPr marL="393700" indent="-285750"/>
             <a:r>
               <a:rPr lang="en-CA" sz="3200" dirty="0"/>
-              <a:t>Test cases should be independent of execution order.</a:t>
+              <a:t>Ensures </a:t>
+            </a:r>
+          </a:p>
+          <a:p>
+            <a:pPr marL="847725" lvl="1"/>
+            <a:r>
+              <a:rPr lang="en-CA" sz="2800" dirty="0"/>
+              <a:t>Resources are released</a:t>
+            </a:r>
+          </a:p>
+          <a:p>
+            <a:pPr marL="847725" lvl="1"/>
+            <a:r>
+              <a:rPr lang="en-CA" sz="2800" dirty="0"/>
+              <a:t>the system is in a known state for the next test case</a:t>
             </a:r>
           </a:p>
           <a:p>
             <a:pPr marL="393700" indent="-285750"/>
             <a:r>
               <a:rPr lang="en-CA" sz="3200" dirty="0"/>
-              <a:t>No dependencies on the state of previous tests.</a:t>
+              <a:t>Clean up should not be done at the end of a test case,</a:t>
+            </a:r>
+          </a:p>
+          <a:p>
+            <a:pPr marL="847725" lvl="1"/>
+            <a:r>
+              <a:rPr lang="en-CA" sz="2800" dirty="0"/>
+              <a:t>since a failure ends execution of a test case at that point</a:t>
             </a:r>
           </a:p>
         </p:txBody>
@@ -24146,7 +23744,7 @@
     </p:spTree>
     <p:extLst>
       <p:ext uri="{BB962C8B-B14F-4D97-AF65-F5344CB8AC3E}">
-        <p14:creationId xmlns:p14="http://schemas.microsoft.com/office/powerpoint/2010/main" val="4056950703"/>
+        <p14:creationId xmlns:p14="http://schemas.microsoft.com/office/powerpoint/2010/main" val="98921076"/>
       </p:ext>
     </p:extLst>
   </p:cSld>
@@ -24338,7 +23936,7 @@
       </p:grpSpPr>
       <p:sp>
         <p:nvSpPr>
-          <p:cNvPr id="40964" name="Rectangle 2"/>
+          <p:cNvPr id="43012" name="Rectangle 2"/>
           <p:cNvSpPr>
             <a:spLocks noGrp="1"/>
           </p:cNvSpPr>
@@ -24352,19 +23950,15 @@
           <a:lstStyle/>
           <a:p>
             <a:r>
-              <a:rPr lang="en-CA" dirty="0" smtClean="0"/>
-              <a:t>JUnit Test </a:t>
-            </a:r>
-            <a:r>
-              <a:rPr lang="en-CA" dirty="0"/>
-              <a:t>Fixtures</a:t>
-            </a:r>
-          </a:p>
-        </p:txBody>
-      </p:sp>
-      <p:sp>
-        <p:nvSpPr>
-          <p:cNvPr id="40965" name="Rectangle 3"/>
+              <a:rPr lang="en-CA" sz="3200" dirty="0"/>
+              <a:t>Method Annotations for Set-Up and Tear-Down</a:t>
+            </a:r>
+          </a:p>
+        </p:txBody>
+      </p:sp>
+      <p:sp>
+        <p:nvSpPr>
+          <p:cNvPr id="43013" name="Rectangle 3"/>
           <p:cNvSpPr>
             <a:spLocks noGrp="1"/>
           </p:cNvSpPr>
@@ -24377,42 +23971,163 @@
           <a:bodyPr/>
           <a:lstStyle/>
           <a:p>
-            <a:r>
-              <a:rPr lang="en-CA" sz="3200" dirty="0"/>
-              <a:t>The context in which a test case is executed.</a:t>
-            </a:r>
-          </a:p>
-          <a:p>
-            <a:r>
-              <a:rPr lang="en-CA" sz="3200" dirty="0"/>
-              <a:t>Typically include:</a:t>
-            </a:r>
-          </a:p>
-          <a:p>
-            <a:pPr lvl="1"/>
-            <a:r>
-              <a:rPr lang="en-CA" sz="2800" dirty="0"/>
-              <a:t>Common objects or resources that are available for use by any test case.</a:t>
-            </a:r>
-          </a:p>
-          <a:p>
-            <a:r>
-              <a:rPr lang="en-CA" sz="3200" dirty="0"/>
-              <a:t>Activities to manage these objects </a:t>
-            </a:r>
-          </a:p>
-          <a:p>
-            <a:pPr lvl="1"/>
-            <a:r>
-              <a:rPr lang="en-CA" sz="2700" dirty="0"/>
-              <a:t>Set-up: object and resource allocation</a:t>
-            </a:r>
-          </a:p>
-          <a:p>
-            <a:pPr lvl="1"/>
-            <a:r>
-              <a:rPr lang="en-CA" sz="2700" dirty="0"/>
-              <a:t>Tear-down: object and resource de-allocation</a:t>
+            <a:pPr marL="393700" indent="-285750"/>
+            <a:r>
+              <a:rPr lang="en-CA" sz="2400" dirty="0">
+                <a:solidFill>
+                  <a:srgbClr val="FF0000"/>
+                </a:solidFill>
+                <a:latin typeface="+mn-lt"/>
+              </a:rPr>
+              <a:t>@</a:t>
+            </a:r>
+            <a:r>
+              <a:rPr lang="en-CA" sz="2400" dirty="0" err="1">
+                <a:solidFill>
+                  <a:srgbClr val="FF0000"/>
+                </a:solidFill>
+                <a:latin typeface="+mn-lt"/>
+              </a:rPr>
+              <a:t>BeforeEach</a:t>
+            </a:r>
+            <a:r>
+              <a:rPr lang="en-CA" sz="2400" dirty="0">
+                <a:latin typeface="+mn-lt"/>
+              </a:rPr>
+              <a:t> </a:t>
+            </a:r>
+            <a:r>
+              <a:rPr lang="en-CA" dirty="0"/>
+              <a:t>annotation: set-up</a:t>
+            </a:r>
+          </a:p>
+          <a:p>
+            <a:pPr marL="742950" lvl="1" indent="-285750"/>
+            <a:r>
+              <a:rPr lang="en-CA" dirty="0"/>
+              <a:t>code to run before </a:t>
+            </a:r>
+            <a:r>
+              <a:rPr lang="en-CA" u="sng" dirty="0"/>
+              <a:t>each</a:t>
+            </a:r>
+            <a:r>
+              <a:rPr lang="en-CA" dirty="0"/>
+              <a:t> test case.</a:t>
+            </a:r>
+          </a:p>
+          <a:p>
+            <a:pPr marL="393700" indent="-285750"/>
+            <a:r>
+              <a:rPr lang="en-CA" sz="2400" dirty="0">
+                <a:solidFill>
+                  <a:srgbClr val="FF0000"/>
+                </a:solidFill>
+                <a:latin typeface="+mn-lt"/>
+              </a:rPr>
+              <a:t>@</a:t>
+            </a:r>
+            <a:r>
+              <a:rPr lang="en-CA" sz="2400" dirty="0" err="1">
+                <a:solidFill>
+                  <a:srgbClr val="FF0000"/>
+                </a:solidFill>
+                <a:latin typeface="+mn-lt"/>
+              </a:rPr>
+              <a:t>AfterEach</a:t>
+            </a:r>
+            <a:r>
+              <a:rPr lang="en-CA" sz="2400" dirty="0">
+                <a:latin typeface="+mn-lt"/>
+              </a:rPr>
+              <a:t> </a:t>
+            </a:r>
+            <a:r>
+              <a:rPr lang="en-CA" dirty="0"/>
+              <a:t>annotation: Teardown </a:t>
+            </a:r>
+          </a:p>
+          <a:p>
+            <a:pPr marL="742950" lvl="1" indent="-285750"/>
+            <a:r>
+              <a:rPr lang="en-CA" dirty="0"/>
+              <a:t>code to run after </a:t>
+            </a:r>
+            <a:r>
+              <a:rPr lang="en-CA" i="1" dirty="0"/>
+              <a:t>each</a:t>
+            </a:r>
+            <a:r>
+              <a:rPr lang="en-CA" dirty="0"/>
+              <a:t> test case. </a:t>
+            </a:r>
+          </a:p>
+          <a:p>
+            <a:pPr marL="742950" lvl="1" indent="-285750"/>
+            <a:r>
+              <a:rPr lang="en-CA" dirty="0"/>
+              <a:t>will run regardless of the verdict, even if exceptions are thrown in the test case or an assertion fails.</a:t>
+            </a:r>
+          </a:p>
+          <a:p>
+            <a:pPr marL="342900" indent="-342900"/>
+            <a:r>
+              <a:rPr lang="en-CA" dirty="0"/>
+              <a:t>Multiple annotations are allowed</a:t>
+            </a:r>
+          </a:p>
+          <a:p>
+            <a:pPr marL="742950" lvl="1" indent="-285750"/>
+            <a:r>
+              <a:rPr lang="en-CA" dirty="0"/>
+              <a:t>all methods annotated with </a:t>
+            </a:r>
+            <a:r>
+              <a:rPr lang="en-CA" dirty="0">
+                <a:solidFill>
+                  <a:srgbClr val="FF0000"/>
+                </a:solidFill>
+                <a:latin typeface="+mn-lt"/>
+              </a:rPr>
+              <a:t>@</a:t>
+            </a:r>
+            <a:r>
+              <a:rPr lang="en-CA" dirty="0" err="1">
+                <a:solidFill>
+                  <a:srgbClr val="FF0000"/>
+                </a:solidFill>
+                <a:latin typeface="+mn-lt"/>
+              </a:rPr>
+              <a:t>BeforeEach</a:t>
+            </a:r>
+            <a:r>
+              <a:rPr lang="en-CA" dirty="0">
+                <a:latin typeface="+mn-lt"/>
+              </a:rPr>
+              <a:t> </a:t>
+            </a:r>
+            <a:r>
+              <a:rPr lang="en-CA" dirty="0"/>
+              <a:t>will be run before </a:t>
+            </a:r>
+            <a:r>
+              <a:rPr lang="en-CA" i="1" u="sng" dirty="0">
+                <a:solidFill>
+                  <a:srgbClr val="800000"/>
+                </a:solidFill>
+              </a:rPr>
+              <a:t>each</a:t>
+            </a:r>
+            <a:r>
+              <a:rPr lang="en-CA" dirty="0"/>
+              <a:t> test case</a:t>
+            </a:r>
+          </a:p>
+          <a:p>
+            <a:pPr marL="742950" lvl="1" indent="-285750"/>
+            <a:r>
+              <a:rPr lang="en-CA" dirty="0"/>
+              <a:t>but no guarantee of execution order</a:t>
             </a:r>
           </a:p>
         </p:txBody>
@@ -24435,539 +24150,6 @@
             <a:fld id="{B543A0FD-1CA6-4228-86A2-78061B4844C8}" type="slidenum">
               <a:rPr lang="en-US" smtClean="0"/>
               <a:t>60</a:t>
-            </a:fld>
-            <a:endParaRPr lang="en-US"/>
-          </a:p>
-        </p:txBody>
-      </p:sp>
-    </p:spTree>
-    <p:extLst>
-      <p:ext uri="{BB962C8B-B14F-4D97-AF65-F5344CB8AC3E}">
-        <p14:creationId xmlns:p14="http://schemas.microsoft.com/office/powerpoint/2010/main" val="3875505265"/>
-      </p:ext>
-    </p:extLst>
-  </p:cSld>
-  <p:clrMapOvr>
-    <a:masterClrMapping/>
-  </p:clrMapOvr>
-  <p:timing>
-    <p:tnLst>
-      <p:par>
-        <p:cTn id="1" dur="indefinite" restart="never" nodeType="tmRoot"/>
-      </p:par>
-    </p:tnLst>
-  </p:timing>
-</p:sld>
-</file>
-
-<file path=ppt/slides/slide61.xml><?xml version="1.0" encoding="utf-8"?>
-<p:sld xmlns:a="http://schemas.openxmlformats.org/drawingml/2006/main" xmlns:r="http://schemas.openxmlformats.org/officeDocument/2006/relationships" xmlns:p="http://schemas.openxmlformats.org/presentationml/2006/main">
-  <p:cSld>
-    <p:spTree>
-      <p:nvGrpSpPr>
-        <p:cNvPr id="1" name=""/>
-        <p:cNvGrpSpPr/>
-        <p:nvPr/>
-      </p:nvGrpSpPr>
-      <p:grpSpPr>
-        <a:xfrm>
-          <a:off x="0" y="0"/>
-          <a:ext cx="0" cy="0"/>
-          <a:chOff x="0" y="0"/>
-          <a:chExt cx="0" cy="0"/>
-        </a:xfrm>
-      </p:grpSpPr>
-      <p:sp>
-        <p:nvSpPr>
-          <p:cNvPr id="41988" name="Rectangle 2"/>
-          <p:cNvSpPr>
-            <a:spLocks noGrp="1"/>
-          </p:cNvSpPr>
-          <p:nvPr>
-            <p:ph type="title"/>
-          </p:nvPr>
-        </p:nvSpPr>
-        <p:spPr/>
-        <p:txBody>
-          <a:bodyPr/>
-          <a:lstStyle/>
-          <a:p>
-            <a:r>
-              <a:rPr lang="en-CA" dirty="0" smtClean="0"/>
-              <a:t>Set-Up</a:t>
-            </a:r>
-            <a:endParaRPr lang="en-CA" dirty="0"/>
-          </a:p>
-        </p:txBody>
-      </p:sp>
-      <p:sp>
-        <p:nvSpPr>
-          <p:cNvPr id="41989" name="Rectangle 3"/>
-          <p:cNvSpPr>
-            <a:spLocks noGrp="1"/>
-          </p:cNvSpPr>
-          <p:nvPr>
-            <p:ph idx="1"/>
-          </p:nvPr>
-        </p:nvSpPr>
-        <p:spPr/>
-        <p:txBody>
-          <a:bodyPr/>
-          <a:lstStyle/>
-          <a:p>
-            <a:pPr marL="393700" indent="-285750"/>
-            <a:r>
-              <a:rPr lang="en-CA" sz="3200" dirty="0"/>
-              <a:t>Tasks that must be done prior to each test case</a:t>
-            </a:r>
-          </a:p>
-          <a:p>
-            <a:pPr marL="393700" indent="-285750"/>
-            <a:r>
-              <a:rPr lang="en-CA" sz="3200" dirty="0"/>
-              <a:t>Examples:  </a:t>
-            </a:r>
-          </a:p>
-          <a:p>
-            <a:pPr marL="847725" lvl="1"/>
-            <a:r>
-              <a:rPr lang="en-CA" sz="2800" dirty="0"/>
-              <a:t>Create some objects to work with</a:t>
-            </a:r>
-          </a:p>
-          <a:p>
-            <a:pPr marL="847725" lvl="1"/>
-            <a:r>
-              <a:rPr lang="en-CA" sz="2800" dirty="0"/>
-              <a:t>Open a network connection</a:t>
-            </a:r>
-          </a:p>
-          <a:p>
-            <a:pPr marL="847725" lvl="1"/>
-            <a:r>
-              <a:rPr lang="en-CA" sz="2800" dirty="0"/>
-              <a:t>Open a file to read/write </a:t>
-            </a:r>
-          </a:p>
-        </p:txBody>
-      </p:sp>
-      <p:sp>
-        <p:nvSpPr>
-          <p:cNvPr id="2" name="Slide Number Placeholder 1"/>
-          <p:cNvSpPr>
-            <a:spLocks noGrp="1"/>
-          </p:cNvSpPr>
-          <p:nvPr>
-            <p:ph type="sldNum" sz="quarter" idx="12"/>
-          </p:nvPr>
-        </p:nvSpPr>
-        <p:spPr/>
-        <p:txBody>
-          <a:bodyPr/>
-          <a:lstStyle/>
-          <a:p>
-            <a:fld id="{B543A0FD-1CA6-4228-86A2-78061B4844C8}" type="slidenum">
-              <a:rPr lang="en-US" smtClean="0"/>
-              <a:t>61</a:t>
-            </a:fld>
-            <a:endParaRPr lang="en-US"/>
-          </a:p>
-        </p:txBody>
-      </p:sp>
-    </p:spTree>
-    <p:extLst>
-      <p:ext uri="{BB962C8B-B14F-4D97-AF65-F5344CB8AC3E}">
-        <p14:creationId xmlns:p14="http://schemas.microsoft.com/office/powerpoint/2010/main" val="89783576"/>
-      </p:ext>
-    </p:extLst>
-  </p:cSld>
-  <p:clrMapOvr>
-    <a:masterClrMapping/>
-  </p:clrMapOvr>
-  <p:timing>
-    <p:tnLst>
-      <p:par>
-        <p:cTn id="1" dur="indefinite" restart="never" nodeType="tmRoot"/>
-      </p:par>
-    </p:tnLst>
-  </p:timing>
-</p:sld>
-</file>
-
-<file path=ppt/slides/slide62.xml><?xml version="1.0" encoding="utf-8"?>
-<p:sld xmlns:a="http://schemas.openxmlformats.org/drawingml/2006/main" xmlns:r="http://schemas.openxmlformats.org/officeDocument/2006/relationships" xmlns:p="http://schemas.openxmlformats.org/presentationml/2006/main">
-  <p:cSld>
-    <p:spTree>
-      <p:nvGrpSpPr>
-        <p:cNvPr id="1" name=""/>
-        <p:cNvGrpSpPr/>
-        <p:nvPr/>
-      </p:nvGrpSpPr>
-      <p:grpSpPr>
-        <a:xfrm>
-          <a:off x="0" y="0"/>
-          <a:ext cx="0" cy="0"/>
-          <a:chOff x="0" y="0"/>
-          <a:chExt cx="0" cy="0"/>
-        </a:xfrm>
-      </p:grpSpPr>
-      <p:sp>
-        <p:nvSpPr>
-          <p:cNvPr id="41988" name="Rectangle 2"/>
-          <p:cNvSpPr>
-            <a:spLocks noGrp="1"/>
-          </p:cNvSpPr>
-          <p:nvPr>
-            <p:ph type="title"/>
-          </p:nvPr>
-        </p:nvSpPr>
-        <p:spPr/>
-        <p:txBody>
-          <a:bodyPr/>
-          <a:lstStyle/>
-          <a:p>
-            <a:r>
-              <a:rPr lang="en-CA" dirty="0" smtClean="0"/>
-              <a:t>Tear-Down</a:t>
-            </a:r>
-            <a:endParaRPr lang="en-CA" dirty="0"/>
-          </a:p>
-        </p:txBody>
-      </p:sp>
-      <p:sp>
-        <p:nvSpPr>
-          <p:cNvPr id="41989" name="Rectangle 3"/>
-          <p:cNvSpPr>
-            <a:spLocks noGrp="1"/>
-          </p:cNvSpPr>
-          <p:nvPr>
-            <p:ph idx="1"/>
-          </p:nvPr>
-        </p:nvSpPr>
-        <p:spPr/>
-        <p:txBody>
-          <a:bodyPr/>
-          <a:lstStyle/>
-          <a:p>
-            <a:pPr marL="393700" indent="-285750"/>
-            <a:r>
-              <a:rPr lang="en-CA" sz="3200" dirty="0"/>
-              <a:t>Tasks to clean up after execution of each test case. </a:t>
-            </a:r>
-          </a:p>
-          <a:p>
-            <a:pPr marL="393700" indent="-285750"/>
-            <a:r>
-              <a:rPr lang="en-CA" sz="3200" dirty="0"/>
-              <a:t>Ensures </a:t>
-            </a:r>
-          </a:p>
-          <a:p>
-            <a:pPr marL="847725" lvl="1"/>
-            <a:r>
-              <a:rPr lang="en-CA" sz="2800" dirty="0"/>
-              <a:t>Resources are released</a:t>
-            </a:r>
-          </a:p>
-          <a:p>
-            <a:pPr marL="847725" lvl="1"/>
-            <a:r>
-              <a:rPr lang="en-CA" sz="2800" dirty="0"/>
-              <a:t>the system is in a known state for the next test case</a:t>
-            </a:r>
-          </a:p>
-          <a:p>
-            <a:pPr marL="393700" indent="-285750"/>
-            <a:r>
-              <a:rPr lang="en-CA" sz="3200" dirty="0"/>
-              <a:t>Clean up should not be done at the end of a test case,</a:t>
-            </a:r>
-          </a:p>
-          <a:p>
-            <a:pPr marL="847725" lvl="1"/>
-            <a:r>
-              <a:rPr lang="en-CA" sz="2800" dirty="0"/>
-              <a:t>since a failure ends execution of a test case at that point</a:t>
-            </a:r>
-          </a:p>
-        </p:txBody>
-      </p:sp>
-      <p:sp>
-        <p:nvSpPr>
-          <p:cNvPr id="2" name="Slide Number Placeholder 1"/>
-          <p:cNvSpPr>
-            <a:spLocks noGrp="1"/>
-          </p:cNvSpPr>
-          <p:nvPr>
-            <p:ph type="sldNum" sz="quarter" idx="12"/>
-          </p:nvPr>
-        </p:nvSpPr>
-        <p:spPr/>
-        <p:txBody>
-          <a:bodyPr/>
-          <a:lstStyle/>
-          <a:p>
-            <a:fld id="{B543A0FD-1CA6-4228-86A2-78061B4844C8}" type="slidenum">
-              <a:rPr lang="en-US" smtClean="0"/>
-              <a:t>62</a:t>
-            </a:fld>
-            <a:endParaRPr lang="en-US"/>
-          </a:p>
-        </p:txBody>
-      </p:sp>
-    </p:spTree>
-    <p:extLst>
-      <p:ext uri="{BB962C8B-B14F-4D97-AF65-F5344CB8AC3E}">
-        <p14:creationId xmlns:p14="http://schemas.microsoft.com/office/powerpoint/2010/main" val="98921076"/>
-      </p:ext>
-    </p:extLst>
-  </p:cSld>
-  <p:clrMapOvr>
-    <a:masterClrMapping/>
-  </p:clrMapOvr>
-  <p:timing>
-    <p:tnLst>
-      <p:par>
-        <p:cTn id="1" dur="indefinite" restart="never" nodeType="tmRoot"/>
-      </p:par>
-    </p:tnLst>
-  </p:timing>
-</p:sld>
-</file>
-
-<file path=ppt/slides/slide63.xml><?xml version="1.0" encoding="utf-8"?>
-<p:sld xmlns:a="http://schemas.openxmlformats.org/drawingml/2006/main" xmlns:r="http://schemas.openxmlformats.org/officeDocument/2006/relationships" xmlns:p="http://schemas.openxmlformats.org/presentationml/2006/main">
-  <p:cSld>
-    <p:spTree>
-      <p:nvGrpSpPr>
-        <p:cNvPr id="1" name=""/>
-        <p:cNvGrpSpPr/>
-        <p:nvPr/>
-      </p:nvGrpSpPr>
-      <p:grpSpPr>
-        <a:xfrm>
-          <a:off x="0" y="0"/>
-          <a:ext cx="0" cy="0"/>
-          <a:chOff x="0" y="0"/>
-          <a:chExt cx="0" cy="0"/>
-        </a:xfrm>
-      </p:grpSpPr>
-      <p:sp>
-        <p:nvSpPr>
-          <p:cNvPr id="43012" name="Rectangle 2"/>
-          <p:cNvSpPr>
-            <a:spLocks noGrp="1"/>
-          </p:cNvSpPr>
-          <p:nvPr>
-            <p:ph type="title"/>
-          </p:nvPr>
-        </p:nvSpPr>
-        <p:spPr/>
-        <p:txBody>
-          <a:bodyPr/>
-          <a:lstStyle/>
-          <a:p>
-            <a:r>
-              <a:rPr lang="en-CA" sz="3200" dirty="0"/>
-              <a:t>Method Annotations for Set-Up and Tear-Down</a:t>
-            </a:r>
-          </a:p>
-        </p:txBody>
-      </p:sp>
-      <p:sp>
-        <p:nvSpPr>
-          <p:cNvPr id="43013" name="Rectangle 3"/>
-          <p:cNvSpPr>
-            <a:spLocks noGrp="1"/>
-          </p:cNvSpPr>
-          <p:nvPr>
-            <p:ph idx="1"/>
-          </p:nvPr>
-        </p:nvSpPr>
-        <p:spPr/>
-        <p:txBody>
-          <a:bodyPr/>
-          <a:lstStyle/>
-          <a:p>
-            <a:pPr marL="393700" indent="-285750"/>
-            <a:r>
-              <a:rPr lang="en-CA" sz="2400" dirty="0">
-                <a:solidFill>
-                  <a:srgbClr val="FF0000"/>
-                </a:solidFill>
-                <a:latin typeface="+mn-lt"/>
-              </a:rPr>
-              <a:t>@</a:t>
-            </a:r>
-            <a:r>
-              <a:rPr lang="en-CA" sz="2400" dirty="0" err="1">
-                <a:solidFill>
-                  <a:srgbClr val="FF0000"/>
-                </a:solidFill>
-                <a:latin typeface="+mn-lt"/>
-              </a:rPr>
-              <a:t>BeforeEach</a:t>
-            </a:r>
-            <a:r>
-              <a:rPr lang="en-CA" sz="2400" dirty="0">
-                <a:latin typeface="+mn-lt"/>
-              </a:rPr>
-              <a:t> </a:t>
-            </a:r>
-            <a:r>
-              <a:rPr lang="en-CA" dirty="0"/>
-              <a:t>annotation: set-up</a:t>
-            </a:r>
-          </a:p>
-          <a:p>
-            <a:pPr marL="742950" lvl="1" indent="-285750"/>
-            <a:r>
-              <a:rPr lang="en-CA" dirty="0"/>
-              <a:t>code to run before </a:t>
-            </a:r>
-            <a:r>
-              <a:rPr lang="en-CA" u="sng" dirty="0"/>
-              <a:t>each</a:t>
-            </a:r>
-            <a:r>
-              <a:rPr lang="en-CA" dirty="0"/>
-              <a:t> test case.</a:t>
-            </a:r>
-          </a:p>
-          <a:p>
-            <a:pPr marL="393700" indent="-285750"/>
-            <a:r>
-              <a:rPr lang="en-CA" sz="2400" dirty="0">
-                <a:solidFill>
-                  <a:srgbClr val="FF0000"/>
-                </a:solidFill>
-                <a:latin typeface="+mn-lt"/>
-              </a:rPr>
-              <a:t>@</a:t>
-            </a:r>
-            <a:r>
-              <a:rPr lang="en-CA" sz="2400" dirty="0" err="1">
-                <a:solidFill>
-                  <a:srgbClr val="FF0000"/>
-                </a:solidFill>
-                <a:latin typeface="+mn-lt"/>
-              </a:rPr>
-              <a:t>AfterEach</a:t>
-            </a:r>
-            <a:r>
-              <a:rPr lang="en-CA" sz="2400" dirty="0">
-                <a:latin typeface="+mn-lt"/>
-              </a:rPr>
-              <a:t> </a:t>
-            </a:r>
-            <a:r>
-              <a:rPr lang="en-CA" dirty="0"/>
-              <a:t>annotation: Teardown </a:t>
-            </a:r>
-          </a:p>
-          <a:p>
-            <a:pPr marL="742950" lvl="1" indent="-285750"/>
-            <a:r>
-              <a:rPr lang="en-CA" dirty="0"/>
-              <a:t>code to run after </a:t>
-            </a:r>
-            <a:r>
-              <a:rPr lang="en-CA" i="1" dirty="0"/>
-              <a:t>each</a:t>
-            </a:r>
-            <a:r>
-              <a:rPr lang="en-CA" dirty="0"/>
-              <a:t> test case. </a:t>
-            </a:r>
-          </a:p>
-          <a:p>
-            <a:pPr marL="742950" lvl="1" indent="-285750"/>
-            <a:r>
-              <a:rPr lang="en-CA" dirty="0"/>
-              <a:t>will run regardless of the verdict, even if exceptions are thrown in the test case or an assertion fails.</a:t>
-            </a:r>
-          </a:p>
-          <a:p>
-            <a:pPr marL="342900" indent="-342900"/>
-            <a:r>
-              <a:rPr lang="en-CA" dirty="0"/>
-              <a:t>Multiple annotations are allowed</a:t>
-            </a:r>
-          </a:p>
-          <a:p>
-            <a:pPr marL="742950" lvl="1" indent="-285750"/>
-            <a:r>
-              <a:rPr lang="en-CA" dirty="0"/>
-              <a:t>all methods annotated with </a:t>
-            </a:r>
-            <a:r>
-              <a:rPr lang="en-CA" dirty="0">
-                <a:solidFill>
-                  <a:srgbClr val="FF0000"/>
-                </a:solidFill>
-                <a:latin typeface="+mn-lt"/>
-              </a:rPr>
-              <a:t>@</a:t>
-            </a:r>
-            <a:r>
-              <a:rPr lang="en-CA" dirty="0" err="1">
-                <a:solidFill>
-                  <a:srgbClr val="FF0000"/>
-                </a:solidFill>
-                <a:latin typeface="+mn-lt"/>
-              </a:rPr>
-              <a:t>BeforeEach</a:t>
-            </a:r>
-            <a:r>
-              <a:rPr lang="en-CA" dirty="0">
-                <a:latin typeface="+mn-lt"/>
-              </a:rPr>
-              <a:t> </a:t>
-            </a:r>
-            <a:r>
-              <a:rPr lang="en-CA" dirty="0"/>
-              <a:t>will be run before </a:t>
-            </a:r>
-            <a:r>
-              <a:rPr lang="en-CA" i="1" u="sng" dirty="0">
-                <a:solidFill>
-                  <a:srgbClr val="800000"/>
-                </a:solidFill>
-              </a:rPr>
-              <a:t>each</a:t>
-            </a:r>
-            <a:r>
-              <a:rPr lang="en-CA" dirty="0"/>
-              <a:t> test case</a:t>
-            </a:r>
-          </a:p>
-          <a:p>
-            <a:pPr marL="742950" lvl="1" indent="-285750"/>
-            <a:r>
-              <a:rPr lang="en-CA" dirty="0"/>
-              <a:t>but no guarantee of execution order</a:t>
-            </a:r>
-          </a:p>
-        </p:txBody>
-      </p:sp>
-      <p:sp>
-        <p:nvSpPr>
-          <p:cNvPr id="2" name="Slide Number Placeholder 1"/>
-          <p:cNvSpPr>
-            <a:spLocks noGrp="1"/>
-          </p:cNvSpPr>
-          <p:nvPr>
-            <p:ph type="sldNum" sz="quarter" idx="12"/>
-          </p:nvPr>
-        </p:nvSpPr>
-        <p:spPr/>
-        <p:txBody>
-          <a:bodyPr/>
-          <a:lstStyle/>
-          <a:p>
-            <a:fld id="{B543A0FD-1CA6-4228-86A2-78061B4844C8}" type="slidenum">
-              <a:rPr lang="en-US" smtClean="0"/>
-              <a:t>63</a:t>
             </a:fld>
             <a:endParaRPr lang="en-US"/>
           </a:p>
@@ -25321,7 +24503,7 @@
 </p:sld>
 </file>
 
-<file path=ppt/slides/slide64.xml><?xml version="1.0" encoding="utf-8"?>
+<file path=ppt/slides/slide61.xml><?xml version="1.0" encoding="utf-8"?>
 <p:sld xmlns:a="http://schemas.openxmlformats.org/drawingml/2006/main" xmlns:r="http://schemas.openxmlformats.org/officeDocument/2006/relationships" xmlns:p="http://schemas.openxmlformats.org/presentationml/2006/main">
   <p:cSld>
     <p:spTree>
@@ -25378,7 +24560,7 @@
           <a:p>
             <a:fld id="{B543A0FD-1CA6-4228-86A2-78061B4844C8}" type="slidenum">
               <a:rPr lang="en-US" smtClean="0"/>
-              <a:t>64</a:t>
+              <a:t>61</a:t>
             </a:fld>
             <a:endParaRPr lang="en-US"/>
           </a:p>
@@ -26138,7 +25320,7 @@
 </p:sld>
 </file>
 
-<file path=ppt/slides/slide65.xml><?xml version="1.0" encoding="utf-8"?>
+<file path=ppt/slides/slide62.xml><?xml version="1.0" encoding="utf-8"?>
 <p:sld xmlns:a="http://schemas.openxmlformats.org/drawingml/2006/main" xmlns:r="http://schemas.openxmlformats.org/officeDocument/2006/relationships" xmlns:p="http://schemas.openxmlformats.org/presentationml/2006/main">
   <p:cSld>
     <p:spTree>
@@ -26432,7 +25614,7 @@
           <a:p>
             <a:fld id="{B543A0FD-1CA6-4228-86A2-78061B4844C8}" type="slidenum">
               <a:rPr lang="en-US" smtClean="0"/>
-              <a:t>65</a:t>
+              <a:t>62</a:t>
             </a:fld>
             <a:endParaRPr lang="en-US"/>
           </a:p>
@@ -26858,7 +26040,7 @@
 </p:sld>
 </file>
 
-<file path=ppt/slides/slide66.xml><?xml version="1.0" encoding="utf-8"?>
+<file path=ppt/slides/slide63.xml><?xml version="1.0" encoding="utf-8"?>
 <p:sld xmlns:a="http://schemas.openxmlformats.org/drawingml/2006/main" xmlns:r="http://schemas.openxmlformats.org/officeDocument/2006/relationships" xmlns:p="http://schemas.openxmlformats.org/presentationml/2006/main">
   <p:cSld>
     <p:spTree>
@@ -27085,7 +26267,7 @@
           <a:p>
             <a:fld id="{B543A0FD-1CA6-4228-86A2-78061B4844C8}" type="slidenum">
               <a:rPr lang="en-US" smtClean="0"/>
-              <a:t>66</a:t>
+              <a:t>63</a:t>
             </a:fld>
             <a:endParaRPr lang="en-US"/>
           </a:p>
@@ -27634,7 +26816,7 @@
 </p:sld>
 </file>
 
-<file path=ppt/slides/slide67.xml><?xml version="1.0" encoding="utf-8"?>
+<file path=ppt/slides/slide64.xml><?xml version="1.0" encoding="utf-8"?>
 <p:sld xmlns:a="http://schemas.openxmlformats.org/drawingml/2006/main" xmlns:r="http://schemas.openxmlformats.org/officeDocument/2006/relationships" xmlns:p="http://schemas.openxmlformats.org/presentationml/2006/main">
   <p:cSld>
     <p:spTree>
@@ -27881,7 +27063,7 @@
           <a:p>
             <a:fld id="{B543A0FD-1CA6-4228-86A2-78061B4844C8}" type="slidenum">
               <a:rPr lang="en-US" smtClean="0"/>
-              <a:t>67</a:t>
+              <a:t>64</a:t>
             </a:fld>
             <a:endParaRPr lang="en-US"/>
           </a:p>
@@ -28383,7 +27565,7 @@
 </p:sld>
 </file>
 
-<file path=ppt/slides/slide68.xml><?xml version="1.0" encoding="utf-8"?>
+<file path=ppt/slides/slide65.xml><?xml version="1.0" encoding="utf-8"?>
 <p:sld xmlns:a="http://schemas.openxmlformats.org/drawingml/2006/main" xmlns:r="http://schemas.openxmlformats.org/officeDocument/2006/relationships" xmlns:p="http://schemas.openxmlformats.org/presentationml/2006/main">
   <p:cSld>
     <p:spTree>
@@ -28536,7 +27718,7 @@
           <a:p>
             <a:fld id="{B543A0FD-1CA6-4228-86A2-78061B4844C8}" type="slidenum">
               <a:rPr lang="en-US" smtClean="0"/>
-              <a:t>68</a:t>
+              <a:t>65</a:t>
             </a:fld>
             <a:endParaRPr lang="en-US"/>
           </a:p>
@@ -29021,7 +28203,7 @@
 </p:sld>
 </file>
 
-<file path=ppt/slides/slide69.xml><?xml version="1.0" encoding="utf-8"?>
+<file path=ppt/slides/slide66.xml><?xml version="1.0" encoding="utf-8"?>
 <p:sld xmlns:a="http://schemas.openxmlformats.org/drawingml/2006/main" xmlns:r="http://schemas.openxmlformats.org/officeDocument/2006/relationships" xmlns:p="http://schemas.openxmlformats.org/presentationml/2006/main">
   <p:cSld>
     <p:spTree>
@@ -29474,7 +28656,7 @@
               <a:pPr>
                 <a:defRPr/>
               </a:pPr>
-              <a:t>69</a:t>
+              <a:t>66</a:t>
             </a:fld>
             <a:endParaRPr lang="en-US"/>
           </a:p>
@@ -29493,169 +28675,7 @@
 </p:sld>
 </file>
 
-<file path=ppt/slides/slide7.xml><?xml version="1.0" encoding="utf-8"?>
-<p:sld xmlns:a="http://schemas.openxmlformats.org/drawingml/2006/main" xmlns:r="http://schemas.openxmlformats.org/officeDocument/2006/relationships" xmlns:p="http://schemas.openxmlformats.org/presentationml/2006/main">
-  <p:cSld>
-    <p:spTree>
-      <p:nvGrpSpPr>
-        <p:cNvPr id="1" name=""/>
-        <p:cNvGrpSpPr/>
-        <p:nvPr/>
-      </p:nvGrpSpPr>
-      <p:grpSpPr>
-        <a:xfrm>
-          <a:off x="0" y="0"/>
-          <a:ext cx="0" cy="0"/>
-          <a:chOff x="0" y="0"/>
-          <a:chExt cx="0" cy="0"/>
-        </a:xfrm>
-      </p:grpSpPr>
-      <p:sp>
-        <p:nvSpPr>
-          <p:cNvPr id="414722" name="Rectangle 2"/>
-          <p:cNvSpPr>
-            <a:spLocks noGrp="1" noChangeArrowheads="1"/>
-          </p:cNvSpPr>
-          <p:nvPr>
-            <p:ph type="title"/>
-          </p:nvPr>
-        </p:nvSpPr>
-        <p:spPr/>
-        <p:txBody>
-          <a:bodyPr/>
-          <a:lstStyle/>
-          <a:p>
-            <a:r>
-              <a:rPr lang="de-DE" dirty="0" smtClean="0"/>
-              <a:t>JUnit</a:t>
-            </a:r>
-            <a:endParaRPr lang="de-DE" dirty="0"/>
-          </a:p>
-        </p:txBody>
-      </p:sp>
-      <p:sp>
-        <p:nvSpPr>
-          <p:cNvPr id="414723" name="Rectangle 3"/>
-          <p:cNvSpPr>
-            <a:spLocks noGrp="1" noChangeArrowheads="1"/>
-          </p:cNvSpPr>
-          <p:nvPr>
-            <p:ph type="body" idx="1"/>
-          </p:nvPr>
-        </p:nvSpPr>
-        <p:spPr/>
-        <p:txBody>
-          <a:bodyPr/>
-          <a:lstStyle/>
-          <a:p>
-            <a:r>
-              <a:rPr lang="en-US" sz="3100" dirty="0"/>
-              <a:t>JUnit helps the programmer:</a:t>
-            </a:r>
-          </a:p>
-          <a:p>
-            <a:pPr lvl="1"/>
-            <a:r>
-              <a:rPr lang="en-US" dirty="0"/>
-              <a:t>Define and execute tests and test suites</a:t>
-            </a:r>
-          </a:p>
-          <a:p>
-            <a:pPr lvl="1"/>
-            <a:r>
-              <a:rPr lang="en-US" dirty="0"/>
-              <a:t>Formalize requirements and clarify architecture</a:t>
-            </a:r>
-          </a:p>
-          <a:p>
-            <a:pPr lvl="1"/>
-            <a:r>
-              <a:rPr lang="en-US" dirty="0"/>
-              <a:t>Write and debug code</a:t>
-            </a:r>
-          </a:p>
-          <a:p>
-            <a:pPr lvl="1"/>
-            <a:r>
-              <a:rPr lang="en-US" dirty="0"/>
-              <a:t>Integrate code and always be ready to release a working </a:t>
-            </a:r>
-            <a:r>
-              <a:rPr lang="en-US" dirty="0" smtClean="0"/>
-              <a:t>version</a:t>
-            </a:r>
-          </a:p>
-          <a:p>
-            <a:r>
-              <a:rPr lang="en-US" dirty="0"/>
-              <a:t>What JUnit does</a:t>
-            </a:r>
-          </a:p>
-          <a:p>
-            <a:pPr lvl="1"/>
-            <a:r>
-              <a:rPr lang="en-US" dirty="0"/>
-              <a:t>JUnit runs a suite of tests and reports results</a:t>
-            </a:r>
-          </a:p>
-          <a:p>
-            <a:pPr lvl="1"/>
-            <a:endParaRPr lang="en-US" dirty="0"/>
-          </a:p>
-          <a:p>
-            <a:pPr lvl="2"/>
-            <a:endParaRPr lang="en-US" dirty="0"/>
-          </a:p>
-          <a:p>
-            <a:pPr lvl="1"/>
-            <a:endParaRPr lang="de-DE" dirty="0"/>
-          </a:p>
-        </p:txBody>
-      </p:sp>
-      <p:sp>
-        <p:nvSpPr>
-          <p:cNvPr id="2" name="Slide Number Placeholder 1"/>
-          <p:cNvSpPr>
-            <a:spLocks noGrp="1"/>
-          </p:cNvSpPr>
-          <p:nvPr>
-            <p:ph type="sldNum" sz="quarter" idx="12"/>
-          </p:nvPr>
-        </p:nvSpPr>
-        <p:spPr/>
-        <p:txBody>
-          <a:bodyPr/>
-          <a:lstStyle/>
-          <a:p>
-            <a:fld id="{B543A0FD-1CA6-4228-86A2-78061B4844C8}" type="slidenum">
-              <a:rPr lang="en-US" smtClean="0"/>
-              <a:t>7</a:t>
-            </a:fld>
-            <a:endParaRPr lang="en-US"/>
-          </a:p>
-        </p:txBody>
-      </p:sp>
-    </p:spTree>
-    <p:extLst>
-      <p:ext uri="{BB962C8B-B14F-4D97-AF65-F5344CB8AC3E}">
-        <p14:creationId xmlns:p14="http://schemas.microsoft.com/office/powerpoint/2010/main" val="1502150840"/>
-      </p:ext>
-    </p:extLst>
-  </p:cSld>
-  <p:clrMapOvr>
-    <a:masterClrMapping/>
-  </p:clrMapOvr>
-  <p:timing>
-    <p:tnLst>
-      <p:par>
-        <p:cTn id="1" dur="indefinite" restart="never" nodeType="tmRoot"/>
-      </p:par>
-    </p:tnLst>
-  </p:timing>
-</p:sld>
-</file>
-
-<file path=ppt/slides/slide70.xml><?xml version="1.0" encoding="utf-8"?>
+<file path=ppt/slides/slide67.xml><?xml version="1.0" encoding="utf-8"?>
 <p:sld xmlns:a="http://schemas.openxmlformats.org/drawingml/2006/main" xmlns:r="http://schemas.openxmlformats.org/officeDocument/2006/relationships" xmlns:p="http://schemas.openxmlformats.org/presentationml/2006/main">
   <p:cSld>
     <p:spTree>
@@ -30209,7 +29229,7 @@
               <a:pPr>
                 <a:defRPr/>
               </a:pPr>
-              <a:t>70</a:t>
+              <a:t>67</a:t>
             </a:fld>
             <a:endParaRPr lang="en-US"/>
           </a:p>
@@ -30228,7 +29248,7 @@
 </p:sld>
 </file>
 
-<file path=ppt/slides/slide71.xml><?xml version="1.0" encoding="utf-8"?>
+<file path=ppt/slides/slide68.xml><?xml version="1.0" encoding="utf-8"?>
 <p:sld xmlns:a="http://schemas.openxmlformats.org/drawingml/2006/main" xmlns:r="http://schemas.openxmlformats.org/officeDocument/2006/relationships" xmlns:p="http://schemas.openxmlformats.org/presentationml/2006/main">
   <p:cSld>
     <p:spTree>
@@ -30279,8 +29299,8 @@
         </p:nvSpPr>
         <p:spPr>
           <a:xfrm>
-            <a:off x="911352" y="1690688"/>
-            <a:ext cx="9147048" cy="4665662"/>
+            <a:off x="414067" y="1509623"/>
+            <a:ext cx="10860657" cy="4846727"/>
           </a:xfrm>
         </p:spPr>
         <p:txBody>
@@ -30403,7 +29423,7 @@
           <a:p>
             <a:fld id="{B543A0FD-1CA6-4228-86A2-78061B4844C8}" type="slidenum">
               <a:rPr lang="en-US" smtClean="0"/>
-              <a:t>71</a:t>
+              <a:t>68</a:t>
             </a:fld>
             <a:endParaRPr lang="en-US"/>
           </a:p>
@@ -30700,7 +29720,7 @@
 </p:sld>
 </file>
 
-<file path=ppt/slides/slide72.xml><?xml version="1.0" encoding="utf-8"?>
+<file path=ppt/slides/slide69.xml><?xml version="1.0" encoding="utf-8"?>
 <p:sld xmlns:a="http://schemas.openxmlformats.org/drawingml/2006/main" xmlns:r="http://schemas.openxmlformats.org/officeDocument/2006/relationships" xmlns:p="http://schemas.openxmlformats.org/presentationml/2006/main">
   <p:cSld>
     <p:spTree>
@@ -30763,8 +29783,8 @@
         </p:nvSpPr>
         <p:spPr>
           <a:xfrm>
-            <a:off x="1981200" y="2590800"/>
-            <a:ext cx="8229600" cy="1905000"/>
+            <a:off x="940279" y="2199737"/>
+            <a:ext cx="9635706" cy="2296064"/>
           </a:xfrm>
           <a:effectLst>
             <a:outerShdw blurRad="50800" dist="38100" dir="2700000" algn="tl" rotWithShape="0">
@@ -30789,14 +29809,16 @@
           </a:fontRef>
         </p:style>
         <p:txBody>
-          <a:bodyPr/>
+          <a:bodyPr>
+            <a:noAutofit/>
+          </a:bodyPr>
           <a:lstStyle/>
           <a:p>
             <a:pPr marL="0" indent="0">
               <a:buNone/>
             </a:pPr>
             <a:r>
-              <a:rPr lang="en-US" sz="1800" dirty="0">
+              <a:rPr lang="en-US" sz="2400" dirty="0">
                 <a:solidFill>
                   <a:schemeClr val="accent4">
                     <a:lumMod val="50000"/>
@@ -30808,7 +29830,7 @@
               <a:t>@</a:t>
             </a:r>
             <a:r>
-              <a:rPr lang="en-US" sz="1800" dirty="0" err="1">
+              <a:rPr lang="en-US" sz="2400" dirty="0" err="1">
                 <a:solidFill>
                   <a:schemeClr val="accent4">
                     <a:lumMod val="50000"/>
@@ -30819,7 +29841,7 @@
               </a:rPr>
               <a:t>ParameterizedTest</a:t>
             </a:r>
-            <a:endParaRPr lang="en-US" sz="1800" dirty="0">
+            <a:endParaRPr lang="en-US" sz="2400" dirty="0">
               <a:solidFill>
                 <a:schemeClr val="accent4">
                   <a:lumMod val="50000"/>
@@ -30834,7 +29856,7 @@
               <a:buNone/>
             </a:pPr>
             <a:r>
-              <a:rPr lang="en-US" sz="1800" dirty="0">
+              <a:rPr lang="en-US" sz="2400" dirty="0">
                 <a:solidFill>
                   <a:srgbClr val="7F7F7F"/>
                 </a:solidFill>
@@ -30843,7 +29865,7 @@
               <a:t>@</a:t>
             </a:r>
             <a:r>
-              <a:rPr lang="en-US" sz="1800" dirty="0" err="1">
+              <a:rPr lang="en-US" sz="2400" dirty="0" err="1">
                 <a:solidFill>
                   <a:srgbClr val="7F7F7F"/>
                 </a:solidFill>
@@ -30852,13 +29874,13 @@
               <a:t>ValueSource</a:t>
             </a:r>
             <a:r>
-              <a:rPr lang="en-US" sz="1800" dirty="0">
+              <a:rPr lang="en-US" sz="2400" dirty="0">
                 <a:cs typeface="Menlo Regular"/>
               </a:rPr>
               <a:t>(strings = { </a:t>
             </a:r>
             <a:r>
-              <a:rPr lang="en-US" sz="1800" dirty="0">
+              <a:rPr lang="en-US" sz="2400" dirty="0">
                 <a:solidFill>
                   <a:srgbClr val="FF0000"/>
                 </a:solidFill>
@@ -30867,13 +29889,13 @@
               <a:t>"racecar"</a:t>
             </a:r>
             <a:r>
-              <a:rPr lang="en-US" sz="1800" dirty="0">
+              <a:rPr lang="en-US" sz="2400" dirty="0">
                 <a:cs typeface="Menlo Regular"/>
               </a:rPr>
               <a:t>, </a:t>
             </a:r>
             <a:r>
-              <a:rPr lang="en-US" sz="1800" dirty="0">
+              <a:rPr lang="en-US" sz="2400" dirty="0">
                 <a:solidFill>
                   <a:srgbClr val="FF0000"/>
                 </a:solidFill>
@@ -30882,13 +29904,13 @@
               <a:t>"radar"</a:t>
             </a:r>
             <a:r>
-              <a:rPr lang="en-US" sz="1800" dirty="0">
+              <a:rPr lang="en-US" sz="2400" dirty="0">
                 <a:cs typeface="Menlo Regular"/>
               </a:rPr>
               <a:t>, </a:t>
             </a:r>
             <a:r>
-              <a:rPr lang="en-US" sz="1800" dirty="0">
+              <a:rPr lang="en-US" sz="2400" dirty="0">
                 <a:solidFill>
                   <a:srgbClr val="FF0000"/>
                 </a:solidFill>
@@ -30897,7 +29919,7 @@
               <a:t>"able was I ere I saw </a:t>
             </a:r>
             <a:r>
-              <a:rPr lang="en-US" sz="1800" dirty="0" err="1">
+              <a:rPr lang="en-US" sz="2400" dirty="0" err="1">
                 <a:solidFill>
                   <a:srgbClr val="FF0000"/>
                 </a:solidFill>
@@ -30906,7 +29928,7 @@
               <a:t>elba</a:t>
             </a:r>
             <a:r>
-              <a:rPr lang="en-US" sz="1800" dirty="0">
+              <a:rPr lang="en-US" sz="2400" dirty="0">
                 <a:solidFill>
                   <a:srgbClr val="FF0000"/>
                 </a:solidFill>
@@ -30915,7 +29937,7 @@
               <a:t>"</a:t>
             </a:r>
             <a:r>
-              <a:rPr lang="en-US" sz="1800" dirty="0">
+              <a:rPr lang="en-US" sz="2400" dirty="0">
                 <a:cs typeface="Menlo Regular"/>
               </a:rPr>
               <a:t> })</a:t>
@@ -30926,7 +29948,7 @@
               <a:buNone/>
             </a:pPr>
             <a:r>
-              <a:rPr lang="en-US" sz="1800" dirty="0">
+              <a:rPr lang="en-US" sz="2400" dirty="0">
                 <a:cs typeface="Menlo Regular"/>
               </a:rPr>
               <a:t>void palindromes(String candidate) {</a:t>
@@ -30937,31 +29959,31 @@
               <a:buNone/>
             </a:pPr>
             <a:r>
-              <a:rPr lang="en-US" sz="1800" dirty="0">
+              <a:rPr lang="en-US" sz="2400" dirty="0">
                 <a:cs typeface="Menlo Regular"/>
               </a:rPr>
               <a:t>    </a:t>
             </a:r>
             <a:r>
-              <a:rPr lang="en-US" sz="1800" dirty="0" err="1">
+              <a:rPr lang="en-US" sz="2400" dirty="0" err="1">
                 <a:cs typeface="Menlo Regular"/>
               </a:rPr>
               <a:t>assertTrue</a:t>
             </a:r>
             <a:r>
-              <a:rPr lang="en-US" sz="1800" dirty="0">
+              <a:rPr lang="en-US" sz="2400" dirty="0">
                 <a:cs typeface="Menlo Regular"/>
               </a:rPr>
               <a:t>(</a:t>
             </a:r>
             <a:r>
-              <a:rPr lang="en-US" sz="1800" dirty="0" err="1">
+              <a:rPr lang="en-US" sz="2400" dirty="0" err="1">
                 <a:cs typeface="Menlo Regular"/>
               </a:rPr>
               <a:t>StringUtils.isPalindrome</a:t>
             </a:r>
             <a:r>
-              <a:rPr lang="en-US" sz="1800" dirty="0">
+              <a:rPr lang="en-US" sz="2400" dirty="0">
                 <a:cs typeface="Menlo Regular"/>
               </a:rPr>
               <a:t>(candidate));</a:t>
@@ -30972,7 +29994,7 @@
               <a:buNone/>
             </a:pPr>
             <a:r>
-              <a:rPr lang="en-US" sz="1800" dirty="0">
+              <a:rPr lang="en-US" sz="2400" dirty="0">
                 <a:cs typeface="Menlo Regular"/>
               </a:rPr>
               <a:t>}</a:t>
@@ -30997,7 +30019,7 @@
           <a:p>
             <a:fld id="{B543A0FD-1CA6-4228-86A2-78061B4844C8}" type="slidenum">
               <a:rPr lang="en-US" smtClean="0"/>
-              <a:t>72</a:t>
+              <a:t>69</a:t>
             </a:fld>
             <a:endParaRPr lang="en-US"/>
           </a:p>
@@ -31023,7 +30045,7 @@
 </p:sld>
 </file>
 
-<file path=ppt/slides/slide73.xml><?xml version="1.0" encoding="utf-8"?>
+<file path=ppt/slides/slide7.xml><?xml version="1.0" encoding="utf-8"?>
 <p:sld xmlns:a="http://schemas.openxmlformats.org/drawingml/2006/main" xmlns:r="http://schemas.openxmlformats.org/officeDocument/2006/relationships" xmlns:p="http://schemas.openxmlformats.org/presentationml/2006/main">
   <p:cSld>
     <p:spTree>
@@ -31042,9 +30064,9 @@
       </p:grpSpPr>
       <p:sp>
         <p:nvSpPr>
-          <p:cNvPr id="2" name="Title 1"/>
-          <p:cNvSpPr>
-            <a:spLocks noGrp="1"/>
+          <p:cNvPr id="414722" name="Rectangle 2"/>
+          <p:cNvSpPr>
+            <a:spLocks noGrp="1" noChangeArrowheads="1"/>
           </p:cNvSpPr>
           <p:nvPr>
             <p:ph type="title"/>
@@ -31056,20 +30078,21 @@
           <a:lstStyle/>
           <a:p>
             <a:r>
-              <a:rPr lang="en-US" dirty="0"/>
-              <a:t>Readings and References</a:t>
-            </a:r>
-          </a:p>
-        </p:txBody>
-      </p:sp>
-      <p:sp>
-        <p:nvSpPr>
-          <p:cNvPr id="3" name="Content Placeholder 2"/>
-          <p:cNvSpPr>
-            <a:spLocks noGrp="1"/>
-          </p:cNvSpPr>
-          <p:nvPr>
-            <p:ph sz="quarter" idx="1"/>
+              <a:rPr lang="de-DE" dirty="0" smtClean="0"/>
+              <a:t>JUnit</a:t>
+            </a:r>
+            <a:endParaRPr lang="de-DE" dirty="0"/>
+          </a:p>
+        </p:txBody>
+      </p:sp>
+      <p:sp>
+        <p:nvSpPr>
+          <p:cNvPr id="414723" name="Rectangle 3"/>
+          <p:cNvSpPr>
+            <a:spLocks noGrp="1" noChangeArrowheads="1"/>
+          </p:cNvSpPr>
+          <p:nvPr>
+            <p:ph type="body" idx="1"/>
           </p:nvPr>
         </p:nvSpPr>
         <p:spPr/>
@@ -31078,40 +30101,72 @@
           <a:lstStyle/>
           <a:p>
             <a:r>
-              <a:rPr lang="en-US" dirty="0" err="1" smtClean="0"/>
-              <a:t>Junit</a:t>
+              <a:rPr lang="en-US" sz="3100" dirty="0"/>
+              <a:t>JUnit helps the programmer:</a:t>
+            </a:r>
+          </a:p>
+          <a:p>
+            <a:pPr lvl="1"/>
+            <a:r>
+              <a:rPr lang="en-US" dirty="0"/>
+              <a:t>Define and execute tests and test suites</a:t>
+            </a:r>
+          </a:p>
+          <a:p>
+            <a:pPr lvl="1"/>
+            <a:r>
+              <a:rPr lang="en-US" dirty="0"/>
+              <a:t>Formalize requirements and clarify architecture</a:t>
+            </a:r>
+          </a:p>
+          <a:p>
+            <a:pPr lvl="1"/>
+            <a:r>
+              <a:rPr lang="en-US" dirty="0"/>
+              <a:t>Write and debug code</a:t>
+            </a:r>
+          </a:p>
+          <a:p>
+            <a:pPr lvl="1"/>
+            <a:r>
+              <a:rPr lang="en-US" dirty="0"/>
+              <a:t>Integrate code and always be ready to release a working </a:t>
             </a:r>
             <a:r>
               <a:rPr lang="en-US" dirty="0" smtClean="0"/>
-              <a:t> 5 </a:t>
-            </a:r>
+              <a:t>version</a:t>
+            </a:r>
+          </a:p>
+          <a:p>
             <a:r>
               <a:rPr lang="en-US" dirty="0"/>
-              <a:t>documentation</a:t>
-            </a:r>
-            <a:endParaRPr lang="en-US" dirty="0">
-              <a:hlinkClick r:id="rId3"/>
-            </a:endParaRPr>
+              <a:t>What JUnit does</a:t>
+            </a:r>
           </a:p>
           <a:p>
             <a:pPr lvl="1"/>
             <a:r>
-              <a:rPr lang="en-US" dirty="0">
-                <a:hlinkClick r:id="rId4"/>
-              </a:rPr>
-              <a:t>https://junit.org/junit5/docs/current/user-guide/</a:t>
-            </a:r>
-            <a:endParaRPr lang="en-US" dirty="0"/>
+              <a:rPr lang="en-US" dirty="0"/>
+              <a:t>JUnit runs a suite of tests and reports results</a:t>
+            </a:r>
           </a:p>
           <a:p>
             <a:pPr lvl="1"/>
             <a:endParaRPr lang="en-US" dirty="0"/>
           </a:p>
-        </p:txBody>
-      </p:sp>
-      <p:sp>
-        <p:nvSpPr>
-          <p:cNvPr id="4" name="Slide Number Placeholder 3"/>
+          <a:p>
+            <a:pPr lvl="2"/>
+            <a:endParaRPr lang="en-US" dirty="0"/>
+          </a:p>
+          <a:p>
+            <a:pPr lvl="1"/>
+            <a:endParaRPr lang="de-DE" dirty="0"/>
+          </a:p>
+        </p:txBody>
+      </p:sp>
+      <p:sp>
+        <p:nvSpPr>
+          <p:cNvPr id="2" name="Slide Number Placeholder 1"/>
           <p:cNvSpPr>
             <a:spLocks noGrp="1"/>
           </p:cNvSpPr>
@@ -31126,7 +30181,7 @@
           <a:p>
             <a:fld id="{B543A0FD-1CA6-4228-86A2-78061B4844C8}" type="slidenum">
               <a:rPr lang="en-US" smtClean="0"/>
-              <a:t>73</a:t>
+              <a:t>7</a:t>
             </a:fld>
             <a:endParaRPr lang="en-US"/>
           </a:p>
@@ -31135,7 +30190,7 @@
     </p:spTree>
     <p:extLst>
       <p:ext uri="{BB962C8B-B14F-4D97-AF65-F5344CB8AC3E}">
-        <p14:creationId xmlns:p14="http://schemas.microsoft.com/office/powerpoint/2010/main" val="504165363"/>
+        <p14:creationId xmlns:p14="http://schemas.microsoft.com/office/powerpoint/2010/main" val="1502150840"/>
       </p:ext>
     </p:extLst>
   </p:cSld>

--- a/SE401/Lectures/6-Unit Testing and Junit/Unit Testing and JUnit.pptx
+++ b/SE401/Lectures/6-Unit Testing and Junit/Unit Testing and JUnit.pptx
@@ -265,7 +265,7 @@
           <a:p>
             <a:fld id="{FDCF9676-2199-4465-A5AC-D069EEB5BB59}" type="datetimeFigureOut">
               <a:rPr lang="en-US" smtClean="0"/>
-              <a:t>2/23/2022</a:t>
+              <a:t>2/28/2022</a:t>
             </a:fld>
             <a:endParaRPr lang="en-US"/>
           </a:p>
@@ -2166,7 +2166,7 @@
           <a:p>
             <a:fld id="{B2F5E2FA-C428-4CE7-95B0-168D3259A5BB}" type="datetimeFigureOut">
               <a:rPr lang="en-US" smtClean="0"/>
-              <a:t>2/23/2022</a:t>
+              <a:t>2/28/2022</a:t>
             </a:fld>
             <a:endParaRPr lang="en-US"/>
           </a:p>
@@ -2417,7 +2417,7 @@
           <a:p>
             <a:fld id="{B2F5E2FA-C428-4CE7-95B0-168D3259A5BB}" type="datetimeFigureOut">
               <a:rPr lang="en-US" smtClean="0"/>
-              <a:t>2/23/2022</a:t>
+              <a:t>2/28/2022</a:t>
             </a:fld>
             <a:endParaRPr lang="en-US"/>
           </a:p>
@@ -2597,7 +2597,7 @@
           <a:p>
             <a:fld id="{B2F5E2FA-C428-4CE7-95B0-168D3259A5BB}" type="datetimeFigureOut">
               <a:rPr lang="en-US" smtClean="0"/>
-              <a:t>2/23/2022</a:t>
+              <a:t>2/28/2022</a:t>
             </a:fld>
             <a:endParaRPr lang="en-US"/>
           </a:p>
@@ -2853,7 +2853,7 @@
           <a:p>
             <a:fld id="{B2F5E2FA-C428-4CE7-95B0-168D3259A5BB}" type="datetimeFigureOut">
               <a:rPr lang="en-US" smtClean="0"/>
-              <a:t>2/23/2022</a:t>
+              <a:t>2/28/2022</a:t>
             </a:fld>
             <a:endParaRPr lang="en-US"/>
           </a:p>
@@ -3198,7 +3198,7 @@
           <a:p>
             <a:fld id="{B2F5E2FA-C428-4CE7-95B0-168D3259A5BB}" type="datetimeFigureOut">
               <a:rPr lang="en-US" smtClean="0"/>
-              <a:t>2/23/2022</a:t>
+              <a:t>2/28/2022</a:t>
             </a:fld>
             <a:endParaRPr lang="en-US"/>
           </a:p>
@@ -3430,7 +3430,7 @@
           <a:p>
             <a:fld id="{B2F5E2FA-C428-4CE7-95B0-168D3259A5BB}" type="datetimeFigureOut">
               <a:rPr lang="en-US" smtClean="0"/>
-              <a:t>2/23/2022</a:t>
+              <a:t>2/28/2022</a:t>
             </a:fld>
             <a:endParaRPr lang="en-US"/>
           </a:p>
@@ -3797,7 +3797,7 @@
           <a:p>
             <a:fld id="{B2F5E2FA-C428-4CE7-95B0-168D3259A5BB}" type="datetimeFigureOut">
               <a:rPr lang="en-US" smtClean="0"/>
-              <a:t>2/23/2022</a:t>
+              <a:t>2/28/2022</a:t>
             </a:fld>
             <a:endParaRPr lang="en-US"/>
           </a:p>
@@ -3892,7 +3892,7 @@
           <a:p>
             <a:fld id="{B2F5E2FA-C428-4CE7-95B0-168D3259A5BB}" type="datetimeFigureOut">
               <a:rPr lang="en-US" smtClean="0"/>
-              <a:t>2/23/2022</a:t>
+              <a:t>2/28/2022</a:t>
             </a:fld>
             <a:endParaRPr lang="en-US"/>
           </a:p>
@@ -4115,7 +4115,7 @@
             <a:fld id="{B2F5E2FA-C428-4CE7-95B0-168D3259A5BB}" type="datetimeFigureOut">
               <a:rPr lang="en-US" smtClean="0"/>
               <a:pPr/>
-              <a:t>2/23/2022</a:t>
+              <a:t>2/28/2022</a:t>
             </a:fld>
             <a:endParaRPr lang="en-US"/>
           </a:p>
@@ -4286,7 +4286,7 @@
           <a:p>
             <a:fld id="{B2F5E2FA-C428-4CE7-95B0-168D3259A5BB}" type="datetimeFigureOut">
               <a:rPr lang="en-US" smtClean="0"/>
-              <a:t>2/23/2022</a:t>
+              <a:t>2/28/2022</a:t>
             </a:fld>
             <a:endParaRPr lang="en-US"/>
           </a:p>
@@ -4563,7 +4563,7 @@
           <a:p>
             <a:fld id="{B2F5E2FA-C428-4CE7-95B0-168D3259A5BB}" type="datetimeFigureOut">
               <a:rPr lang="en-US" smtClean="0"/>
-              <a:t>2/23/2022</a:t>
+              <a:t>2/28/2022</a:t>
             </a:fld>
             <a:endParaRPr lang="en-US"/>
           </a:p>
@@ -4816,7 +4816,7 @@
           <a:p>
             <a:fld id="{B2F5E2FA-C428-4CE7-95B0-168D3259A5BB}" type="datetimeFigureOut">
               <a:rPr lang="en-US" smtClean="0"/>
-              <a:t>2/23/2022</a:t>
+              <a:t>2/28/2022</a:t>
             </a:fld>
             <a:endParaRPr lang="en-US"/>
           </a:p>
@@ -5029,7 +5029,7 @@
           <a:p>
             <a:fld id="{B2F5E2FA-C428-4CE7-95B0-168D3259A5BB}" type="datetimeFigureOut">
               <a:rPr lang="en-US" smtClean="0"/>
-              <a:t>2/23/2022</a:t>
+              <a:t>2/28/2022</a:t>
             </a:fld>
             <a:endParaRPr lang="en-US"/>
           </a:p>
@@ -10382,17 +10382,7 @@
                 <a:latin typeface="+mn-lt"/>
                 <a:cs typeface="Menlo Regular"/>
               </a:rPr>
-              <a:t>	</a:t>
-            </a:r>
-            <a:r>
-              <a:rPr lang="en-CA" sz="2400" dirty="0">
-                <a:solidFill>
-                  <a:srgbClr val="800000"/>
-                </a:solidFill>
-                <a:latin typeface="+mn-lt"/>
-                <a:cs typeface="Menlo Regular"/>
-              </a:rPr>
-              <a:t>   </a:t>
+              <a:t>	   </a:t>
             </a:r>
             <a:r>
               <a:rPr lang="en-CA" sz="2400" dirty="0" err="1">
@@ -10829,7 +10819,7 @@
           <a:effectLst/>
           <a:extLst>
             <a:ext uri="{AF507438-7753-43e0-B8FC-AC1667EBCBE1}">
-              <a14:hiddenEffects xmlns="" xmlns:a14="http://schemas.microsoft.com/office/drawing/2010/main">
+              <a14:hiddenEffects xmlns:a14="http://schemas.microsoft.com/office/drawing/2010/main" xmlns="">
                 <a:effectLst>
                   <a:outerShdw blurRad="63500" dist="38099" dir="2700000" algn="ctr" rotWithShape="0">
                     <a:schemeClr val="bg2">
@@ -10902,12 +10892,12 @@
           <a:effectLst/>
           <a:extLst>
             <a:ext uri="{909E8E84-426E-40dd-AFC4-6F175D3DCCD1}">
-              <a14:hiddenFill xmlns="" xmlns:a14="http://schemas.microsoft.com/office/drawing/2010/main">
+              <a14:hiddenFill xmlns:a14="http://schemas.microsoft.com/office/drawing/2010/main" xmlns="">
                 <a:noFill/>
               </a14:hiddenFill>
             </a:ext>
             <a:ext uri="{AF507438-7753-43e0-B8FC-AC1667EBCBE1}">
-              <a14:hiddenEffects xmlns="" xmlns:a14="http://schemas.microsoft.com/office/drawing/2010/main">
+              <a14:hiddenEffects xmlns:a14="http://schemas.microsoft.com/office/drawing/2010/main" xmlns="">
                 <a:effectLst>
                   <a:outerShdw blurRad="63500" dist="38099" dir="2700000" algn="ctr" rotWithShape="0">
                     <a:schemeClr val="bg2">
@@ -11322,7 +11312,7 @@
           <a:effectLst/>
           <a:extLst>
             <a:ext uri="{AF507438-7753-43e0-B8FC-AC1667EBCBE1}">
-              <a14:hiddenEffects xmlns="" xmlns:a14="http://schemas.microsoft.com/office/drawing/2010/main">
+              <a14:hiddenEffects xmlns:a14="http://schemas.microsoft.com/office/drawing/2010/main" xmlns="">
                 <a:effectLst>
                   <a:outerShdw blurRad="63500" dist="38099" dir="2700000" algn="ctr" rotWithShape="0">
                     <a:schemeClr val="bg2">
@@ -11418,12 +11408,12 @@
           <a:effectLst/>
           <a:extLst>
             <a:ext uri="{909E8E84-426E-40dd-AFC4-6F175D3DCCD1}">
-              <a14:hiddenFill xmlns="" xmlns:a14="http://schemas.microsoft.com/office/drawing/2010/main">
+              <a14:hiddenFill xmlns:a14="http://schemas.microsoft.com/office/drawing/2010/main" xmlns="">
                 <a:noFill/>
               </a14:hiddenFill>
             </a:ext>
             <a:ext uri="{AF507438-7753-43e0-B8FC-AC1667EBCBE1}">
-              <a14:hiddenEffects xmlns="" xmlns:a14="http://schemas.microsoft.com/office/drawing/2010/main">
+              <a14:hiddenEffects xmlns:a14="http://schemas.microsoft.com/office/drawing/2010/main" xmlns="">
                 <a:effectLst>
                   <a:outerShdw blurRad="63500" dist="38099" dir="2700000" algn="ctr" rotWithShape="0">
                     <a:schemeClr val="bg2">
@@ -11848,7 +11838,7 @@
           <a:effectLst/>
           <a:extLst>
             <a:ext uri="{AF507438-7753-43e0-B8FC-AC1667EBCBE1}">
-              <a14:hiddenEffects xmlns="" xmlns:a14="http://schemas.microsoft.com/office/drawing/2010/main">
+              <a14:hiddenEffects xmlns:a14="http://schemas.microsoft.com/office/drawing/2010/main" xmlns="">
                 <a:effectLst>
                   <a:outerShdw blurRad="63500" dist="38099" dir="2700000" algn="ctr" rotWithShape="0">
                     <a:schemeClr val="bg2">
@@ -11940,12 +11930,12 @@
           <a:effectLst/>
           <a:extLst>
             <a:ext uri="{909E8E84-426E-40dd-AFC4-6F175D3DCCD1}">
-              <a14:hiddenFill xmlns="" xmlns:a14="http://schemas.microsoft.com/office/drawing/2010/main">
+              <a14:hiddenFill xmlns:a14="http://schemas.microsoft.com/office/drawing/2010/main" xmlns="">
                 <a:noFill/>
               </a14:hiddenFill>
             </a:ext>
             <a:ext uri="{AF507438-7753-43e0-B8FC-AC1667EBCBE1}">
-              <a14:hiddenEffects xmlns="" xmlns:a14="http://schemas.microsoft.com/office/drawing/2010/main">
+              <a14:hiddenEffects xmlns:a14="http://schemas.microsoft.com/office/drawing/2010/main" xmlns="">
                 <a:effectLst>
                   <a:outerShdw blurRad="63500" dist="38099" dir="2700000" algn="ctr" rotWithShape="0">
                     <a:schemeClr val="bg2">
@@ -11998,12 +11988,12 @@
           <a:effectLst/>
           <a:extLst>
             <a:ext uri="{909E8E84-426E-40dd-AFC4-6F175D3DCCD1}">
-              <a14:hiddenFill xmlns="" xmlns:a14="http://schemas.microsoft.com/office/drawing/2010/main">
+              <a14:hiddenFill xmlns:a14="http://schemas.microsoft.com/office/drawing/2010/main" xmlns="">
                 <a:noFill/>
               </a14:hiddenFill>
             </a:ext>
             <a:ext uri="{AF507438-7753-43e0-B8FC-AC1667EBCBE1}">
-              <a14:hiddenEffects xmlns="" xmlns:a14="http://schemas.microsoft.com/office/drawing/2010/main">
+              <a14:hiddenEffects xmlns:a14="http://schemas.microsoft.com/office/drawing/2010/main" xmlns="">
                 <a:effectLst>
                   <a:outerShdw blurRad="63500" dist="38099" dir="2700000" algn="ctr" rotWithShape="0">
                     <a:schemeClr val="bg2">
@@ -12424,7 +12414,7 @@
           <a:effectLst/>
           <a:extLst>
             <a:ext uri="{AF507438-7753-43e0-B8FC-AC1667EBCBE1}">
-              <a14:hiddenEffects xmlns="" xmlns:a14="http://schemas.microsoft.com/office/drawing/2010/main">
+              <a14:hiddenEffects xmlns:a14="http://schemas.microsoft.com/office/drawing/2010/main" xmlns="">
                 <a:effectLst>
                   <a:outerShdw blurRad="63500" dist="38099" dir="2700000" algn="ctr" rotWithShape="0">
                     <a:schemeClr val="bg2">
@@ -12515,12 +12505,12 @@
           <a:effectLst/>
           <a:extLst>
             <a:ext uri="{909E8E84-426E-40dd-AFC4-6F175D3DCCD1}">
-              <a14:hiddenFill xmlns="" xmlns:a14="http://schemas.microsoft.com/office/drawing/2010/main">
+              <a14:hiddenFill xmlns:a14="http://schemas.microsoft.com/office/drawing/2010/main" xmlns="">
                 <a:noFill/>
               </a14:hiddenFill>
             </a:ext>
             <a:ext uri="{AF507438-7753-43e0-B8FC-AC1667EBCBE1}">
-              <a14:hiddenEffects xmlns="" xmlns:a14="http://schemas.microsoft.com/office/drawing/2010/main">
+              <a14:hiddenEffects xmlns:a14="http://schemas.microsoft.com/office/drawing/2010/main" xmlns="">
                 <a:effectLst>
                   <a:outerShdw blurRad="63500" dist="38099" dir="2700000" algn="ctr" rotWithShape="0">
                     <a:schemeClr val="bg2">
@@ -13077,11 +13067,7 @@
             </a:r>
             <a:r>
               <a:rPr lang="en-US" i="1" dirty="0" smtClean="0"/>
-              <a:t>Sample </a:t>
-            </a:r>
-            <a:r>
-              <a:rPr lang="en-US" i="1" dirty="0" smtClean="0"/>
-              <a:t>Code</a:t>
+              <a:t>Sample Code</a:t>
             </a:r>
             <a:endParaRPr lang="en-US" dirty="0" smtClean="0"/>
           </a:p>
